--- a/Diaporama2.pptx
+++ b/Diaporama2.pptx
@@ -5,7 +5,7 @@
     <p:sldMasterId id="2147483648" r:id="rId1"/>
   </p:sldMasterIdLst>
   <p:notesMasterIdLst>
-    <p:notesMasterId r:id="rId11"/>
+    <p:notesMasterId r:id="rId29"/>
   </p:notesMasterIdLst>
   <p:sldIdLst>
     <p:sldId id="256" r:id="rId4"/>
@@ -15,6 +15,24 @@
     <p:sldId id="260" r:id="rId8"/>
     <p:sldId id="261" r:id="rId9"/>
     <p:sldId id="262" r:id="rId10"/>
+    <p:sldId id="263" r:id="rId11"/>
+    <p:sldId id="264" r:id="rId12"/>
+    <p:sldId id="265" r:id="rId13"/>
+    <p:sldId id="266" r:id="rId14"/>
+    <p:sldId id="267" r:id="rId15"/>
+    <p:sldId id="268" r:id="rId16"/>
+    <p:sldId id="269" r:id="rId17"/>
+    <p:sldId id="270" r:id="rId18"/>
+    <p:sldId id="271" r:id="rId19"/>
+    <p:sldId id="272" r:id="rId20"/>
+    <p:sldId id="273" r:id="rId21"/>
+    <p:sldId id="274" r:id="rId22"/>
+    <p:sldId id="275" r:id="rId23"/>
+    <p:sldId id="276" r:id="rId24"/>
+    <p:sldId id="277" r:id="rId25"/>
+    <p:sldId id="278" r:id="rId26"/>
+    <p:sldId id="279" r:id="rId27"/>
+    <p:sldId id="280" r:id="rId28"/>
   </p:sldIdLst>
   <p:sldSz cx="12192000" cy="6858000"/>
   <p:notesSz cx="6858000" cy="12192000"/>
@@ -757,8 +775,352 @@
 </p:notes>
 </file>
 
+<file path=ppt/notesSlides/notesSlide4.xml><?xml version="1.0" encoding="utf-8"?>
+<p:notes xmlns:a="http://schemas.openxmlformats.org/drawingml/2006/main" xmlns:r="http://schemas.openxmlformats.org/officeDocument/2006/relationships" xmlns:p="http://schemas.openxmlformats.org/presentationml/2006/main" xmlns:m="http://schemas.openxmlformats.org/officeDocument/2006/math" xmlns:w="http://schemas.openxmlformats.org/wordprocessingml/2006/main">
+  <p:cSld name="">
+    <p:spTree>
+      <p:nvGrpSpPr>
+        <p:cNvPr id="1" name="" hidden="0"/>
+        <p:cNvGrpSpPr/>
+        <p:nvPr isPhoto="0" userDrawn="0"/>
+      </p:nvGrpSpPr>
+      <p:grpSpPr bwMode="auto">
+        <a:xfrm>
+          <a:off x="0" y="0"/>
+          <a:ext cx="0" cy="0"/>
+          <a:chOff x="0" y="0"/>
+          <a:chExt cx="0" cy="0"/>
+        </a:xfrm>
+      </p:grpSpPr>
+      <p:sp>
+        <p:nvSpPr>
+          <p:cNvPr id="4" name="Slide Image Placeholder 1" hidden="0"/>
+          <p:cNvSpPr>
+            <a:spLocks noChangeAspect="1" noGrp="1" noRot="1"/>
+          </p:cNvSpPr>
+          <p:nvPr isPhoto="0" userDrawn="0">
+            <p:ph type="sldImg" hasCustomPrompt="0"/>
+          </p:nvPr>
+        </p:nvSpPr>
+        <p:spPr bwMode="auto"/>
+      </p:sp>
+      <p:sp>
+        <p:nvSpPr>
+          <p:cNvPr id="5" name="Notes Placeholder 2" hidden="0"/>
+          <p:cNvSpPr>
+            <a:spLocks noGrp="1"/>
+          </p:cNvSpPr>
+          <p:nvPr isPhoto="0" userDrawn="0">
+            <p:ph type="body" idx="1" hasCustomPrompt="0"/>
+          </p:nvPr>
+        </p:nvSpPr>
+        <p:spPr bwMode="auto"/>
+        <p:txBody>
+          <a:bodyPr/>
+          <a:lstStyle/>
+          <a:p>
+            <a:pPr>
+              <a:defRPr/>
+            </a:pPr>
+            <a:r>
+              <a:rPr/>
+              <a:t>c'est la meta content qui est concerné </a:t>
+            </a:r>
+            <a:endParaRPr/>
+          </a:p>
+        </p:txBody>
+      </p:sp>
+      <p:sp>
+        <p:nvSpPr>
+          <p:cNvPr id="6" name="Slide Number Placeholder 3" hidden="0"/>
+          <p:cNvSpPr>
+            <a:spLocks noGrp="1"/>
+          </p:cNvSpPr>
+          <p:nvPr isPhoto="0" userDrawn="0">
+            <p:ph type="sldNum" sz="quarter" idx="10" hasCustomPrompt="0"/>
+          </p:nvPr>
+        </p:nvSpPr>
+        <p:spPr bwMode="auto"/>
+        <p:txBody>
+          <a:bodyPr/>
+          <a:lstStyle/>
+          <a:p>
+            <a:pPr>
+              <a:defRPr/>
+            </a:pPr>
+            <a:endParaRPr/>
+          </a:p>
+        </p:txBody>
+      </p:sp>
+    </p:spTree>
+  </p:cSld>
+</p:notes>
+</file>
+
+<file path=ppt/notesSlides/notesSlide5.xml><?xml version="1.0" encoding="utf-8"?>
+<p:notes xmlns:a="http://schemas.openxmlformats.org/drawingml/2006/main" xmlns:r="http://schemas.openxmlformats.org/officeDocument/2006/relationships" xmlns:p="http://schemas.openxmlformats.org/presentationml/2006/main" xmlns:m="http://schemas.openxmlformats.org/officeDocument/2006/math" xmlns:w="http://schemas.openxmlformats.org/wordprocessingml/2006/main">
+  <p:cSld name="">
+    <p:spTree>
+      <p:nvGrpSpPr>
+        <p:cNvPr id="1" name="" hidden="0"/>
+        <p:cNvGrpSpPr/>
+        <p:nvPr isPhoto="0" userDrawn="0"/>
+      </p:nvGrpSpPr>
+      <p:grpSpPr bwMode="auto">
+        <a:xfrm>
+          <a:off x="0" y="0"/>
+          <a:ext cx="0" cy="0"/>
+          <a:chOff x="0" y="0"/>
+          <a:chExt cx="0" cy="0"/>
+        </a:xfrm>
+      </p:grpSpPr>
+      <p:sp>
+        <p:nvSpPr>
+          <p:cNvPr id="4" name="Slide Image Placeholder 1" hidden="0"/>
+          <p:cNvSpPr>
+            <a:spLocks noChangeAspect="1" noGrp="1" noRot="1"/>
+          </p:cNvSpPr>
+          <p:nvPr isPhoto="0" userDrawn="0">
+            <p:ph type="sldImg" hasCustomPrompt="0"/>
+          </p:nvPr>
+        </p:nvSpPr>
+        <p:spPr bwMode="auto"/>
+      </p:sp>
+      <p:sp>
+        <p:nvSpPr>
+          <p:cNvPr id="5" name="Notes Placeholder 2" hidden="0"/>
+          <p:cNvSpPr>
+            <a:spLocks noGrp="1"/>
+          </p:cNvSpPr>
+          <p:nvPr isPhoto="0" userDrawn="0">
+            <p:ph type="body" idx="1" hasCustomPrompt="0"/>
+          </p:nvPr>
+        </p:nvSpPr>
+        <p:spPr bwMode="auto"/>
+        <p:txBody>
+          <a:bodyPr/>
+          <a:lstStyle/>
+          <a:p>
+            <a:pPr>
+              <a:defRPr/>
+            </a:pPr>
+            <a:r>
+              <a:rPr/>
+              <a:t>correction couleur sur la police</a:t>
+            </a:r>
+            <a:endParaRPr/>
+          </a:p>
+          <a:p>
+            <a:pPr>
+              <a:defRPr/>
+            </a:pPr>
+            <a:r>
+              <a:rPr/>
+              <a:t>on 5.1 sachant que le contrate requi est 4.5:1</a:t>
+            </a:r>
+            <a:endParaRPr/>
+          </a:p>
+        </p:txBody>
+      </p:sp>
+      <p:sp>
+        <p:nvSpPr>
+          <p:cNvPr id="6" name="Slide Number Placeholder 3" hidden="0"/>
+          <p:cNvSpPr>
+            <a:spLocks noGrp="1"/>
+          </p:cNvSpPr>
+          <p:nvPr isPhoto="0" userDrawn="0">
+            <p:ph type="sldNum" sz="quarter" idx="10" hasCustomPrompt="0"/>
+          </p:nvPr>
+        </p:nvSpPr>
+        <p:spPr bwMode="auto"/>
+        <p:txBody>
+          <a:bodyPr/>
+          <a:lstStyle/>
+          <a:p>
+            <a:pPr>
+              <a:defRPr/>
+            </a:pPr>
+            <a:endParaRPr/>
+          </a:p>
+        </p:txBody>
+      </p:sp>
+    </p:spTree>
+  </p:cSld>
+</p:notes>
+</file>
+
+<file path=ppt/notesSlides/notesSlide6.xml><?xml version="1.0" encoding="utf-8"?>
+<p:notes xmlns:a="http://schemas.openxmlformats.org/drawingml/2006/main" xmlns:r="http://schemas.openxmlformats.org/officeDocument/2006/relationships" xmlns:p="http://schemas.openxmlformats.org/presentationml/2006/main" xmlns:m="http://schemas.openxmlformats.org/officeDocument/2006/math" xmlns:w="http://schemas.openxmlformats.org/wordprocessingml/2006/main">
+  <p:cSld name="">
+    <p:spTree>
+      <p:nvGrpSpPr>
+        <p:cNvPr id="1" name="" hidden="0"/>
+        <p:cNvGrpSpPr/>
+        <p:nvPr isPhoto="0" userDrawn="0"/>
+      </p:nvGrpSpPr>
+      <p:grpSpPr bwMode="auto">
+        <a:xfrm>
+          <a:off x="0" y="0"/>
+          <a:ext cx="0" cy="0"/>
+          <a:chOff x="0" y="0"/>
+          <a:chExt cx="0" cy="0"/>
+        </a:xfrm>
+      </p:grpSpPr>
+      <p:sp>
+        <p:nvSpPr>
+          <p:cNvPr id="4" name="Slide Image Placeholder 1" hidden="0"/>
+          <p:cNvSpPr>
+            <a:spLocks noChangeAspect="1" noGrp="1" noRot="1"/>
+          </p:cNvSpPr>
+          <p:nvPr isPhoto="0" userDrawn="0">
+            <p:ph type="sldImg" hasCustomPrompt="0"/>
+          </p:nvPr>
+        </p:nvSpPr>
+        <p:spPr bwMode="auto"/>
+      </p:sp>
+      <p:sp>
+        <p:nvSpPr>
+          <p:cNvPr id="5" name="Notes Placeholder 2" hidden="0"/>
+          <p:cNvSpPr>
+            <a:spLocks noGrp="1"/>
+          </p:cNvSpPr>
+          <p:nvPr isPhoto="0" userDrawn="0">
+            <p:ph type="body" idx="1" hasCustomPrompt="0"/>
+          </p:nvPr>
+        </p:nvSpPr>
+        <p:spPr bwMode="auto"/>
+        <p:txBody>
+          <a:bodyPr/>
+          <a:lstStyle/>
+          <a:p>
+            <a:pPr>
+              <a:defRPr/>
+            </a:pPr>
+            <a:r>
+              <a:rPr/>
+              <a:t>modification dans le code </a:t>
+            </a:r>
+            <a:endParaRPr/>
+          </a:p>
+          <a:p>
+            <a:pPr>
+              <a:defRPr/>
+            </a:pPr>
+            <a:endParaRPr/>
+          </a:p>
+        </p:txBody>
+      </p:sp>
+      <p:sp>
+        <p:nvSpPr>
+          <p:cNvPr id="6" name="Slide Number Placeholder 3" hidden="0"/>
+          <p:cNvSpPr>
+            <a:spLocks noGrp="1"/>
+          </p:cNvSpPr>
+          <p:nvPr isPhoto="0" userDrawn="0">
+            <p:ph type="sldNum" sz="quarter" idx="10" hasCustomPrompt="0"/>
+          </p:nvPr>
+        </p:nvSpPr>
+        <p:spPr bwMode="auto"/>
+        <p:txBody>
+          <a:bodyPr/>
+          <a:lstStyle/>
+          <a:p>
+            <a:pPr>
+              <a:defRPr/>
+            </a:pPr>
+            <a:endParaRPr/>
+          </a:p>
+        </p:txBody>
+      </p:sp>
+    </p:spTree>
+  </p:cSld>
+</p:notes>
+</file>
+
+<file path=ppt/notesSlides/notesSlide7.xml><?xml version="1.0" encoding="utf-8"?>
+<p:notes xmlns:a="http://schemas.openxmlformats.org/drawingml/2006/main" xmlns:r="http://schemas.openxmlformats.org/officeDocument/2006/relationships" xmlns:p="http://schemas.openxmlformats.org/presentationml/2006/main" xmlns:m="http://schemas.openxmlformats.org/officeDocument/2006/math" xmlns:w="http://schemas.openxmlformats.org/wordprocessingml/2006/main">
+  <p:cSld name="">
+    <p:spTree>
+      <p:nvGrpSpPr>
+        <p:cNvPr id="1" name="" hidden="0"/>
+        <p:cNvGrpSpPr/>
+        <p:nvPr isPhoto="0" userDrawn="0"/>
+      </p:nvGrpSpPr>
+      <p:grpSpPr bwMode="auto">
+        <a:xfrm>
+          <a:off x="0" y="0"/>
+          <a:ext cx="0" cy="0"/>
+          <a:chOff x="0" y="0"/>
+          <a:chExt cx="0" cy="0"/>
+        </a:xfrm>
+      </p:grpSpPr>
+      <p:sp>
+        <p:nvSpPr>
+          <p:cNvPr id="4" name="Slide Image Placeholder 1" hidden="0"/>
+          <p:cNvSpPr>
+            <a:spLocks noChangeAspect="1" noGrp="1" noRot="1"/>
+          </p:cNvSpPr>
+          <p:nvPr isPhoto="0" userDrawn="0">
+            <p:ph type="sldImg" hasCustomPrompt="0"/>
+          </p:nvPr>
+        </p:nvSpPr>
+        <p:spPr bwMode="auto"/>
+      </p:sp>
+      <p:sp>
+        <p:nvSpPr>
+          <p:cNvPr id="5" name="Notes Placeholder 2" hidden="0"/>
+          <p:cNvSpPr>
+            <a:spLocks noGrp="1"/>
+          </p:cNvSpPr>
+          <p:nvPr isPhoto="0" userDrawn="0">
+            <p:ph type="body" idx="1" hasCustomPrompt="0"/>
+          </p:nvPr>
+        </p:nvSpPr>
+        <p:spPr bwMode="auto"/>
+        <p:txBody>
+          <a:bodyPr/>
+          <a:lstStyle/>
+          <a:p>
+            <a:pPr>
+              <a:defRPr/>
+            </a:pPr>
+            <a:r>
+              <a:rPr/>
+              <a:t>ajout placeorder imput type</a:t>
+            </a:r>
+            <a:endParaRPr/>
+          </a:p>
+        </p:txBody>
+      </p:sp>
+      <p:sp>
+        <p:nvSpPr>
+          <p:cNvPr id="6" name="Slide Number Placeholder 3" hidden="0"/>
+          <p:cNvSpPr>
+            <a:spLocks noGrp="1"/>
+          </p:cNvSpPr>
+          <p:nvPr isPhoto="0" userDrawn="0">
+            <p:ph type="sldNum" sz="quarter" idx="10" hasCustomPrompt="0"/>
+          </p:nvPr>
+        </p:nvSpPr>
+        <p:spPr bwMode="auto"/>
+        <p:txBody>
+          <a:bodyPr/>
+          <a:lstStyle/>
+          <a:p>
+            <a:pPr>
+              <a:defRPr/>
+            </a:pPr>
+            <a:endParaRPr/>
+          </a:p>
+        </p:txBody>
+      </p:sp>
+    </p:spTree>
+  </p:cSld>
+</p:notes>
+</file>
+
 <file path=ppt/slideLayouts/slideLayout1.xml><?xml version="1.0" encoding="utf-8"?>
-<p:sldLayout xmlns:a="http://schemas.openxmlformats.org/drawingml/2006/main" xmlns:r="http://schemas.openxmlformats.org/officeDocument/2006/relationships" xmlns:p="http://schemas.openxmlformats.org/presentationml/2006/main" xmlns:m="http://schemas.openxmlformats.org/officeDocument/2006/math" xmlns:w="http://schemas.openxmlformats.org/wordprocessingml/2006/main" matchingName="" preserve="1" showMasterPhAnim="0" type="title" userDrawn="1">
+<p:sldLayout xmlns:a="http://schemas.openxmlformats.org/drawingml/2006/main" xmlns:r="http://schemas.openxmlformats.org/officeDocument/2006/relationships" xmlns:p="http://schemas.openxmlformats.org/presentationml/2006/main" xmlns:m="http://schemas.openxmlformats.org/officeDocument/2006/math" xmlns:w="http://schemas.openxmlformats.org/wordprocessingml/2006/main" matchingName="" preserve="0" showMasterPhAnim="0" showMasterSp="0" type="title" userDrawn="1">
   <p:cSld name="Title Slide">
     <p:spTree>
       <p:nvGrpSpPr>
@@ -776,93 +1138,569 @@
       </p:grpSpPr>
       <p:sp>
         <p:nvSpPr>
-          <p:cNvPr id="4" name="Title 1" hidden="0"/>
-          <p:cNvSpPr>
-            <a:spLocks noGrp="1"/>
-          </p:cNvSpPr>
-          <p:nvPr isPhoto="0" userDrawn="0">
-            <p:ph type="ctrTitle" hasCustomPrompt="0"/>
-          </p:nvPr>
+          <p:cNvPr id="4" name="Shape 1059" hidden="0"/>
+          <p:cNvSpPr>
+            <a:spLocks noChangeArrowheads="1" noGrp="1"/>
+          </p:cNvSpPr>
+          <p:nvPr isPhoto="0" userDrawn="1"/>
         </p:nvSpPr>
         <p:spPr bwMode="auto">
           <a:xfrm>
-            <a:off x="1523999" y="1122363"/>
-            <a:ext cx="9144000" cy="2387599"/>
+            <a:off x="2396066" y="2291401"/>
+            <a:ext cx="5452533" cy="4165115"/>
+          </a:xfrm>
+          <a:custGeom>
+            <a:avLst/>
+            <a:gdLst/>
+            <a:ahLst/>
+            <a:cxnLst/>
+            <a:rect l="l" t="t" r="r" b="b"/>
+            <a:pathLst>
+              <a:path w="43200" h="43200" fill="norm" stroke="0" extrusionOk="0">
+                <a:moveTo>
+                  <a:pt x="22112" y="3116"/>
+                </a:moveTo>
+                <a:lnTo>
+                  <a:pt x="22112" y="3116"/>
+                </a:lnTo>
+                <a:cubicBezTo>
+                  <a:pt x="22112" y="3116"/>
+                  <a:pt x="27356" y="0"/>
+                  <a:pt x="30300" y="4263"/>
+                </a:cubicBezTo>
+                <a:lnTo>
+                  <a:pt x="30300" y="4263"/>
+                </a:lnTo>
+                <a:cubicBezTo>
+                  <a:pt x="33277" y="8577"/>
+                  <a:pt x="36666" y="13779"/>
+                  <a:pt x="39369" y="17410"/>
+                </a:cubicBezTo>
+                <a:lnTo>
+                  <a:pt x="39369" y="17410"/>
+                </a:lnTo>
+                <a:cubicBezTo>
+                  <a:pt x="41761" y="20624"/>
+                  <a:pt x="43200" y="22708"/>
+                  <a:pt x="40979" y="26940"/>
+                </a:cubicBezTo>
+                <a:lnTo>
+                  <a:pt x="40979" y="26940"/>
+                </a:lnTo>
+                <a:cubicBezTo>
+                  <a:pt x="39655" y="29461"/>
+                  <a:pt x="35076" y="35072"/>
+                  <a:pt x="32639" y="38623"/>
+                </a:cubicBezTo>
+                <a:lnTo>
+                  <a:pt x="32639" y="38623"/>
+                </a:lnTo>
+                <a:cubicBezTo>
+                  <a:pt x="30200" y="42175"/>
+                  <a:pt x="26202" y="43200"/>
+                  <a:pt x="23268" y="42185"/>
+                </a:cubicBezTo>
+                <a:lnTo>
+                  <a:pt x="23268" y="42185"/>
+                </a:lnTo>
+                <a:cubicBezTo>
+                  <a:pt x="20331" y="41168"/>
+                  <a:pt x="11584" y="38623"/>
+                  <a:pt x="6213" y="36974"/>
+                </a:cubicBezTo>
+                <a:lnTo>
+                  <a:pt x="6213" y="36974"/>
+                </a:lnTo>
+                <a:cubicBezTo>
+                  <a:pt x="1431" y="35502"/>
+                  <a:pt x="0" y="32900"/>
+                  <a:pt x="214" y="31157"/>
+                </a:cubicBezTo>
+                <a:lnTo>
+                  <a:pt x="214" y="31157"/>
+                </a:lnTo>
+                <a:cubicBezTo>
+                  <a:pt x="760" y="26703"/>
+                  <a:pt x="1113" y="19920"/>
+                  <a:pt x="1214" y="16042"/>
+                </a:cubicBezTo>
+                <a:lnTo>
+                  <a:pt x="1214" y="16042"/>
+                </a:lnTo>
+                <a:cubicBezTo>
+                  <a:pt x="1303" y="12626"/>
+                  <a:pt x="4203" y="11313"/>
+                  <a:pt x="6907" y="9989"/>
+                </a:cubicBezTo>
+                <a:lnTo>
+                  <a:pt x="6907" y="9989"/>
+                </a:lnTo>
+                <a:cubicBezTo>
+                  <a:pt x="9245" y="8843"/>
+                  <a:pt x="19774" y="4261"/>
+                  <a:pt x="22112" y="3116"/>
+                </a:cubicBezTo>
+                <a:close/>
+              </a:path>
+            </a:pathLst>
+          </a:custGeom>
+          <a:solidFill>
+            <a:schemeClr val="bg1">
+              <a:lumMod val="85000"/>
+            </a:schemeClr>
+          </a:solidFill>
+          <a:ln w="9524">
+            <a:solidFill>
+              <a:srgbClr val="000000"/>
+            </a:solidFill>
+            <a:round/>
+            <a:headEnd/>
+            <a:tailEnd/>
+          </a:ln>
+        </p:spPr>
+      </p:sp>
+      <p:sp>
+        <p:nvSpPr>
+          <p:cNvPr id="5" name="Shape 1060" hidden="0"/>
+          <p:cNvSpPr>
+            <a:spLocks noChangeArrowheads="1" noGrp="1"/>
+          </p:cNvSpPr>
+          <p:nvPr isPhoto="0" userDrawn="1"/>
+        </p:nvSpPr>
+        <p:spPr bwMode="auto">
+          <a:xfrm>
+            <a:off x="1309514" y="1839834"/>
+            <a:ext cx="4011787" cy="1314324"/>
+          </a:xfrm>
+          <a:custGeom>
+            <a:avLst/>
+            <a:gdLst/>
+            <a:ahLst/>
+            <a:cxnLst/>
+            <a:rect l="l" t="t" r="r" b="b"/>
+            <a:pathLst>
+              <a:path w="43200" h="43200" fill="norm" stroke="0" extrusionOk="0">
+                <a:moveTo>
+                  <a:pt x="40162" y="13104"/>
+                </a:moveTo>
+                <a:lnTo>
+                  <a:pt x="40162" y="13104"/>
+                </a:lnTo>
+                <a:cubicBezTo>
+                  <a:pt x="36799" y="16736"/>
+                  <a:pt x="26204" y="28154"/>
+                  <a:pt x="22676" y="31251"/>
+                </a:cubicBezTo>
+                <a:lnTo>
+                  <a:pt x="22676" y="31251"/>
+                </a:lnTo>
+                <a:cubicBezTo>
+                  <a:pt x="18513" y="34899"/>
+                  <a:pt x="15093" y="37527"/>
+                  <a:pt x="13136" y="38511"/>
+                </a:cubicBezTo>
+                <a:lnTo>
+                  <a:pt x="13136" y="38511"/>
+                </a:lnTo>
+                <a:cubicBezTo>
+                  <a:pt x="10861" y="39650"/>
+                  <a:pt x="0" y="43200"/>
+                  <a:pt x="422" y="38511"/>
+                </a:cubicBezTo>
+                <a:lnTo>
+                  <a:pt x="422" y="38511"/>
+                </a:lnTo>
+                <a:cubicBezTo>
+                  <a:pt x="750" y="34836"/>
+                  <a:pt x="12785" y="17028"/>
+                  <a:pt x="15584" y="14358"/>
+                </a:cubicBezTo>
+                <a:lnTo>
+                  <a:pt x="15584" y="14358"/>
+                </a:lnTo>
+                <a:cubicBezTo>
+                  <a:pt x="18382" y="11693"/>
+                  <a:pt x="34508" y="0"/>
+                  <a:pt x="36286" y="2133"/>
+                </a:cubicBezTo>
+                <a:lnTo>
+                  <a:pt x="36286" y="2133"/>
+                </a:lnTo>
+                <a:cubicBezTo>
+                  <a:pt x="38064" y="4272"/>
+                  <a:pt x="43200" y="9825"/>
+                  <a:pt x="40162" y="13104"/>
+                </a:cubicBezTo>
+                <a:close/>
+              </a:path>
+            </a:pathLst>
+          </a:custGeom>
+          <a:solidFill>
+            <a:schemeClr val="bg1">
+              <a:lumMod val="85000"/>
+            </a:schemeClr>
+          </a:solidFill>
+          <a:ln w="9524">
+            <a:solidFill>
+              <a:srgbClr val="000000"/>
+            </a:solidFill>
+            <a:round/>
+            <a:headEnd/>
+            <a:tailEnd/>
+          </a:ln>
+        </p:spPr>
+      </p:sp>
+      <p:sp>
+        <p:nvSpPr>
+          <p:cNvPr id="6" name="Shape 1061" hidden="0"/>
+          <p:cNvSpPr>
+            <a:spLocks noChangeArrowheads="1" noGrp="1"/>
+          </p:cNvSpPr>
+          <p:nvPr isPhoto="0" userDrawn="1"/>
+        </p:nvSpPr>
+        <p:spPr bwMode="auto">
+          <a:xfrm>
+            <a:off x="6567030" y="4629133"/>
+            <a:ext cx="5395523" cy="2231707"/>
+          </a:xfrm>
+          <a:custGeom>
+            <a:avLst/>
+            <a:gdLst/>
+            <a:ahLst/>
+            <a:cxnLst/>
+            <a:rect l="l" t="t" r="r" b="b"/>
+            <a:pathLst>
+              <a:path w="43200" h="43200" fill="norm" stroke="0" extrusionOk="0">
+                <a:moveTo>
+                  <a:pt x="43200" y="43200"/>
+                </a:moveTo>
+                <a:lnTo>
+                  <a:pt x="43200" y="43200"/>
+                </a:lnTo>
+                <a:cubicBezTo>
+                  <a:pt x="42680" y="32337"/>
+                  <a:pt x="42264" y="24810"/>
+                  <a:pt x="41982" y="22533"/>
+                </a:cubicBezTo>
+                <a:lnTo>
+                  <a:pt x="41982" y="22533"/>
+                </a:lnTo>
+                <a:cubicBezTo>
+                  <a:pt x="41353" y="17445"/>
+                  <a:pt x="31020" y="10782"/>
+                  <a:pt x="25434" y="7567"/>
+                </a:cubicBezTo>
+                <a:lnTo>
+                  <a:pt x="25434" y="7567"/>
+                </a:lnTo>
+                <a:cubicBezTo>
+                  <a:pt x="20461" y="4707"/>
+                  <a:pt x="15752" y="0"/>
+                  <a:pt x="10688" y="12771"/>
+                </a:cubicBezTo>
+                <a:lnTo>
+                  <a:pt x="10688" y="12771"/>
+                </a:lnTo>
+                <a:cubicBezTo>
+                  <a:pt x="5409" y="26085"/>
+                  <a:pt x="2329" y="33891"/>
+                  <a:pt x="451" y="39632"/>
+                </a:cubicBezTo>
+                <a:lnTo>
+                  <a:pt x="451" y="39632"/>
+                </a:lnTo>
+                <a:cubicBezTo>
+                  <a:pt x="180" y="40459"/>
+                  <a:pt x="44" y="41820"/>
+                  <a:pt x="0" y="43200"/>
+                </a:cubicBezTo>
+                <a:lnTo>
+                  <a:pt x="43200" y="43200"/>
+                </a:lnTo>
+                <a:close/>
+              </a:path>
+            </a:pathLst>
+          </a:custGeom>
+          <a:solidFill>
+            <a:schemeClr val="bg1">
+              <a:lumMod val="85000"/>
+            </a:schemeClr>
+          </a:solidFill>
+          <a:ln w="9524">
+            <a:solidFill>
+              <a:srgbClr val="000000"/>
+            </a:solidFill>
+            <a:round/>
+            <a:headEnd/>
+            <a:tailEnd/>
+          </a:ln>
+        </p:spPr>
+      </p:sp>
+      <p:sp>
+        <p:nvSpPr>
+          <p:cNvPr id="7" name="Shape 1062" hidden="0"/>
+          <p:cNvSpPr>
+            <a:spLocks noChangeArrowheads="1" noGrp="1"/>
+          </p:cNvSpPr>
+          <p:nvPr isPhoto="0" userDrawn="1"/>
+        </p:nvSpPr>
+        <p:spPr bwMode="auto">
+          <a:xfrm>
+            <a:off x="389187" y="6100774"/>
+            <a:ext cx="4968521" cy="759999"/>
+          </a:xfrm>
+          <a:custGeom>
+            <a:avLst/>
+            <a:gdLst/>
+            <a:ahLst/>
+            <a:cxnLst/>
+            <a:rect l="l" t="t" r="r" b="b"/>
+            <a:pathLst>
+              <a:path w="43200" h="43200" fill="norm" stroke="0" extrusionOk="0">
+                <a:moveTo>
+                  <a:pt x="43200" y="43200"/>
+                </a:moveTo>
+                <a:lnTo>
+                  <a:pt x="43200" y="43200"/>
+                </a:lnTo>
+                <a:cubicBezTo>
+                  <a:pt x="37750" y="34083"/>
+                  <a:pt x="28707" y="20178"/>
+                  <a:pt x="28707" y="20178"/>
+                </a:cubicBezTo>
+                <a:lnTo>
+                  <a:pt x="28707" y="20178"/>
+                </a:lnTo>
+                <a:cubicBezTo>
+                  <a:pt x="23196" y="11772"/>
+                  <a:pt x="17935" y="0"/>
+                  <a:pt x="14588" y="1341"/>
+                </a:cubicBezTo>
+                <a:lnTo>
+                  <a:pt x="14588" y="1341"/>
+                </a:lnTo>
+                <a:cubicBezTo>
+                  <a:pt x="11240" y="2673"/>
+                  <a:pt x="6350" y="22671"/>
+                  <a:pt x="1602" y="37718"/>
+                </a:cubicBezTo>
+                <a:lnTo>
+                  <a:pt x="1602" y="37718"/>
+                </a:lnTo>
+                <a:cubicBezTo>
+                  <a:pt x="1072" y="39393"/>
+                  <a:pt x="536" y="41175"/>
+                  <a:pt x="0" y="43200"/>
+                </a:cubicBezTo>
+                <a:lnTo>
+                  <a:pt x="43200" y="43200"/>
+                </a:lnTo>
+                <a:close/>
+              </a:path>
+            </a:pathLst>
+          </a:custGeom>
+          <a:solidFill>
+            <a:schemeClr val="bg1">
+              <a:lumMod val="85000"/>
+            </a:schemeClr>
+          </a:solidFill>
+          <a:ln w="9524">
+            <a:solidFill>
+              <a:srgbClr val="000000"/>
+            </a:solidFill>
+            <a:round/>
+            <a:headEnd/>
+            <a:tailEnd/>
+          </a:ln>
+        </p:spPr>
+      </p:sp>
+      <p:sp>
+        <p:nvSpPr>
+          <p:cNvPr id="8" name="Shape 1063" hidden="0"/>
+          <p:cNvSpPr>
+            <a:spLocks noChangeArrowheads="1" noGrp="1"/>
+          </p:cNvSpPr>
+          <p:nvPr isPhoto="0" userDrawn="1"/>
+        </p:nvSpPr>
+        <p:spPr bwMode="auto">
+          <a:xfrm>
+            <a:off x="0" y="3254701"/>
+            <a:ext cx="2099733" cy="3343682"/>
+          </a:xfrm>
+          <a:custGeom>
+            <a:avLst/>
+            <a:gdLst/>
+            <a:ahLst/>
+            <a:cxnLst/>
+            <a:rect l="l" t="t" r="r" b="b"/>
+            <a:pathLst>
+              <a:path w="43200" h="43200" fill="norm" stroke="0" extrusionOk="0">
+                <a:moveTo>
+                  <a:pt x="0" y="43200"/>
+                </a:moveTo>
+                <a:lnTo>
+                  <a:pt x="0" y="43200"/>
+                </a:lnTo>
+                <a:cubicBezTo>
+                  <a:pt x="10450" y="39319"/>
+                  <a:pt x="26476" y="34991"/>
+                  <a:pt x="31760" y="32779"/>
+                </a:cubicBezTo>
+                <a:lnTo>
+                  <a:pt x="31760" y="32779"/>
+                </a:lnTo>
+                <a:cubicBezTo>
+                  <a:pt x="38554" y="29929"/>
+                  <a:pt x="35982" y="23868"/>
+                  <a:pt x="39587" y="11934"/>
+                </a:cubicBezTo>
+                <a:lnTo>
+                  <a:pt x="39587" y="11934"/>
+                </a:lnTo>
+                <a:cubicBezTo>
+                  <a:pt x="43199" y="0"/>
+                  <a:pt x="33409" y="2565"/>
+                  <a:pt x="25082" y="2041"/>
+                </a:cubicBezTo>
+                <a:lnTo>
+                  <a:pt x="25082" y="2041"/>
+                </a:lnTo>
+                <a:cubicBezTo>
+                  <a:pt x="14497" y="1374"/>
+                  <a:pt x="7053" y="4621"/>
+                  <a:pt x="0" y="7243"/>
+                </a:cubicBezTo>
+                <a:lnTo>
+                  <a:pt x="0" y="43200"/>
+                </a:lnTo>
+                <a:close/>
+              </a:path>
+            </a:pathLst>
+          </a:custGeom>
+          <a:solidFill>
+            <a:schemeClr val="bg1">
+              <a:lumMod val="85000"/>
+            </a:schemeClr>
+          </a:solidFill>
+          <a:ln w="9524">
+            <a:solidFill>
+              <a:srgbClr val="000000"/>
+            </a:solidFill>
+            <a:round/>
+            <a:headEnd/>
+            <a:tailEnd/>
+          </a:ln>
+        </p:spPr>
+      </p:sp>
+      <p:sp>
+        <p:nvSpPr>
+          <p:cNvPr id="9" name="Подзаголовок 2" hidden="0"/>
+          <p:cNvSpPr>
+            <a:spLocks noGrp="1"/>
+          </p:cNvSpPr>
+          <p:nvPr isPhoto="0" userDrawn="0">
+            <p:ph type="subTitle" idx="1" hasCustomPrompt="0"/>
+          </p:nvPr>
+        </p:nvSpPr>
+        <p:spPr bwMode="auto">
+          <a:xfrm>
+            <a:off x="4655839" y="2708919"/>
+            <a:ext cx="6720745" cy="720079"/>
           </a:xfrm>
         </p:spPr>
         <p:txBody>
-          <a:bodyPr anchor="b"/>
+          <a:bodyPr/>
           <a:lstStyle>
-            <a:lvl1pPr algn="ctr">
-              <a:defRPr sz="6000"/>
-            </a:lvl1pPr>
-          </a:lstStyle>
-          <a:p>
-            <a:pPr>
-              <a:defRPr/>
-            </a:pPr>
-            <a:r>
-              <a:rPr lang="fr-FR"/>
-              <a:t>Click to edit Master title style</a:t>
-            </a:r>
-            <a:endParaRPr lang="fr-FR"/>
-          </a:p>
-        </p:txBody>
-      </p:sp>
-      <p:sp>
-        <p:nvSpPr>
-          <p:cNvPr id="5" name="Subtitle 2" hidden="0"/>
-          <p:cNvSpPr>
-            <a:spLocks noGrp="1"/>
-          </p:cNvSpPr>
-          <p:nvPr isPhoto="0" userDrawn="0">
-            <p:ph type="subTitle" idx="1" hasCustomPrompt="0"/>
-          </p:nvPr>
-        </p:nvSpPr>
-        <p:spPr bwMode="auto">
-          <a:xfrm>
-            <a:off x="1523999" y="3602037"/>
-            <a:ext cx="9144000" cy="1655761"/>
-          </a:xfrm>
-        </p:spPr>
-        <p:txBody>
-          <a:bodyPr/>
-          <a:lstStyle>
-            <a:lvl1pPr marL="0" indent="0" algn="ctr">
+            <a:lvl1pPr marL="0" indent="0" algn="r">
               <a:buNone/>
-              <a:defRPr sz="2400"/>
+              <a:defRPr>
+                <a:solidFill>
+                  <a:schemeClr val="tx1">
+                    <a:lumMod val="50000"/>
+                    <a:lumOff val="50000"/>
+                  </a:schemeClr>
+                </a:solidFill>
+              </a:defRPr>
             </a:lvl1pPr>
             <a:lvl2pPr marL="457200" indent="0" algn="ctr">
               <a:buNone/>
-              <a:defRPr sz="2000"/>
+              <a:defRPr>
+                <a:solidFill>
+                  <a:schemeClr val="tx1">
+                    <a:tint val="75000"/>
+                  </a:schemeClr>
+                </a:solidFill>
+              </a:defRPr>
             </a:lvl2pPr>
             <a:lvl3pPr marL="914400" indent="0" algn="ctr">
               <a:buNone/>
-              <a:defRPr sz="1800"/>
+              <a:defRPr>
+                <a:solidFill>
+                  <a:schemeClr val="tx1">
+                    <a:tint val="75000"/>
+                  </a:schemeClr>
+                </a:solidFill>
+              </a:defRPr>
             </a:lvl3pPr>
             <a:lvl4pPr marL="1371600" indent="0" algn="ctr">
               <a:buNone/>
-              <a:defRPr sz="1600"/>
+              <a:defRPr>
+                <a:solidFill>
+                  <a:schemeClr val="tx1">
+                    <a:tint val="75000"/>
+                  </a:schemeClr>
+                </a:solidFill>
+              </a:defRPr>
             </a:lvl4pPr>
             <a:lvl5pPr marL="1828800" indent="0" algn="ctr">
               <a:buNone/>
-              <a:defRPr sz="1600"/>
+              <a:defRPr>
+                <a:solidFill>
+                  <a:schemeClr val="tx1">
+                    <a:tint val="75000"/>
+                  </a:schemeClr>
+                </a:solidFill>
+              </a:defRPr>
             </a:lvl5pPr>
             <a:lvl6pPr marL="2286000" indent="0" algn="ctr">
               <a:buNone/>
-              <a:defRPr sz="1600"/>
+              <a:defRPr>
+                <a:solidFill>
+                  <a:schemeClr val="tx1">
+                    <a:tint val="75000"/>
+                  </a:schemeClr>
+                </a:solidFill>
+              </a:defRPr>
             </a:lvl6pPr>
             <a:lvl7pPr marL="2743200" indent="0" algn="ctr">
               <a:buNone/>
-              <a:defRPr sz="1600"/>
+              <a:defRPr>
+                <a:solidFill>
+                  <a:schemeClr val="tx1">
+                    <a:tint val="75000"/>
+                  </a:schemeClr>
+                </a:solidFill>
+              </a:defRPr>
             </a:lvl7pPr>
             <a:lvl8pPr marL="3200400" indent="0" algn="ctr">
               <a:buNone/>
-              <a:defRPr sz="1600"/>
+              <a:defRPr>
+                <a:solidFill>
+                  <a:schemeClr val="tx1">
+                    <a:tint val="75000"/>
+                  </a:schemeClr>
+                </a:solidFill>
+              </a:defRPr>
             </a:lvl8pPr>
             <a:lvl9pPr marL="3657600" indent="0" algn="ctr">
               <a:buNone/>
-              <a:defRPr sz="1600"/>
+              <a:defRPr>
+                <a:solidFill>
+                  <a:schemeClr val="tx1">
+                    <a:tint val="75000"/>
+                  </a:schemeClr>
+                </a:solidFill>
+              </a:defRPr>
             </a:lvl9pPr>
           </a:lstStyle>
           <a:p>
@@ -870,16 +1708,16 @@
               <a:defRPr/>
             </a:pPr>
             <a:r>
-              <a:rPr lang="fr-FR"/>
-              <a:t>Click to edit Master subtitle style</a:t>
-            </a:r>
-            <a:endParaRPr lang="fr-FR"/>
-          </a:p>
-        </p:txBody>
-      </p:sp>
-      <p:sp>
-        <p:nvSpPr>
-          <p:cNvPr id="6" name="Date Placeholder 3" hidden="0"/>
+              <a:rPr lang="ru-RU"/>
+              <a:t>Образец подзаголовка</a:t>
+            </a:r>
+            <a:endParaRPr lang="ru-RU"/>
+          </a:p>
+        </p:txBody>
+      </p:sp>
+      <p:sp>
+        <p:nvSpPr>
+          <p:cNvPr id="10" name="Дата 3" hidden="0"/>
           <p:cNvSpPr>
             <a:spLocks noGrp="1"/>
           </p:cNvSpPr>
@@ -895,17 +1733,17 @@
             <a:pPr>
               <a:defRPr/>
             </a:pPr>
-            <a:fld id="{BCC18F51-09EC-435C-A3BA-64A766E099C0}" type="datetimeFigureOut">
-              <a:rPr lang="fr-FR"/>
+            <a:fld id="{A69D51E0-3758-456B-809F-07B187805C7D}" type="datetimeFigureOut">
+              <a:rPr lang="ru-RU"/>
               <a:t/>
             </a:fld>
-            <a:endParaRPr lang="fr-FR"/>
-          </a:p>
-        </p:txBody>
-      </p:sp>
-      <p:sp>
-        <p:nvSpPr>
-          <p:cNvPr id="7" name="Footer Placeholder 4" hidden="0"/>
+            <a:endParaRPr lang="ru-RU"/>
+          </a:p>
+        </p:txBody>
+      </p:sp>
+      <p:sp>
+        <p:nvSpPr>
+          <p:cNvPr id="11" name="Нижний колонтитул 4" hidden="0"/>
           <p:cNvSpPr>
             <a:spLocks noGrp="1"/>
           </p:cNvSpPr>
@@ -921,13 +1759,13 @@
             <a:pPr>
               <a:defRPr/>
             </a:pPr>
-            <a:endParaRPr lang="fr-FR"/>
-          </a:p>
-        </p:txBody>
-      </p:sp>
-      <p:sp>
-        <p:nvSpPr>
-          <p:cNvPr id="8" name="Slide Number Placeholder 5" hidden="0"/>
+            <a:endParaRPr lang="ru-RU"/>
+          </a:p>
+        </p:txBody>
+      </p:sp>
+      <p:sp>
+        <p:nvSpPr>
+          <p:cNvPr id="12" name="Номер слайда 5" hidden="0"/>
           <p:cNvSpPr>
             <a:spLocks noGrp="1"/>
           </p:cNvSpPr>
@@ -943,11 +1781,46 @@
             <a:pPr>
               <a:defRPr/>
             </a:pPr>
-            <a:fld id="{08395586-F03A-48D1-94DF-16B239DF4FB5}" type="slidenum">
-              <a:rPr lang="fr-FR"/>
+            <a:fld id="{4D3B38E7-149F-4D77-9EEF-9309C2CB69A9}" type="slidenum">
+              <a:rPr lang="ru-RU"/>
               <a:t/>
             </a:fld>
-            <a:endParaRPr lang="fr-FR"/>
+            <a:endParaRPr lang="ru-RU"/>
+          </a:p>
+        </p:txBody>
+      </p:sp>
+      <p:sp>
+        <p:nvSpPr>
+          <p:cNvPr id="13" name="Заголовок 6" hidden="0"/>
+          <p:cNvSpPr>
+            <a:spLocks noGrp="1"/>
+          </p:cNvSpPr>
+          <p:nvPr isPhoto="0" userDrawn="0">
+            <p:ph type="title" hasCustomPrompt="0"/>
+          </p:nvPr>
+        </p:nvSpPr>
+        <p:spPr bwMode="auto">
+          <a:xfrm>
+            <a:off x="4595833" y="1808820"/>
+            <a:ext cx="6720745" cy="720079"/>
+          </a:xfrm>
+        </p:spPr>
+        <p:txBody>
+          <a:bodyPr/>
+          <a:lstStyle>
+            <a:lvl1pPr algn="r">
+              <a:defRPr/>
+            </a:lvl1pPr>
+          </a:lstStyle>
+          <a:p>
+            <a:pPr>
+              <a:defRPr/>
+            </a:pPr>
+            <a:r>
+              <a:rPr lang="ru-RU"/>
+              <a:t>Образец заголовка</a:t>
+            </a:r>
+            <a:endParaRPr lang="ru-RU"/>
           </a:p>
         </p:txBody>
       </p:sp>
@@ -960,7 +1833,7 @@
 </file>
 
 <file path=ppt/slideLayouts/slideLayout10.xml><?xml version="1.0" encoding="utf-8"?>
-<p:sldLayout xmlns:a="http://schemas.openxmlformats.org/drawingml/2006/main" xmlns:r="http://schemas.openxmlformats.org/officeDocument/2006/relationships" xmlns:p="http://schemas.openxmlformats.org/presentationml/2006/main" xmlns:m="http://schemas.openxmlformats.org/officeDocument/2006/math" xmlns:w="http://schemas.openxmlformats.org/wordprocessingml/2006/main" matchingName="" preserve="1" showMasterPhAnim="0" type="vertTx" userDrawn="1">
+<p:sldLayout xmlns:a="http://schemas.openxmlformats.org/drawingml/2006/main" xmlns:r="http://schemas.openxmlformats.org/officeDocument/2006/relationships" xmlns:p="http://schemas.openxmlformats.org/presentationml/2006/main" xmlns:m="http://schemas.openxmlformats.org/officeDocument/2006/math" xmlns:w="http://schemas.openxmlformats.org/wordprocessingml/2006/main" matchingName="" preserve="0" showMasterPhAnim="0" type="vertTx" userDrawn="1">
   <p:cSld name="Title and Vertical Text">
     <p:spTree>
       <p:nvGrpSpPr>
@@ -978,7 +1851,7 @@
       </p:grpSpPr>
       <p:sp>
         <p:nvSpPr>
-          <p:cNvPr id="4" name="Title 1" hidden="0"/>
+          <p:cNvPr id="4" name="Заголовок 1" hidden="0"/>
           <p:cNvSpPr>
             <a:spLocks noGrp="1"/>
           </p:cNvSpPr>
@@ -995,16 +1868,16 @@
               <a:defRPr/>
             </a:pPr>
             <a:r>
-              <a:rPr lang="fr-FR"/>
-              <a:t>Click to edit Master title style</a:t>
-            </a:r>
-            <a:endParaRPr lang="fr-FR"/>
-          </a:p>
-        </p:txBody>
-      </p:sp>
-      <p:sp>
-        <p:nvSpPr>
-          <p:cNvPr id="5" name="Vertical Text Placeholder 2" hidden="0"/>
+              <a:rPr lang="ru-RU"/>
+              <a:t>Образец заголовка</a:t>
+            </a:r>
+            <a:endParaRPr lang="ru-RU"/>
+          </a:p>
+        </p:txBody>
+      </p:sp>
+      <p:sp>
+        <p:nvSpPr>
+          <p:cNvPr id="5" name="Вертикальный текст 2" hidden="0"/>
           <p:cNvSpPr>
             <a:spLocks noGrp="1"/>
           </p:cNvSpPr>
@@ -1021,8 +1894,8 @@
               <a:defRPr/>
             </a:pPr>
             <a:r>
-              <a:rPr lang="fr-FR"/>
-              <a:t>Click to edit Master text styles</a:t>
+              <a:rPr lang="ru-RU"/>
+              <a:t>Образец текста</a:t>
             </a:r>
             <a:endParaRPr/>
           </a:p>
@@ -1031,8 +1904,8 @@
               <a:defRPr/>
             </a:pPr>
             <a:r>
-              <a:rPr lang="fr-FR"/>
-              <a:t>Second level</a:t>
+              <a:rPr lang="ru-RU"/>
+              <a:t>Второй уровень</a:t>
             </a:r>
             <a:endParaRPr/>
           </a:p>
@@ -1041,8 +1914,8 @@
               <a:defRPr/>
             </a:pPr>
             <a:r>
-              <a:rPr lang="fr-FR"/>
-              <a:t>Third level</a:t>
+              <a:rPr lang="ru-RU"/>
+              <a:t>Третий уровень</a:t>
             </a:r>
             <a:endParaRPr/>
           </a:p>
@@ -1051,8 +1924,8 @@
               <a:defRPr/>
             </a:pPr>
             <a:r>
-              <a:rPr lang="fr-FR"/>
-              <a:t>Fourth level</a:t>
+              <a:rPr lang="ru-RU"/>
+              <a:t>Четвертый уровень</a:t>
             </a:r>
             <a:endParaRPr/>
           </a:p>
@@ -1061,16 +1934,16 @@
               <a:defRPr/>
             </a:pPr>
             <a:r>
-              <a:rPr lang="fr-FR"/>
-              <a:t>Fifth level</a:t>
-            </a:r>
-            <a:endParaRPr lang="fr-FR"/>
-          </a:p>
-        </p:txBody>
-      </p:sp>
-      <p:sp>
-        <p:nvSpPr>
-          <p:cNvPr id="6" name="Date Placeholder 3" hidden="0"/>
+              <a:rPr lang="ru-RU"/>
+              <a:t>Пятый уровень</a:t>
+            </a:r>
+            <a:endParaRPr lang="ru-RU"/>
+          </a:p>
+        </p:txBody>
+      </p:sp>
+      <p:sp>
+        <p:nvSpPr>
+          <p:cNvPr id="6" name="Дата 3" hidden="0"/>
           <p:cNvSpPr>
             <a:spLocks noGrp="1"/>
           </p:cNvSpPr>
@@ -1086,17 +1959,17 @@
             <a:pPr>
               <a:defRPr/>
             </a:pPr>
-            <a:fld id="{BCC18F51-09EC-435C-A3BA-64A766E099C0}" type="datetimeFigureOut">
-              <a:rPr lang="fr-FR"/>
+            <a:fld id="{A69D51E0-3758-456B-809F-07B187805C7D}" type="datetimeFigureOut">
+              <a:rPr lang="ru-RU"/>
               <a:t/>
             </a:fld>
-            <a:endParaRPr lang="fr-FR"/>
-          </a:p>
-        </p:txBody>
-      </p:sp>
-      <p:sp>
-        <p:nvSpPr>
-          <p:cNvPr id="7" name="Footer Placeholder 4" hidden="0"/>
+            <a:endParaRPr lang="ru-RU"/>
+          </a:p>
+        </p:txBody>
+      </p:sp>
+      <p:sp>
+        <p:nvSpPr>
+          <p:cNvPr id="7" name="Нижний колонтитул 4" hidden="0"/>
           <p:cNvSpPr>
             <a:spLocks noGrp="1"/>
           </p:cNvSpPr>
@@ -1112,13 +1985,13 @@
             <a:pPr>
               <a:defRPr/>
             </a:pPr>
-            <a:endParaRPr lang="fr-FR"/>
-          </a:p>
-        </p:txBody>
-      </p:sp>
-      <p:sp>
-        <p:nvSpPr>
-          <p:cNvPr id="8" name="Slide Number Placeholder 5" hidden="0"/>
+            <a:endParaRPr lang="ru-RU"/>
+          </a:p>
+        </p:txBody>
+      </p:sp>
+      <p:sp>
+        <p:nvSpPr>
+          <p:cNvPr id="8" name="Номер слайда 5" hidden="0"/>
           <p:cNvSpPr>
             <a:spLocks noGrp="1"/>
           </p:cNvSpPr>
@@ -1134,11 +2007,11 @@
             <a:pPr>
               <a:defRPr/>
             </a:pPr>
-            <a:fld id="{08395586-F03A-48D1-94DF-16B239DF4FB5}" type="slidenum">
-              <a:rPr lang="fr-FR"/>
+            <a:fld id="{4D3B38E7-149F-4D77-9EEF-9309C2CB69A9}" type="slidenum">
+              <a:rPr lang="ru-RU"/>
               <a:t/>
             </a:fld>
-            <a:endParaRPr lang="fr-FR"/>
+            <a:endParaRPr lang="ru-RU"/>
           </a:p>
         </p:txBody>
       </p:sp>
@@ -1151,7 +2024,7 @@
 </file>
 
 <file path=ppt/slideLayouts/slideLayout11.xml><?xml version="1.0" encoding="utf-8"?>
-<p:sldLayout xmlns:a="http://schemas.openxmlformats.org/drawingml/2006/main" xmlns:r="http://schemas.openxmlformats.org/officeDocument/2006/relationships" xmlns:p="http://schemas.openxmlformats.org/presentationml/2006/main" xmlns:m="http://schemas.openxmlformats.org/officeDocument/2006/math" xmlns:w="http://schemas.openxmlformats.org/wordprocessingml/2006/main" matchingName="" preserve="1" showMasterPhAnim="0" type="vertTitleAndTx" userDrawn="1">
+<p:sldLayout xmlns:a="http://schemas.openxmlformats.org/drawingml/2006/main" xmlns:r="http://schemas.openxmlformats.org/officeDocument/2006/relationships" xmlns:p="http://schemas.openxmlformats.org/presentationml/2006/main" xmlns:m="http://schemas.openxmlformats.org/officeDocument/2006/math" xmlns:w="http://schemas.openxmlformats.org/wordprocessingml/2006/main" matchingName="" preserve="0" showMasterPhAnim="0" type="vertTitleAndTx" userDrawn="1">
   <p:cSld name="Vertical Title and Text">
     <p:spTree>
       <p:nvGrpSpPr>
@@ -1169,7 +2042,7 @@
       </p:grpSpPr>
       <p:sp>
         <p:nvSpPr>
-          <p:cNvPr id="4" name="Vertical Title 1" hidden="0"/>
+          <p:cNvPr id="4" name="Вертикальный заголовок 1" hidden="0"/>
           <p:cNvSpPr>
             <a:spLocks noGrp="1"/>
           </p:cNvSpPr>
@@ -1179,28 +2052,32 @@
         </p:nvSpPr>
         <p:spPr bwMode="auto">
           <a:xfrm>
-            <a:off x="8724899" y="365124"/>
-            <a:ext cx="2628900" cy="5811837"/>
+            <a:off x="8839199" y="274639"/>
+            <a:ext cx="2743200" cy="5851525"/>
           </a:xfrm>
         </p:spPr>
         <p:txBody>
           <a:bodyPr vert="eaVert"/>
-          <a:lstStyle/>
-          <a:p>
-            <a:pPr>
-              <a:defRPr/>
-            </a:pPr>
-            <a:r>
-              <a:rPr lang="fr-FR"/>
-              <a:t>Click to edit Master title style</a:t>
-            </a:r>
-            <a:endParaRPr lang="fr-FR"/>
-          </a:p>
-        </p:txBody>
-      </p:sp>
-      <p:sp>
-        <p:nvSpPr>
-          <p:cNvPr id="5" name="Vertical Text Placeholder 2" hidden="0"/>
+          <a:lstStyle>
+            <a:lvl1pPr algn="ctr">
+              <a:defRPr/>
+            </a:lvl1pPr>
+          </a:lstStyle>
+          <a:p>
+            <a:pPr>
+              <a:defRPr/>
+            </a:pPr>
+            <a:r>
+              <a:rPr lang="ru-RU"/>
+              <a:t>Образец заголовка</a:t>
+            </a:r>
+            <a:endParaRPr lang="ru-RU"/>
+          </a:p>
+        </p:txBody>
+      </p:sp>
+      <p:sp>
+        <p:nvSpPr>
+          <p:cNvPr id="5" name="Вертикальный текст 2" hidden="0"/>
           <p:cNvSpPr>
             <a:spLocks noGrp="1"/>
           </p:cNvSpPr>
@@ -1210,8 +2087,8 @@
         </p:nvSpPr>
         <p:spPr bwMode="auto">
           <a:xfrm>
-            <a:off x="838199" y="365124"/>
-            <a:ext cx="7734299" cy="5811837"/>
+            <a:off x="609599" y="274639"/>
+            <a:ext cx="8026399" cy="5851525"/>
           </a:xfrm>
         </p:spPr>
         <p:txBody>
@@ -1222,8 +2099,8 @@
               <a:defRPr/>
             </a:pPr>
             <a:r>
-              <a:rPr lang="fr-FR"/>
-              <a:t>Click to edit Master text styles</a:t>
+              <a:rPr lang="ru-RU"/>
+              <a:t>Образец текста</a:t>
             </a:r>
             <a:endParaRPr/>
           </a:p>
@@ -1232,8 +2109,8 @@
               <a:defRPr/>
             </a:pPr>
             <a:r>
-              <a:rPr lang="fr-FR"/>
-              <a:t>Second level</a:t>
+              <a:rPr lang="ru-RU"/>
+              <a:t>Второй уровень</a:t>
             </a:r>
             <a:endParaRPr/>
           </a:p>
@@ -1242,8 +2119,8 @@
               <a:defRPr/>
             </a:pPr>
             <a:r>
-              <a:rPr lang="fr-FR"/>
-              <a:t>Third level</a:t>
+              <a:rPr lang="ru-RU"/>
+              <a:t>Третий уровень</a:t>
             </a:r>
             <a:endParaRPr/>
           </a:p>
@@ -1252,8 +2129,8 @@
               <a:defRPr/>
             </a:pPr>
             <a:r>
-              <a:rPr lang="fr-FR"/>
-              <a:t>Fourth level</a:t>
+              <a:rPr lang="ru-RU"/>
+              <a:t>Четвертый уровень</a:t>
             </a:r>
             <a:endParaRPr/>
           </a:p>
@@ -1262,16 +2139,16 @@
               <a:defRPr/>
             </a:pPr>
             <a:r>
-              <a:rPr lang="fr-FR"/>
-              <a:t>Fifth level</a:t>
-            </a:r>
-            <a:endParaRPr lang="fr-FR"/>
-          </a:p>
-        </p:txBody>
-      </p:sp>
-      <p:sp>
-        <p:nvSpPr>
-          <p:cNvPr id="6" name="Date Placeholder 3" hidden="0"/>
+              <a:rPr lang="ru-RU"/>
+              <a:t>Пятый уровень</a:t>
+            </a:r>
+            <a:endParaRPr lang="ru-RU"/>
+          </a:p>
+        </p:txBody>
+      </p:sp>
+      <p:sp>
+        <p:nvSpPr>
+          <p:cNvPr id="6" name="Дата 3" hidden="0"/>
           <p:cNvSpPr>
             <a:spLocks noGrp="1"/>
           </p:cNvSpPr>
@@ -1287,17 +2164,17 @@
             <a:pPr>
               <a:defRPr/>
             </a:pPr>
-            <a:fld id="{BCC18F51-09EC-435C-A3BA-64A766E099C0}" type="datetimeFigureOut">
-              <a:rPr lang="fr-FR"/>
+            <a:fld id="{A69D51E0-3758-456B-809F-07B187805C7D}" type="datetimeFigureOut">
+              <a:rPr lang="ru-RU"/>
               <a:t/>
             </a:fld>
-            <a:endParaRPr lang="fr-FR"/>
-          </a:p>
-        </p:txBody>
-      </p:sp>
-      <p:sp>
-        <p:nvSpPr>
-          <p:cNvPr id="7" name="Footer Placeholder 4" hidden="0"/>
+            <a:endParaRPr lang="ru-RU"/>
+          </a:p>
+        </p:txBody>
+      </p:sp>
+      <p:sp>
+        <p:nvSpPr>
+          <p:cNvPr id="7" name="Нижний колонтитул 4" hidden="0"/>
           <p:cNvSpPr>
             <a:spLocks noGrp="1"/>
           </p:cNvSpPr>
@@ -1313,13 +2190,13 @@
             <a:pPr>
               <a:defRPr/>
             </a:pPr>
-            <a:endParaRPr lang="fr-FR"/>
-          </a:p>
-        </p:txBody>
-      </p:sp>
-      <p:sp>
-        <p:nvSpPr>
-          <p:cNvPr id="8" name="Slide Number Placeholder 5" hidden="0"/>
+            <a:endParaRPr lang="ru-RU"/>
+          </a:p>
+        </p:txBody>
+      </p:sp>
+      <p:sp>
+        <p:nvSpPr>
+          <p:cNvPr id="8" name="Номер слайда 5" hidden="0"/>
           <p:cNvSpPr>
             <a:spLocks noGrp="1"/>
           </p:cNvSpPr>
@@ -1335,11 +2212,11 @@
             <a:pPr>
               <a:defRPr/>
             </a:pPr>
-            <a:fld id="{08395586-F03A-48D1-94DF-16B239DF4FB5}" type="slidenum">
-              <a:rPr lang="fr-FR"/>
+            <a:fld id="{4D3B38E7-149F-4D77-9EEF-9309C2CB69A9}" type="slidenum">
+              <a:rPr lang="ru-RU"/>
               <a:t/>
             </a:fld>
-            <a:endParaRPr lang="fr-FR"/>
+            <a:endParaRPr lang="ru-RU"/>
           </a:p>
         </p:txBody>
       </p:sp>
@@ -1352,7 +2229,7 @@
 </file>
 
 <file path=ppt/slideLayouts/slideLayout2.xml><?xml version="1.0" encoding="utf-8"?>
-<p:sldLayout xmlns:a="http://schemas.openxmlformats.org/drawingml/2006/main" xmlns:r="http://schemas.openxmlformats.org/officeDocument/2006/relationships" xmlns:p="http://schemas.openxmlformats.org/presentationml/2006/main" xmlns:m="http://schemas.openxmlformats.org/officeDocument/2006/math" xmlns:w="http://schemas.openxmlformats.org/wordprocessingml/2006/main" matchingName="" preserve="1" showMasterPhAnim="0" type="obj" userDrawn="1">
+<p:sldLayout xmlns:a="http://schemas.openxmlformats.org/drawingml/2006/main" xmlns:r="http://schemas.openxmlformats.org/officeDocument/2006/relationships" xmlns:p="http://schemas.openxmlformats.org/presentationml/2006/main" xmlns:m="http://schemas.openxmlformats.org/officeDocument/2006/math" xmlns:w="http://schemas.openxmlformats.org/wordprocessingml/2006/main" matchingName="" preserve="0" showMasterPhAnim="0" type="obj" userDrawn="1">
   <p:cSld name="Title and Content">
     <p:spTree>
       <p:nvGrpSpPr>
@@ -1370,7 +2247,7 @@
       </p:grpSpPr>
       <p:sp>
         <p:nvSpPr>
-          <p:cNvPr id="4" name="Title 1" hidden="0"/>
+          <p:cNvPr id="4" name="Заголовок 1" hidden="0"/>
           <p:cNvSpPr>
             <a:spLocks noGrp="1"/>
           </p:cNvSpPr>
@@ -1387,16 +2264,16 @@
               <a:defRPr/>
             </a:pPr>
             <a:r>
-              <a:rPr lang="fr-FR"/>
-              <a:t>Click to edit Master title style</a:t>
-            </a:r>
-            <a:endParaRPr lang="fr-FR"/>
-          </a:p>
-        </p:txBody>
-      </p:sp>
-      <p:sp>
-        <p:nvSpPr>
-          <p:cNvPr id="5" name="Content Placeholder 2" hidden="0"/>
+              <a:rPr lang="ru-RU"/>
+              <a:t>Образец заголовка</a:t>
+            </a:r>
+            <a:endParaRPr lang="ru-RU"/>
+          </a:p>
+        </p:txBody>
+      </p:sp>
+      <p:sp>
+        <p:nvSpPr>
+          <p:cNvPr id="5" name="Объект 2" hidden="0"/>
           <p:cNvSpPr>
             <a:spLocks noGrp="1"/>
           </p:cNvSpPr>
@@ -1413,8 +2290,8 @@
               <a:defRPr/>
             </a:pPr>
             <a:r>
-              <a:rPr lang="fr-FR"/>
-              <a:t>Click to edit Master text styles</a:t>
+              <a:rPr lang="ru-RU"/>
+              <a:t>Образец текста</a:t>
             </a:r>
             <a:endParaRPr/>
           </a:p>
@@ -1423,8 +2300,8 @@
               <a:defRPr/>
             </a:pPr>
             <a:r>
-              <a:rPr lang="fr-FR"/>
-              <a:t>Second level</a:t>
+              <a:rPr lang="ru-RU"/>
+              <a:t>Второй уровень</a:t>
             </a:r>
             <a:endParaRPr/>
           </a:p>
@@ -1433,8 +2310,8 @@
               <a:defRPr/>
             </a:pPr>
             <a:r>
-              <a:rPr lang="fr-FR"/>
-              <a:t>Third level</a:t>
+              <a:rPr lang="ru-RU"/>
+              <a:t>Третий уровень</a:t>
             </a:r>
             <a:endParaRPr/>
           </a:p>
@@ -1443,8 +2320,8 @@
               <a:defRPr/>
             </a:pPr>
             <a:r>
-              <a:rPr lang="fr-FR"/>
-              <a:t>Fourth level</a:t>
+              <a:rPr lang="ru-RU"/>
+              <a:t>Четвертый уровень</a:t>
             </a:r>
             <a:endParaRPr/>
           </a:p>
@@ -1453,16 +2330,16 @@
               <a:defRPr/>
             </a:pPr>
             <a:r>
-              <a:rPr lang="fr-FR"/>
-              <a:t>Fifth level</a:t>
-            </a:r>
-            <a:endParaRPr lang="fr-FR"/>
-          </a:p>
-        </p:txBody>
-      </p:sp>
-      <p:sp>
-        <p:nvSpPr>
-          <p:cNvPr id="6" name="Date Placeholder 3" hidden="0"/>
+              <a:rPr lang="ru-RU"/>
+              <a:t>Пятый уровень</a:t>
+            </a:r>
+            <a:endParaRPr lang="ru-RU"/>
+          </a:p>
+        </p:txBody>
+      </p:sp>
+      <p:sp>
+        <p:nvSpPr>
+          <p:cNvPr id="6" name="Дата 3" hidden="0"/>
           <p:cNvSpPr>
             <a:spLocks noGrp="1"/>
           </p:cNvSpPr>
@@ -1478,17 +2355,17 @@
             <a:pPr>
               <a:defRPr/>
             </a:pPr>
-            <a:fld id="{BCC18F51-09EC-435C-A3BA-64A766E099C0}" type="datetimeFigureOut">
-              <a:rPr lang="fr-FR"/>
+            <a:fld id="{A69D51E0-3758-456B-809F-07B187805C7D}" type="datetimeFigureOut">
+              <a:rPr lang="ru-RU"/>
               <a:t/>
             </a:fld>
-            <a:endParaRPr lang="fr-FR"/>
-          </a:p>
-        </p:txBody>
-      </p:sp>
-      <p:sp>
-        <p:nvSpPr>
-          <p:cNvPr id="7" name="Footer Placeholder 4" hidden="0"/>
+            <a:endParaRPr lang="ru-RU"/>
+          </a:p>
+        </p:txBody>
+      </p:sp>
+      <p:sp>
+        <p:nvSpPr>
+          <p:cNvPr id="7" name="Нижний колонтитул 4" hidden="0"/>
           <p:cNvSpPr>
             <a:spLocks noGrp="1"/>
           </p:cNvSpPr>
@@ -1504,13 +2381,13 @@
             <a:pPr>
               <a:defRPr/>
             </a:pPr>
-            <a:endParaRPr lang="fr-FR"/>
-          </a:p>
-        </p:txBody>
-      </p:sp>
-      <p:sp>
-        <p:nvSpPr>
-          <p:cNvPr id="8" name="Slide Number Placeholder 5" hidden="0"/>
+            <a:endParaRPr lang="ru-RU"/>
+          </a:p>
+        </p:txBody>
+      </p:sp>
+      <p:sp>
+        <p:nvSpPr>
+          <p:cNvPr id="8" name="Номер слайда 5" hidden="0"/>
           <p:cNvSpPr>
             <a:spLocks noGrp="1"/>
           </p:cNvSpPr>
@@ -1526,11 +2403,11 @@
             <a:pPr>
               <a:defRPr/>
             </a:pPr>
-            <a:fld id="{08395586-F03A-48D1-94DF-16B239DF4FB5}" type="slidenum">
-              <a:rPr lang="fr-FR"/>
+            <a:fld id="{4D3B38E7-149F-4D77-9EEF-9309C2CB69A9}" type="slidenum">
+              <a:rPr lang="ru-RU"/>
               <a:t/>
             </a:fld>
-            <a:endParaRPr lang="fr-FR"/>
+            <a:endParaRPr lang="ru-RU"/>
           </a:p>
         </p:txBody>
       </p:sp>
@@ -1543,7 +2420,7 @@
 </file>
 
 <file path=ppt/slideLayouts/slideLayout3.xml><?xml version="1.0" encoding="utf-8"?>
-<p:sldLayout xmlns:a="http://schemas.openxmlformats.org/drawingml/2006/main" xmlns:r="http://schemas.openxmlformats.org/officeDocument/2006/relationships" xmlns:p="http://schemas.openxmlformats.org/presentationml/2006/main" xmlns:m="http://schemas.openxmlformats.org/officeDocument/2006/math" xmlns:w="http://schemas.openxmlformats.org/wordprocessingml/2006/main" matchingName="" preserve="1" showMasterPhAnim="0" type="secHead" userDrawn="1">
+<p:sldLayout xmlns:a="http://schemas.openxmlformats.org/drawingml/2006/main" xmlns:r="http://schemas.openxmlformats.org/officeDocument/2006/relationships" xmlns:p="http://schemas.openxmlformats.org/presentationml/2006/main" xmlns:m="http://schemas.openxmlformats.org/officeDocument/2006/math" xmlns:w="http://schemas.openxmlformats.org/wordprocessingml/2006/main" matchingName="" preserve="0" showMasterPhAnim="0" type="secHead" userDrawn="1">
   <p:cSld name="Section Header">
     <p:spTree>
       <p:nvGrpSpPr>
@@ -1561,7 +2438,7 @@
       </p:grpSpPr>
       <p:sp>
         <p:nvSpPr>
-          <p:cNvPr id="4" name="Title 1" hidden="0"/>
+          <p:cNvPr id="4" name="Заголовок 1" hidden="0"/>
           <p:cNvSpPr>
             <a:spLocks noGrp="1"/>
           </p:cNvSpPr>
@@ -1571,15 +2448,15 @@
         </p:nvSpPr>
         <p:spPr bwMode="auto">
           <a:xfrm>
-            <a:off x="831849" y="1709737"/>
-            <a:ext cx="10515600" cy="2852736"/>
+            <a:off x="963083" y="4406901"/>
+            <a:ext cx="10363199" cy="1362074"/>
           </a:xfrm>
         </p:spPr>
         <p:txBody>
-          <a:bodyPr anchor="b"/>
+          <a:bodyPr anchor="t"/>
           <a:lstStyle>
-            <a:lvl1pPr>
-              <a:defRPr sz="6000"/>
+            <a:lvl1pPr algn="l">
+              <a:defRPr sz="4000" b="1" cap="all"/>
             </a:lvl1pPr>
           </a:lstStyle>
           <a:p>
@@ -1587,16 +2464,16 @@
               <a:defRPr/>
             </a:pPr>
             <a:r>
-              <a:rPr lang="fr-FR"/>
-              <a:t>Click to edit Master title style</a:t>
-            </a:r>
-            <a:endParaRPr lang="fr-FR"/>
-          </a:p>
-        </p:txBody>
-      </p:sp>
-      <p:sp>
-        <p:nvSpPr>
-          <p:cNvPr id="5" name="Text Placeholder 2" hidden="0"/>
+              <a:rPr lang="ru-RU"/>
+              <a:t>Образец заголовка</a:t>
+            </a:r>
+            <a:endParaRPr lang="ru-RU"/>
+          </a:p>
+        </p:txBody>
+      </p:sp>
+      <p:sp>
+        <p:nvSpPr>
+          <p:cNvPr id="5" name="Текст 2" hidden="0"/>
           <p:cNvSpPr>
             <a:spLocks noGrp="1"/>
           </p:cNvSpPr>
@@ -1606,16 +2483,16 @@
         </p:nvSpPr>
         <p:spPr bwMode="auto">
           <a:xfrm>
-            <a:off x="831849" y="4589462"/>
-            <a:ext cx="10515600" cy="1500186"/>
+            <a:off x="963083" y="2906713"/>
+            <a:ext cx="10363199" cy="1500186"/>
           </a:xfrm>
         </p:spPr>
         <p:txBody>
-          <a:bodyPr/>
+          <a:bodyPr anchor="b"/>
           <a:lstStyle>
             <a:lvl1pPr marL="0" indent="0">
               <a:buNone/>
-              <a:defRPr sz="2400">
+              <a:defRPr sz="2000">
                 <a:solidFill>
                   <a:schemeClr val="tx1">
                     <a:tint val="75000"/>
@@ -1625,7 +2502,7 @@
             </a:lvl1pPr>
             <a:lvl2pPr marL="457200" indent="0">
               <a:buNone/>
-              <a:defRPr sz="2000">
+              <a:defRPr sz="1800">
                 <a:solidFill>
                   <a:schemeClr val="tx1">
                     <a:tint val="75000"/>
@@ -1635,7 +2512,7 @@
             </a:lvl2pPr>
             <a:lvl3pPr marL="914400" indent="0">
               <a:buNone/>
-              <a:defRPr sz="1800">
+              <a:defRPr sz="1600">
                 <a:solidFill>
                   <a:schemeClr val="tx1">
                     <a:tint val="75000"/>
@@ -1645,7 +2522,7 @@
             </a:lvl3pPr>
             <a:lvl4pPr marL="1371600" indent="0">
               <a:buNone/>
-              <a:defRPr sz="1600">
+              <a:defRPr sz="1400">
                 <a:solidFill>
                   <a:schemeClr val="tx1">
                     <a:tint val="75000"/>
@@ -1655,7 +2532,7 @@
             </a:lvl4pPr>
             <a:lvl5pPr marL="1828800" indent="0">
               <a:buNone/>
-              <a:defRPr sz="1600">
+              <a:defRPr sz="1400">
                 <a:solidFill>
                   <a:schemeClr val="tx1">
                     <a:tint val="75000"/>
@@ -1665,7 +2542,7 @@
             </a:lvl5pPr>
             <a:lvl6pPr marL="2286000" indent="0">
               <a:buNone/>
-              <a:defRPr sz="1600">
+              <a:defRPr sz="1400">
                 <a:solidFill>
                   <a:schemeClr val="tx1">
                     <a:tint val="75000"/>
@@ -1675,7 +2552,7 @@
             </a:lvl6pPr>
             <a:lvl7pPr marL="2743200" indent="0">
               <a:buNone/>
-              <a:defRPr sz="1600">
+              <a:defRPr sz="1400">
                 <a:solidFill>
                   <a:schemeClr val="tx1">
                     <a:tint val="75000"/>
@@ -1685,7 +2562,7 @@
             </a:lvl7pPr>
             <a:lvl8pPr marL="3200400" indent="0">
               <a:buNone/>
-              <a:defRPr sz="1600">
+              <a:defRPr sz="1400">
                 <a:solidFill>
                   <a:schemeClr val="tx1">
                     <a:tint val="75000"/>
@@ -1695,7 +2572,7 @@
             </a:lvl8pPr>
             <a:lvl9pPr marL="3657600" indent="0">
               <a:buNone/>
-              <a:defRPr sz="1600">
+              <a:defRPr sz="1400">
                 <a:solidFill>
                   <a:schemeClr val="tx1">
                     <a:tint val="75000"/>
@@ -1709,16 +2586,16 @@
               <a:defRPr/>
             </a:pPr>
             <a:r>
-              <a:rPr lang="fr-FR"/>
-              <a:t>Click to edit Master text styles</a:t>
-            </a:r>
-            <a:endParaRPr/>
-          </a:p>
-        </p:txBody>
-      </p:sp>
-      <p:sp>
-        <p:nvSpPr>
-          <p:cNvPr id="6" name="Date Placeholder 3" hidden="0"/>
+              <a:rPr lang="ru-RU"/>
+              <a:t>Образец текста</a:t>
+            </a:r>
+            <a:endParaRPr/>
+          </a:p>
+        </p:txBody>
+      </p:sp>
+      <p:sp>
+        <p:nvSpPr>
+          <p:cNvPr id="6" name="Дата 3" hidden="0"/>
           <p:cNvSpPr>
             <a:spLocks noGrp="1"/>
           </p:cNvSpPr>
@@ -1734,17 +2611,17 @@
             <a:pPr>
               <a:defRPr/>
             </a:pPr>
-            <a:fld id="{BCC18F51-09EC-435C-A3BA-64A766E099C0}" type="datetimeFigureOut">
-              <a:rPr lang="fr-FR"/>
+            <a:fld id="{A69D51E0-3758-456B-809F-07B187805C7D}" type="datetimeFigureOut">
+              <a:rPr lang="ru-RU"/>
               <a:t/>
             </a:fld>
-            <a:endParaRPr lang="fr-FR"/>
-          </a:p>
-        </p:txBody>
-      </p:sp>
-      <p:sp>
-        <p:nvSpPr>
-          <p:cNvPr id="7" name="Footer Placeholder 4" hidden="0"/>
+            <a:endParaRPr lang="ru-RU"/>
+          </a:p>
+        </p:txBody>
+      </p:sp>
+      <p:sp>
+        <p:nvSpPr>
+          <p:cNvPr id="7" name="Нижний колонтитул 4" hidden="0"/>
           <p:cNvSpPr>
             <a:spLocks noGrp="1"/>
           </p:cNvSpPr>
@@ -1760,13 +2637,13 @@
             <a:pPr>
               <a:defRPr/>
             </a:pPr>
-            <a:endParaRPr lang="fr-FR"/>
-          </a:p>
-        </p:txBody>
-      </p:sp>
-      <p:sp>
-        <p:nvSpPr>
-          <p:cNvPr id="8" name="Slide Number Placeholder 5" hidden="0"/>
+            <a:endParaRPr lang="ru-RU"/>
+          </a:p>
+        </p:txBody>
+      </p:sp>
+      <p:sp>
+        <p:nvSpPr>
+          <p:cNvPr id="8" name="Номер слайда 5" hidden="0"/>
           <p:cNvSpPr>
             <a:spLocks noGrp="1"/>
           </p:cNvSpPr>
@@ -1782,11 +2659,11 @@
             <a:pPr>
               <a:defRPr/>
             </a:pPr>
-            <a:fld id="{08395586-F03A-48D1-94DF-16B239DF4FB5}" type="slidenum">
-              <a:rPr lang="fr-FR"/>
+            <a:fld id="{4D3B38E7-149F-4D77-9EEF-9309C2CB69A9}" type="slidenum">
+              <a:rPr lang="ru-RU"/>
               <a:t/>
             </a:fld>
-            <a:endParaRPr lang="fr-FR"/>
+            <a:endParaRPr lang="ru-RU"/>
           </a:p>
         </p:txBody>
       </p:sp>
@@ -1799,7 +2676,7 @@
 </file>
 
 <file path=ppt/slideLayouts/slideLayout4.xml><?xml version="1.0" encoding="utf-8"?>
-<p:sldLayout xmlns:a="http://schemas.openxmlformats.org/drawingml/2006/main" xmlns:r="http://schemas.openxmlformats.org/officeDocument/2006/relationships" xmlns:p="http://schemas.openxmlformats.org/presentationml/2006/main" xmlns:m="http://schemas.openxmlformats.org/officeDocument/2006/math" xmlns:w="http://schemas.openxmlformats.org/wordprocessingml/2006/main" matchingName="" preserve="1" showMasterPhAnim="0" type="twoObj" userDrawn="1">
+<p:sldLayout xmlns:a="http://schemas.openxmlformats.org/drawingml/2006/main" xmlns:r="http://schemas.openxmlformats.org/officeDocument/2006/relationships" xmlns:p="http://schemas.openxmlformats.org/presentationml/2006/main" xmlns:m="http://schemas.openxmlformats.org/officeDocument/2006/math" xmlns:w="http://schemas.openxmlformats.org/wordprocessingml/2006/main" matchingName="" preserve="0" showMasterPhAnim="0" type="twoObj" userDrawn="1">
   <p:cSld name="Two Content">
     <p:spTree>
       <p:nvGrpSpPr>
@@ -1817,7 +2694,7 @@
       </p:grpSpPr>
       <p:sp>
         <p:nvSpPr>
-          <p:cNvPr id="4" name="Title 1" hidden="0"/>
+          <p:cNvPr id="4" name="Заголовок 1" hidden="0"/>
           <p:cNvSpPr>
             <a:spLocks noGrp="1"/>
           </p:cNvSpPr>
@@ -1834,16 +2711,16 @@
               <a:defRPr/>
             </a:pPr>
             <a:r>
-              <a:rPr lang="fr-FR"/>
-              <a:t>Click to edit Master title style</a:t>
-            </a:r>
-            <a:endParaRPr lang="fr-FR"/>
-          </a:p>
-        </p:txBody>
-      </p:sp>
-      <p:sp>
-        <p:nvSpPr>
-          <p:cNvPr id="5" name="Content Placeholder 2" hidden="0"/>
+              <a:rPr lang="ru-RU"/>
+              <a:t>Образец заголовка</a:t>
+            </a:r>
+            <a:endParaRPr lang="ru-RU"/>
+          </a:p>
+        </p:txBody>
+      </p:sp>
+      <p:sp>
+        <p:nvSpPr>
+          <p:cNvPr id="5" name="Объект 2" hidden="0"/>
           <p:cNvSpPr>
             <a:spLocks noGrp="1"/>
           </p:cNvSpPr>
@@ -1853,20 +2730,48 @@
         </p:nvSpPr>
         <p:spPr bwMode="auto">
           <a:xfrm>
-            <a:off x="838199" y="1825624"/>
-            <a:ext cx="5181599" cy="4351338"/>
+            <a:off x="609599" y="1600201"/>
+            <a:ext cx="5384799" cy="4525962"/>
           </a:xfrm>
         </p:spPr>
         <p:txBody>
           <a:bodyPr/>
-          <a:lstStyle/>
+          <a:lstStyle>
+            <a:lvl1pPr>
+              <a:defRPr sz="2800"/>
+            </a:lvl1pPr>
+            <a:lvl2pPr>
+              <a:defRPr sz="2400"/>
+            </a:lvl2pPr>
+            <a:lvl3pPr>
+              <a:defRPr sz="2000"/>
+            </a:lvl3pPr>
+            <a:lvl4pPr>
+              <a:defRPr sz="1800"/>
+            </a:lvl4pPr>
+            <a:lvl5pPr>
+              <a:defRPr sz="1800"/>
+            </a:lvl5pPr>
+            <a:lvl6pPr>
+              <a:defRPr sz="1800"/>
+            </a:lvl6pPr>
+            <a:lvl7pPr>
+              <a:defRPr sz="1800"/>
+            </a:lvl7pPr>
+            <a:lvl8pPr>
+              <a:defRPr sz="1800"/>
+            </a:lvl8pPr>
+            <a:lvl9pPr>
+              <a:defRPr sz="1800"/>
+            </a:lvl9pPr>
+          </a:lstStyle>
           <a:p>
             <a:pPr lvl="0">
               <a:defRPr/>
             </a:pPr>
             <a:r>
-              <a:rPr lang="fr-FR"/>
-              <a:t>Click to edit Master text styles</a:t>
+              <a:rPr lang="ru-RU"/>
+              <a:t>Образец текста</a:t>
             </a:r>
             <a:endParaRPr/>
           </a:p>
@@ -1875,8 +2780,8 @@
               <a:defRPr/>
             </a:pPr>
             <a:r>
-              <a:rPr lang="fr-FR"/>
-              <a:t>Second level</a:t>
+              <a:rPr lang="ru-RU"/>
+              <a:t>Второй уровень</a:t>
             </a:r>
             <a:endParaRPr/>
           </a:p>
@@ -1885,8 +2790,8 @@
               <a:defRPr/>
             </a:pPr>
             <a:r>
-              <a:rPr lang="fr-FR"/>
-              <a:t>Third level</a:t>
+              <a:rPr lang="ru-RU"/>
+              <a:t>Третий уровень</a:t>
             </a:r>
             <a:endParaRPr/>
           </a:p>
@@ -1895,8 +2800,8 @@
               <a:defRPr/>
             </a:pPr>
             <a:r>
-              <a:rPr lang="fr-FR"/>
-              <a:t>Fourth level</a:t>
+              <a:rPr lang="ru-RU"/>
+              <a:t>Четвертый уровень</a:t>
             </a:r>
             <a:endParaRPr/>
           </a:p>
@@ -1905,16 +2810,16 @@
               <a:defRPr/>
             </a:pPr>
             <a:r>
-              <a:rPr lang="fr-FR"/>
-              <a:t>Fifth level</a:t>
-            </a:r>
-            <a:endParaRPr lang="fr-FR"/>
-          </a:p>
-        </p:txBody>
-      </p:sp>
-      <p:sp>
-        <p:nvSpPr>
-          <p:cNvPr id="6" name="Content Placeholder 3" hidden="0"/>
+              <a:rPr lang="ru-RU"/>
+              <a:t>Пятый уровень</a:t>
+            </a:r>
+            <a:endParaRPr lang="ru-RU"/>
+          </a:p>
+        </p:txBody>
+      </p:sp>
+      <p:sp>
+        <p:nvSpPr>
+          <p:cNvPr id="6" name="Объект 3" hidden="0"/>
           <p:cNvSpPr>
             <a:spLocks noGrp="1"/>
           </p:cNvSpPr>
@@ -1924,20 +2829,48 @@
         </p:nvSpPr>
         <p:spPr bwMode="auto">
           <a:xfrm>
-            <a:off x="6172200" y="1825624"/>
-            <a:ext cx="5181599" cy="4351338"/>
+            <a:off x="6197599" y="1600201"/>
+            <a:ext cx="5384799" cy="4525962"/>
           </a:xfrm>
         </p:spPr>
         <p:txBody>
           <a:bodyPr/>
-          <a:lstStyle/>
+          <a:lstStyle>
+            <a:lvl1pPr>
+              <a:defRPr sz="2800"/>
+            </a:lvl1pPr>
+            <a:lvl2pPr>
+              <a:defRPr sz="2400"/>
+            </a:lvl2pPr>
+            <a:lvl3pPr>
+              <a:defRPr sz="2000"/>
+            </a:lvl3pPr>
+            <a:lvl4pPr>
+              <a:defRPr sz="1800"/>
+            </a:lvl4pPr>
+            <a:lvl5pPr>
+              <a:defRPr sz="1800"/>
+            </a:lvl5pPr>
+            <a:lvl6pPr>
+              <a:defRPr sz="1800"/>
+            </a:lvl6pPr>
+            <a:lvl7pPr>
+              <a:defRPr sz="1800"/>
+            </a:lvl7pPr>
+            <a:lvl8pPr>
+              <a:defRPr sz="1800"/>
+            </a:lvl8pPr>
+            <a:lvl9pPr>
+              <a:defRPr sz="1800"/>
+            </a:lvl9pPr>
+          </a:lstStyle>
           <a:p>
             <a:pPr lvl="0">
               <a:defRPr/>
             </a:pPr>
             <a:r>
-              <a:rPr lang="fr-FR"/>
-              <a:t>Click to edit Master text styles</a:t>
+              <a:rPr lang="ru-RU"/>
+              <a:t>Образец текста</a:t>
             </a:r>
             <a:endParaRPr/>
           </a:p>
@@ -1946,8 +2879,8 @@
               <a:defRPr/>
             </a:pPr>
             <a:r>
-              <a:rPr lang="fr-FR"/>
-              <a:t>Second level</a:t>
+              <a:rPr lang="ru-RU"/>
+              <a:t>Второй уровень</a:t>
             </a:r>
             <a:endParaRPr/>
           </a:p>
@@ -1956,8 +2889,8 @@
               <a:defRPr/>
             </a:pPr>
             <a:r>
-              <a:rPr lang="fr-FR"/>
-              <a:t>Third level</a:t>
+              <a:rPr lang="ru-RU"/>
+              <a:t>Третий уровень</a:t>
             </a:r>
             <a:endParaRPr/>
           </a:p>
@@ -1966,8 +2899,8 @@
               <a:defRPr/>
             </a:pPr>
             <a:r>
-              <a:rPr lang="fr-FR"/>
-              <a:t>Fourth level</a:t>
+              <a:rPr lang="ru-RU"/>
+              <a:t>Четвертый уровень</a:t>
             </a:r>
             <a:endParaRPr/>
           </a:p>
@@ -1976,16 +2909,16 @@
               <a:defRPr/>
             </a:pPr>
             <a:r>
-              <a:rPr lang="fr-FR"/>
-              <a:t>Fifth level</a:t>
-            </a:r>
-            <a:endParaRPr lang="fr-FR"/>
-          </a:p>
-        </p:txBody>
-      </p:sp>
-      <p:sp>
-        <p:nvSpPr>
-          <p:cNvPr id="7" name="Date Placeholder 4" hidden="0"/>
+              <a:rPr lang="ru-RU"/>
+              <a:t>Пятый уровень</a:t>
+            </a:r>
+            <a:endParaRPr lang="ru-RU"/>
+          </a:p>
+        </p:txBody>
+      </p:sp>
+      <p:sp>
+        <p:nvSpPr>
+          <p:cNvPr id="7" name="Дата 4" hidden="0"/>
           <p:cNvSpPr>
             <a:spLocks noGrp="1"/>
           </p:cNvSpPr>
@@ -2001,17 +2934,17 @@
             <a:pPr>
               <a:defRPr/>
             </a:pPr>
-            <a:fld id="{BCC18F51-09EC-435C-A3BA-64A766E099C0}" type="datetimeFigureOut">
-              <a:rPr lang="fr-FR"/>
+            <a:fld id="{A69D51E0-3758-456B-809F-07B187805C7D}" type="datetimeFigureOut">
+              <a:rPr lang="ru-RU"/>
               <a:t/>
             </a:fld>
-            <a:endParaRPr lang="fr-FR"/>
-          </a:p>
-        </p:txBody>
-      </p:sp>
-      <p:sp>
-        <p:nvSpPr>
-          <p:cNvPr id="8" name="Footer Placeholder 5" hidden="0"/>
+            <a:endParaRPr lang="ru-RU"/>
+          </a:p>
+        </p:txBody>
+      </p:sp>
+      <p:sp>
+        <p:nvSpPr>
+          <p:cNvPr id="8" name="Нижний колонтитул 5" hidden="0"/>
           <p:cNvSpPr>
             <a:spLocks noGrp="1"/>
           </p:cNvSpPr>
@@ -2027,13 +2960,13 @@
             <a:pPr>
               <a:defRPr/>
             </a:pPr>
-            <a:endParaRPr lang="fr-FR"/>
-          </a:p>
-        </p:txBody>
-      </p:sp>
-      <p:sp>
-        <p:nvSpPr>
-          <p:cNvPr id="9" name="Slide Number Placeholder 6" hidden="0"/>
+            <a:endParaRPr lang="ru-RU"/>
+          </a:p>
+        </p:txBody>
+      </p:sp>
+      <p:sp>
+        <p:nvSpPr>
+          <p:cNvPr id="9" name="Номер слайда 6" hidden="0"/>
           <p:cNvSpPr>
             <a:spLocks noGrp="1"/>
           </p:cNvSpPr>
@@ -2049,11 +2982,11 @@
             <a:pPr>
               <a:defRPr/>
             </a:pPr>
-            <a:fld id="{08395586-F03A-48D1-94DF-16B239DF4FB5}" type="slidenum">
-              <a:rPr lang="fr-FR"/>
+            <a:fld id="{4D3B38E7-149F-4D77-9EEF-9309C2CB69A9}" type="slidenum">
+              <a:rPr lang="ru-RU"/>
               <a:t/>
             </a:fld>
-            <a:endParaRPr lang="fr-FR"/>
+            <a:endParaRPr lang="ru-RU"/>
           </a:p>
         </p:txBody>
       </p:sp>
@@ -2066,7 +2999,7 @@
 </file>
 
 <file path=ppt/slideLayouts/slideLayout5.xml><?xml version="1.0" encoding="utf-8"?>
-<p:sldLayout xmlns:a="http://schemas.openxmlformats.org/drawingml/2006/main" xmlns:r="http://schemas.openxmlformats.org/officeDocument/2006/relationships" xmlns:p="http://schemas.openxmlformats.org/presentationml/2006/main" xmlns:m="http://schemas.openxmlformats.org/officeDocument/2006/math" xmlns:w="http://schemas.openxmlformats.org/wordprocessingml/2006/main" matchingName="" preserve="1" showMasterPhAnim="0" type="twoTxTwoObj" userDrawn="1">
+<p:sldLayout xmlns:a="http://schemas.openxmlformats.org/drawingml/2006/main" xmlns:r="http://schemas.openxmlformats.org/officeDocument/2006/relationships" xmlns:p="http://schemas.openxmlformats.org/presentationml/2006/main" xmlns:m="http://schemas.openxmlformats.org/officeDocument/2006/math" xmlns:w="http://schemas.openxmlformats.org/wordprocessingml/2006/main" matchingName="" preserve="0" showMasterPhAnim="0" type="twoTxTwoObj" userDrawn="1">
   <p:cSld name="Comparison">
     <p:spTree>
       <p:nvGrpSpPr>
@@ -2084,49 +3017,48 @@
       </p:grpSpPr>
       <p:sp>
         <p:nvSpPr>
-          <p:cNvPr id="4" name="Title 1" hidden="0"/>
+          <p:cNvPr id="4" name="Заголовок 1" hidden="0"/>
           <p:cNvSpPr>
             <a:spLocks noGrp="1"/>
           </p:cNvSpPr>
           <p:nvPr isPhoto="0" userDrawn="0">
             <p:ph type="title" hasCustomPrompt="0"/>
+          </p:nvPr>
+        </p:nvSpPr>
+        <p:spPr bwMode="auto"/>
+        <p:txBody>
+          <a:bodyPr/>
+          <a:lstStyle>
+            <a:lvl1pPr>
+              <a:defRPr/>
+            </a:lvl1pPr>
+          </a:lstStyle>
+          <a:p>
+            <a:pPr>
+              <a:defRPr/>
+            </a:pPr>
+            <a:r>
+              <a:rPr lang="ru-RU"/>
+              <a:t>Образец заголовка</a:t>
+            </a:r>
+            <a:endParaRPr lang="ru-RU"/>
+          </a:p>
+        </p:txBody>
+      </p:sp>
+      <p:sp>
+        <p:nvSpPr>
+          <p:cNvPr id="5" name="Текст 2" hidden="0"/>
+          <p:cNvSpPr>
+            <a:spLocks noGrp="1"/>
+          </p:cNvSpPr>
+          <p:nvPr isPhoto="0" userDrawn="0">
+            <p:ph type="body" idx="1" hasCustomPrompt="0"/>
           </p:nvPr>
         </p:nvSpPr>
         <p:spPr bwMode="auto">
           <a:xfrm>
-            <a:off x="839787" y="365124"/>
-            <a:ext cx="10515600" cy="1325562"/>
-          </a:xfrm>
-        </p:spPr>
-        <p:txBody>
-          <a:bodyPr/>
-          <a:lstStyle/>
-          <a:p>
-            <a:pPr>
-              <a:defRPr/>
-            </a:pPr>
-            <a:r>
-              <a:rPr lang="fr-FR"/>
-              <a:t>Click to edit Master title style</a:t>
-            </a:r>
-            <a:endParaRPr lang="fr-FR"/>
-          </a:p>
-        </p:txBody>
-      </p:sp>
-      <p:sp>
-        <p:nvSpPr>
-          <p:cNvPr id="5" name="Text Placeholder 2" hidden="0"/>
-          <p:cNvSpPr>
-            <a:spLocks noGrp="1"/>
-          </p:cNvSpPr>
-          <p:nvPr isPhoto="0" userDrawn="0">
-            <p:ph type="body" idx="1" hasCustomPrompt="0"/>
-          </p:nvPr>
-        </p:nvSpPr>
-        <p:spPr bwMode="auto">
-          <a:xfrm>
-            <a:off x="839787" y="1681162"/>
-            <a:ext cx="5157786" cy="823911"/>
+            <a:off x="609599" y="1535113"/>
+            <a:ext cx="5386917" cy="639762"/>
           </a:xfrm>
         </p:spPr>
         <p:txBody>
@@ -2174,16 +3106,16 @@
               <a:defRPr/>
             </a:pPr>
             <a:r>
-              <a:rPr lang="fr-FR"/>
-              <a:t>Click to edit Master text styles</a:t>
-            </a:r>
-            <a:endParaRPr/>
-          </a:p>
-        </p:txBody>
-      </p:sp>
-      <p:sp>
-        <p:nvSpPr>
-          <p:cNvPr id="6" name="Content Placeholder 3" hidden="0"/>
+              <a:rPr lang="ru-RU"/>
+              <a:t>Образец текста</a:t>
+            </a:r>
+            <a:endParaRPr/>
+          </a:p>
+        </p:txBody>
+      </p:sp>
+      <p:sp>
+        <p:nvSpPr>
+          <p:cNvPr id="6" name="Объект 3" hidden="0"/>
           <p:cNvSpPr>
             <a:spLocks noGrp="1"/>
           </p:cNvSpPr>
@@ -2193,20 +3125,48 @@
         </p:nvSpPr>
         <p:spPr bwMode="auto">
           <a:xfrm>
-            <a:off x="839787" y="2505074"/>
-            <a:ext cx="5157786" cy="3684587"/>
+            <a:off x="609599" y="2174874"/>
+            <a:ext cx="5386917" cy="3951288"/>
           </a:xfrm>
         </p:spPr>
         <p:txBody>
           <a:bodyPr/>
-          <a:lstStyle/>
+          <a:lstStyle>
+            <a:lvl1pPr>
+              <a:defRPr sz="2400"/>
+            </a:lvl1pPr>
+            <a:lvl2pPr>
+              <a:defRPr sz="2000"/>
+            </a:lvl2pPr>
+            <a:lvl3pPr>
+              <a:defRPr sz="1800"/>
+            </a:lvl3pPr>
+            <a:lvl4pPr>
+              <a:defRPr sz="1600"/>
+            </a:lvl4pPr>
+            <a:lvl5pPr>
+              <a:defRPr sz="1600"/>
+            </a:lvl5pPr>
+            <a:lvl6pPr>
+              <a:defRPr sz="1600"/>
+            </a:lvl6pPr>
+            <a:lvl7pPr>
+              <a:defRPr sz="1600"/>
+            </a:lvl7pPr>
+            <a:lvl8pPr>
+              <a:defRPr sz="1600"/>
+            </a:lvl8pPr>
+            <a:lvl9pPr>
+              <a:defRPr sz="1600"/>
+            </a:lvl9pPr>
+          </a:lstStyle>
           <a:p>
             <a:pPr lvl="0">
               <a:defRPr/>
             </a:pPr>
             <a:r>
-              <a:rPr lang="fr-FR"/>
-              <a:t>Click to edit Master text styles</a:t>
+              <a:rPr lang="ru-RU"/>
+              <a:t>Образец текста</a:t>
             </a:r>
             <a:endParaRPr/>
           </a:p>
@@ -2215,8 +3175,8 @@
               <a:defRPr/>
             </a:pPr>
             <a:r>
-              <a:rPr lang="fr-FR"/>
-              <a:t>Second level</a:t>
+              <a:rPr lang="ru-RU"/>
+              <a:t>Второй уровень</a:t>
             </a:r>
             <a:endParaRPr/>
           </a:p>
@@ -2225,8 +3185,8 @@
               <a:defRPr/>
             </a:pPr>
             <a:r>
-              <a:rPr lang="fr-FR"/>
-              <a:t>Third level</a:t>
+              <a:rPr lang="ru-RU"/>
+              <a:t>Третий уровень</a:t>
             </a:r>
             <a:endParaRPr/>
           </a:p>
@@ -2235,8 +3195,8 @@
               <a:defRPr/>
             </a:pPr>
             <a:r>
-              <a:rPr lang="fr-FR"/>
-              <a:t>Fourth level</a:t>
+              <a:rPr lang="ru-RU"/>
+              <a:t>Четвертый уровень</a:t>
             </a:r>
             <a:endParaRPr/>
           </a:p>
@@ -2245,16 +3205,16 @@
               <a:defRPr/>
             </a:pPr>
             <a:r>
-              <a:rPr lang="fr-FR"/>
-              <a:t>Fifth level</a:t>
-            </a:r>
-            <a:endParaRPr lang="fr-FR"/>
-          </a:p>
-        </p:txBody>
-      </p:sp>
-      <p:sp>
-        <p:nvSpPr>
-          <p:cNvPr id="7" name="Text Placeholder 4" hidden="0"/>
+              <a:rPr lang="ru-RU"/>
+              <a:t>Пятый уровень</a:t>
+            </a:r>
+            <a:endParaRPr lang="ru-RU"/>
+          </a:p>
+        </p:txBody>
+      </p:sp>
+      <p:sp>
+        <p:nvSpPr>
+          <p:cNvPr id="7" name="Текст 4" hidden="0"/>
           <p:cNvSpPr>
             <a:spLocks noGrp="1"/>
           </p:cNvSpPr>
@@ -2264,8 +3224,8 @@
         </p:nvSpPr>
         <p:spPr bwMode="auto">
           <a:xfrm>
-            <a:off x="6172200" y="1681162"/>
-            <a:ext cx="5183187" cy="823911"/>
+            <a:off x="6193370" y="1535113"/>
+            <a:ext cx="5389033" cy="639762"/>
           </a:xfrm>
         </p:spPr>
         <p:txBody>
@@ -2313,16 +3273,16 @@
               <a:defRPr/>
             </a:pPr>
             <a:r>
-              <a:rPr lang="fr-FR"/>
-              <a:t>Click to edit Master text styles</a:t>
-            </a:r>
-            <a:endParaRPr/>
-          </a:p>
-        </p:txBody>
-      </p:sp>
-      <p:sp>
-        <p:nvSpPr>
-          <p:cNvPr id="8" name="Content Placeholder 5" hidden="0"/>
+              <a:rPr lang="ru-RU"/>
+              <a:t>Образец текста</a:t>
+            </a:r>
+            <a:endParaRPr/>
+          </a:p>
+        </p:txBody>
+      </p:sp>
+      <p:sp>
+        <p:nvSpPr>
+          <p:cNvPr id="8" name="Объект 5" hidden="0"/>
           <p:cNvSpPr>
             <a:spLocks noGrp="1"/>
           </p:cNvSpPr>
@@ -2332,20 +3292,48 @@
         </p:nvSpPr>
         <p:spPr bwMode="auto">
           <a:xfrm>
-            <a:off x="6172200" y="2505074"/>
-            <a:ext cx="5183187" cy="3684587"/>
+            <a:off x="6193370" y="2174874"/>
+            <a:ext cx="5389033" cy="3951288"/>
           </a:xfrm>
         </p:spPr>
         <p:txBody>
           <a:bodyPr/>
-          <a:lstStyle/>
+          <a:lstStyle>
+            <a:lvl1pPr>
+              <a:defRPr sz="2400"/>
+            </a:lvl1pPr>
+            <a:lvl2pPr>
+              <a:defRPr sz="2000"/>
+            </a:lvl2pPr>
+            <a:lvl3pPr>
+              <a:defRPr sz="1800"/>
+            </a:lvl3pPr>
+            <a:lvl4pPr>
+              <a:defRPr sz="1600"/>
+            </a:lvl4pPr>
+            <a:lvl5pPr>
+              <a:defRPr sz="1600"/>
+            </a:lvl5pPr>
+            <a:lvl6pPr>
+              <a:defRPr sz="1600"/>
+            </a:lvl6pPr>
+            <a:lvl7pPr>
+              <a:defRPr sz="1600"/>
+            </a:lvl7pPr>
+            <a:lvl8pPr>
+              <a:defRPr sz="1600"/>
+            </a:lvl8pPr>
+            <a:lvl9pPr>
+              <a:defRPr sz="1600"/>
+            </a:lvl9pPr>
+          </a:lstStyle>
           <a:p>
             <a:pPr lvl="0">
               <a:defRPr/>
             </a:pPr>
             <a:r>
-              <a:rPr lang="fr-FR"/>
-              <a:t>Click to edit Master text styles</a:t>
+              <a:rPr lang="ru-RU"/>
+              <a:t>Образец текста</a:t>
             </a:r>
             <a:endParaRPr/>
           </a:p>
@@ -2354,8 +3342,8 @@
               <a:defRPr/>
             </a:pPr>
             <a:r>
-              <a:rPr lang="fr-FR"/>
-              <a:t>Second level</a:t>
+              <a:rPr lang="ru-RU"/>
+              <a:t>Второй уровень</a:t>
             </a:r>
             <a:endParaRPr/>
           </a:p>
@@ -2364,8 +3352,8 @@
               <a:defRPr/>
             </a:pPr>
             <a:r>
-              <a:rPr lang="fr-FR"/>
-              <a:t>Third level</a:t>
+              <a:rPr lang="ru-RU"/>
+              <a:t>Третий уровень</a:t>
             </a:r>
             <a:endParaRPr/>
           </a:p>
@@ -2374,8 +3362,8 @@
               <a:defRPr/>
             </a:pPr>
             <a:r>
-              <a:rPr lang="fr-FR"/>
-              <a:t>Fourth level</a:t>
+              <a:rPr lang="ru-RU"/>
+              <a:t>Четвертый уровень</a:t>
             </a:r>
             <a:endParaRPr/>
           </a:p>
@@ -2384,16 +3372,16 @@
               <a:defRPr/>
             </a:pPr>
             <a:r>
-              <a:rPr lang="fr-FR"/>
-              <a:t>Fifth level</a:t>
-            </a:r>
-            <a:endParaRPr lang="fr-FR"/>
-          </a:p>
-        </p:txBody>
-      </p:sp>
-      <p:sp>
-        <p:nvSpPr>
-          <p:cNvPr id="9" name="Date Placeholder 6" hidden="0"/>
+              <a:rPr lang="ru-RU"/>
+              <a:t>Пятый уровень</a:t>
+            </a:r>
+            <a:endParaRPr lang="ru-RU"/>
+          </a:p>
+        </p:txBody>
+      </p:sp>
+      <p:sp>
+        <p:nvSpPr>
+          <p:cNvPr id="9" name="Дата 6" hidden="0"/>
           <p:cNvSpPr>
             <a:spLocks noGrp="1"/>
           </p:cNvSpPr>
@@ -2409,17 +3397,17 @@
             <a:pPr>
               <a:defRPr/>
             </a:pPr>
-            <a:fld id="{BCC18F51-09EC-435C-A3BA-64A766E099C0}" type="datetimeFigureOut">
-              <a:rPr lang="fr-FR"/>
+            <a:fld id="{A69D51E0-3758-456B-809F-07B187805C7D}" type="datetimeFigureOut">
+              <a:rPr lang="ru-RU"/>
               <a:t/>
             </a:fld>
-            <a:endParaRPr lang="fr-FR"/>
-          </a:p>
-        </p:txBody>
-      </p:sp>
-      <p:sp>
-        <p:nvSpPr>
-          <p:cNvPr id="10" name="Footer Placeholder 7" hidden="0"/>
+            <a:endParaRPr lang="ru-RU"/>
+          </a:p>
+        </p:txBody>
+      </p:sp>
+      <p:sp>
+        <p:nvSpPr>
+          <p:cNvPr id="10" name="Нижний колонтитул 7" hidden="0"/>
           <p:cNvSpPr>
             <a:spLocks noGrp="1"/>
           </p:cNvSpPr>
@@ -2435,13 +3423,13 @@
             <a:pPr>
               <a:defRPr/>
             </a:pPr>
-            <a:endParaRPr lang="fr-FR"/>
-          </a:p>
-        </p:txBody>
-      </p:sp>
-      <p:sp>
-        <p:nvSpPr>
-          <p:cNvPr id="11" name="Slide Number Placeholder 8" hidden="0"/>
+            <a:endParaRPr lang="ru-RU"/>
+          </a:p>
+        </p:txBody>
+      </p:sp>
+      <p:sp>
+        <p:nvSpPr>
+          <p:cNvPr id="11" name="Номер слайда 8" hidden="0"/>
           <p:cNvSpPr>
             <a:spLocks noGrp="1"/>
           </p:cNvSpPr>
@@ -2457,11 +3445,11 @@
             <a:pPr>
               <a:defRPr/>
             </a:pPr>
-            <a:fld id="{08395586-F03A-48D1-94DF-16B239DF4FB5}" type="slidenum">
-              <a:rPr lang="fr-FR"/>
+            <a:fld id="{4D3B38E7-149F-4D77-9EEF-9309C2CB69A9}" type="slidenum">
+              <a:rPr lang="ru-RU"/>
               <a:t/>
             </a:fld>
-            <a:endParaRPr lang="fr-FR"/>
+            <a:endParaRPr lang="ru-RU"/>
           </a:p>
         </p:txBody>
       </p:sp>
@@ -2474,7 +3462,7 @@
 </file>
 
 <file path=ppt/slideLayouts/slideLayout6.xml><?xml version="1.0" encoding="utf-8"?>
-<p:sldLayout xmlns:a="http://schemas.openxmlformats.org/drawingml/2006/main" xmlns:r="http://schemas.openxmlformats.org/officeDocument/2006/relationships" xmlns:p="http://schemas.openxmlformats.org/presentationml/2006/main" xmlns:m="http://schemas.openxmlformats.org/officeDocument/2006/math" xmlns:w="http://schemas.openxmlformats.org/wordprocessingml/2006/main" matchingName="" preserve="1" showMasterPhAnim="0" type="titleOnly" userDrawn="1">
+<p:sldLayout xmlns:a="http://schemas.openxmlformats.org/drawingml/2006/main" xmlns:r="http://schemas.openxmlformats.org/officeDocument/2006/relationships" xmlns:p="http://schemas.openxmlformats.org/presentationml/2006/main" xmlns:m="http://schemas.openxmlformats.org/officeDocument/2006/math" xmlns:w="http://schemas.openxmlformats.org/wordprocessingml/2006/main" matchingName="" preserve="0" showMasterPhAnim="0" type="titleOnly" userDrawn="1">
   <p:cSld name="Title Only">
     <p:spTree>
       <p:nvGrpSpPr>
@@ -2492,7 +3480,7 @@
       </p:grpSpPr>
       <p:sp>
         <p:nvSpPr>
-          <p:cNvPr id="4" name="Title 1" hidden="0"/>
+          <p:cNvPr id="4" name="Заголовок 1" hidden="0"/>
           <p:cNvSpPr>
             <a:spLocks noGrp="1"/>
           </p:cNvSpPr>
@@ -2509,16 +3497,16 @@
               <a:defRPr/>
             </a:pPr>
             <a:r>
-              <a:rPr lang="fr-FR"/>
-              <a:t>Click to edit Master title style</a:t>
-            </a:r>
-            <a:endParaRPr lang="fr-FR"/>
-          </a:p>
-        </p:txBody>
-      </p:sp>
-      <p:sp>
-        <p:nvSpPr>
-          <p:cNvPr id="5" name="Date Placeholder 2" hidden="0"/>
+              <a:rPr lang="ru-RU"/>
+              <a:t>Образец заголовка</a:t>
+            </a:r>
+            <a:endParaRPr lang="ru-RU"/>
+          </a:p>
+        </p:txBody>
+      </p:sp>
+      <p:sp>
+        <p:nvSpPr>
+          <p:cNvPr id="5" name="Дата 2" hidden="0"/>
           <p:cNvSpPr>
             <a:spLocks noGrp="1"/>
           </p:cNvSpPr>
@@ -2534,17 +3522,17 @@
             <a:pPr>
               <a:defRPr/>
             </a:pPr>
-            <a:fld id="{BCC18F51-09EC-435C-A3BA-64A766E099C0}" type="datetimeFigureOut">
-              <a:rPr lang="fr-FR"/>
+            <a:fld id="{A69D51E0-3758-456B-809F-07B187805C7D}" type="datetimeFigureOut">
+              <a:rPr lang="ru-RU"/>
               <a:t/>
             </a:fld>
-            <a:endParaRPr lang="fr-FR"/>
-          </a:p>
-        </p:txBody>
-      </p:sp>
-      <p:sp>
-        <p:nvSpPr>
-          <p:cNvPr id="6" name="Footer Placeholder 3" hidden="0"/>
+            <a:endParaRPr lang="ru-RU"/>
+          </a:p>
+        </p:txBody>
+      </p:sp>
+      <p:sp>
+        <p:nvSpPr>
+          <p:cNvPr id="6" name="Нижний колонтитул 3" hidden="0"/>
           <p:cNvSpPr>
             <a:spLocks noGrp="1"/>
           </p:cNvSpPr>
@@ -2560,13 +3548,13 @@
             <a:pPr>
               <a:defRPr/>
             </a:pPr>
-            <a:endParaRPr lang="fr-FR"/>
-          </a:p>
-        </p:txBody>
-      </p:sp>
-      <p:sp>
-        <p:nvSpPr>
-          <p:cNvPr id="7" name="Slide Number Placeholder 4" hidden="0"/>
+            <a:endParaRPr lang="ru-RU"/>
+          </a:p>
+        </p:txBody>
+      </p:sp>
+      <p:sp>
+        <p:nvSpPr>
+          <p:cNvPr id="7" name="Номер слайда 4" hidden="0"/>
           <p:cNvSpPr>
             <a:spLocks noGrp="1"/>
           </p:cNvSpPr>
@@ -2582,11 +3570,11 @@
             <a:pPr>
               <a:defRPr/>
             </a:pPr>
-            <a:fld id="{08395586-F03A-48D1-94DF-16B239DF4FB5}" type="slidenum">
-              <a:rPr lang="fr-FR"/>
+            <a:fld id="{4D3B38E7-149F-4D77-9EEF-9309C2CB69A9}" type="slidenum">
+              <a:rPr lang="ru-RU"/>
               <a:t/>
             </a:fld>
-            <a:endParaRPr lang="fr-FR"/>
+            <a:endParaRPr lang="ru-RU"/>
           </a:p>
         </p:txBody>
       </p:sp>
@@ -2599,7 +3587,7 @@
 </file>
 
 <file path=ppt/slideLayouts/slideLayout7.xml><?xml version="1.0" encoding="utf-8"?>
-<p:sldLayout xmlns:a="http://schemas.openxmlformats.org/drawingml/2006/main" xmlns:r="http://schemas.openxmlformats.org/officeDocument/2006/relationships" xmlns:p="http://schemas.openxmlformats.org/presentationml/2006/main" xmlns:m="http://schemas.openxmlformats.org/officeDocument/2006/math" xmlns:w="http://schemas.openxmlformats.org/wordprocessingml/2006/main" matchingName="" preserve="1" showMasterPhAnim="0" type="blank" userDrawn="1">
+<p:sldLayout xmlns:a="http://schemas.openxmlformats.org/drawingml/2006/main" xmlns:r="http://schemas.openxmlformats.org/officeDocument/2006/relationships" xmlns:p="http://schemas.openxmlformats.org/presentationml/2006/main" xmlns:m="http://schemas.openxmlformats.org/officeDocument/2006/math" xmlns:w="http://schemas.openxmlformats.org/wordprocessingml/2006/main" matchingName="" preserve="0" showMasterPhAnim="0" type="blank" userDrawn="1">
   <p:cSld name="Blank">
     <p:spTree>
       <p:nvGrpSpPr>
@@ -2617,7 +3605,7 @@
       </p:grpSpPr>
       <p:sp>
         <p:nvSpPr>
-          <p:cNvPr id="4" name="Date Placeholder 1" hidden="0"/>
+          <p:cNvPr id="4" name="Дата 1" hidden="0"/>
           <p:cNvSpPr>
             <a:spLocks noGrp="1"/>
           </p:cNvSpPr>
@@ -2633,17 +3621,17 @@
             <a:pPr>
               <a:defRPr/>
             </a:pPr>
-            <a:fld id="{BCC18F51-09EC-435C-A3BA-64A766E099C0}" type="datetimeFigureOut">
-              <a:rPr lang="fr-FR"/>
+            <a:fld id="{A69D51E0-3758-456B-809F-07B187805C7D}" type="datetimeFigureOut">
+              <a:rPr lang="ru-RU"/>
               <a:t/>
             </a:fld>
-            <a:endParaRPr lang="fr-FR"/>
-          </a:p>
-        </p:txBody>
-      </p:sp>
-      <p:sp>
-        <p:nvSpPr>
-          <p:cNvPr id="5" name="Footer Placeholder 2" hidden="0"/>
+            <a:endParaRPr lang="ru-RU"/>
+          </a:p>
+        </p:txBody>
+      </p:sp>
+      <p:sp>
+        <p:nvSpPr>
+          <p:cNvPr id="5" name="Нижний колонтитул 2" hidden="0"/>
           <p:cNvSpPr>
             <a:spLocks noGrp="1"/>
           </p:cNvSpPr>
@@ -2659,13 +3647,13 @@
             <a:pPr>
               <a:defRPr/>
             </a:pPr>
-            <a:endParaRPr lang="fr-FR"/>
-          </a:p>
-        </p:txBody>
-      </p:sp>
-      <p:sp>
-        <p:nvSpPr>
-          <p:cNvPr id="6" name="Slide Number Placeholder 3" hidden="0"/>
+            <a:endParaRPr lang="ru-RU"/>
+          </a:p>
+        </p:txBody>
+      </p:sp>
+      <p:sp>
+        <p:nvSpPr>
+          <p:cNvPr id="6" name="Номер слайда 3" hidden="0"/>
           <p:cNvSpPr>
             <a:spLocks noGrp="1"/>
           </p:cNvSpPr>
@@ -2681,11 +3669,11 @@
             <a:pPr>
               <a:defRPr/>
             </a:pPr>
-            <a:fld id="{08395586-F03A-48D1-94DF-16B239DF4FB5}" type="slidenum">
-              <a:rPr lang="fr-FR"/>
+            <a:fld id="{4D3B38E7-149F-4D77-9EEF-9309C2CB69A9}" type="slidenum">
+              <a:rPr lang="ru-RU"/>
               <a:t/>
             </a:fld>
-            <a:endParaRPr lang="fr-FR"/>
+            <a:endParaRPr lang="ru-RU"/>
           </a:p>
         </p:txBody>
       </p:sp>
@@ -2698,7 +3686,7 @@
 </file>
 
 <file path=ppt/slideLayouts/slideLayout8.xml><?xml version="1.0" encoding="utf-8"?>
-<p:sldLayout xmlns:a="http://schemas.openxmlformats.org/drawingml/2006/main" xmlns:r="http://schemas.openxmlformats.org/officeDocument/2006/relationships" xmlns:p="http://schemas.openxmlformats.org/presentationml/2006/main" xmlns:m="http://schemas.openxmlformats.org/officeDocument/2006/math" xmlns:w="http://schemas.openxmlformats.org/wordprocessingml/2006/main" matchingName="" preserve="1" showMasterPhAnim="0" type="objTx" userDrawn="1">
+<p:sldLayout xmlns:a="http://schemas.openxmlformats.org/drawingml/2006/main" xmlns:r="http://schemas.openxmlformats.org/officeDocument/2006/relationships" xmlns:p="http://schemas.openxmlformats.org/presentationml/2006/main" xmlns:m="http://schemas.openxmlformats.org/officeDocument/2006/math" xmlns:w="http://schemas.openxmlformats.org/wordprocessingml/2006/main" matchingName="" preserve="0" showMasterPhAnim="0" type="objTx" userDrawn="1">
   <p:cSld name="Content with Caption">
     <p:spTree>
       <p:nvGrpSpPr>
@@ -2716,7 +3704,7 @@
       </p:grpSpPr>
       <p:sp>
         <p:nvSpPr>
-          <p:cNvPr id="4" name="Title 1" hidden="0"/>
+          <p:cNvPr id="4" name="Заголовок 1" hidden="0"/>
           <p:cNvSpPr>
             <a:spLocks noGrp="1"/>
           </p:cNvSpPr>
@@ -2726,15 +3714,15 @@
         </p:nvSpPr>
         <p:spPr bwMode="auto">
           <a:xfrm>
-            <a:off x="839787" y="457200"/>
-            <a:ext cx="3932236" cy="1600200"/>
+            <a:off x="609603" y="273049"/>
+            <a:ext cx="4011084" cy="1162050"/>
           </a:xfrm>
         </p:spPr>
         <p:txBody>
           <a:bodyPr anchor="b"/>
           <a:lstStyle>
-            <a:lvl1pPr>
-              <a:defRPr sz="3200"/>
+            <a:lvl1pPr algn="l">
+              <a:defRPr sz="2000" b="1"/>
             </a:lvl1pPr>
           </a:lstStyle>
           <a:p>
@@ -2742,16 +3730,16 @@
               <a:defRPr/>
             </a:pPr>
             <a:r>
-              <a:rPr lang="fr-FR"/>
-              <a:t>Click to edit Master title style</a:t>
-            </a:r>
-            <a:endParaRPr lang="fr-FR"/>
-          </a:p>
-        </p:txBody>
-      </p:sp>
-      <p:sp>
-        <p:nvSpPr>
-          <p:cNvPr id="5" name="Content Placeholder 2" hidden="0"/>
+              <a:rPr lang="ru-RU"/>
+              <a:t>Образец заголовка</a:t>
+            </a:r>
+            <a:endParaRPr lang="ru-RU"/>
+          </a:p>
+        </p:txBody>
+      </p:sp>
+      <p:sp>
+        <p:nvSpPr>
+          <p:cNvPr id="5" name="Объект 2" hidden="0"/>
           <p:cNvSpPr>
             <a:spLocks noGrp="1"/>
           </p:cNvSpPr>
@@ -2761,8 +3749,8 @@
         </p:nvSpPr>
         <p:spPr bwMode="auto">
           <a:xfrm>
-            <a:off x="5183187" y="987424"/>
-            <a:ext cx="6172200" cy="4873624"/>
+            <a:off x="4766732" y="273051"/>
+            <a:ext cx="6815666" cy="5853113"/>
           </a:xfrm>
         </p:spPr>
         <p:txBody>
@@ -2801,8 +3789,8 @@
               <a:defRPr/>
             </a:pPr>
             <a:r>
-              <a:rPr lang="fr-FR"/>
-              <a:t>Click to edit Master text styles</a:t>
+              <a:rPr lang="ru-RU"/>
+              <a:t>Образец текста</a:t>
             </a:r>
             <a:endParaRPr/>
           </a:p>
@@ -2811,8 +3799,8 @@
               <a:defRPr/>
             </a:pPr>
             <a:r>
-              <a:rPr lang="fr-FR"/>
-              <a:t>Second level</a:t>
+              <a:rPr lang="ru-RU"/>
+              <a:t>Второй уровень</a:t>
             </a:r>
             <a:endParaRPr/>
           </a:p>
@@ -2821,8 +3809,8 @@
               <a:defRPr/>
             </a:pPr>
             <a:r>
-              <a:rPr lang="fr-FR"/>
-              <a:t>Third level</a:t>
+              <a:rPr lang="ru-RU"/>
+              <a:t>Третий уровень</a:t>
             </a:r>
             <a:endParaRPr/>
           </a:p>
@@ -2831,8 +3819,8 @@
               <a:defRPr/>
             </a:pPr>
             <a:r>
-              <a:rPr lang="fr-FR"/>
-              <a:t>Fourth level</a:t>
+              <a:rPr lang="ru-RU"/>
+              <a:t>Четвертый уровень</a:t>
             </a:r>
             <a:endParaRPr/>
           </a:p>
@@ -2841,16 +3829,16 @@
               <a:defRPr/>
             </a:pPr>
             <a:r>
-              <a:rPr lang="fr-FR"/>
-              <a:t>Fifth level</a:t>
-            </a:r>
-            <a:endParaRPr lang="fr-FR"/>
-          </a:p>
-        </p:txBody>
-      </p:sp>
-      <p:sp>
-        <p:nvSpPr>
-          <p:cNvPr id="6" name="Text Placeholder 3" hidden="0"/>
+              <a:rPr lang="ru-RU"/>
+              <a:t>Пятый уровень</a:t>
+            </a:r>
+            <a:endParaRPr lang="ru-RU"/>
+          </a:p>
+        </p:txBody>
+      </p:sp>
+      <p:sp>
+        <p:nvSpPr>
+          <p:cNvPr id="6" name="Текст 3" hidden="0"/>
           <p:cNvSpPr>
             <a:spLocks noGrp="1"/>
           </p:cNvSpPr>
@@ -2860,8 +3848,8 @@
         </p:nvSpPr>
         <p:spPr bwMode="auto">
           <a:xfrm>
-            <a:off x="839787" y="2057400"/>
-            <a:ext cx="3932236" cy="3811587"/>
+            <a:off x="609603" y="1435102"/>
+            <a:ext cx="4011084" cy="4691062"/>
           </a:xfrm>
         </p:spPr>
         <p:txBody>
@@ -2869,39 +3857,39 @@
           <a:lstStyle>
             <a:lvl1pPr marL="0" indent="0">
               <a:buNone/>
-              <a:defRPr sz="1600"/>
+              <a:defRPr sz="1400"/>
             </a:lvl1pPr>
             <a:lvl2pPr marL="457200" indent="0">
               <a:buNone/>
-              <a:defRPr sz="1400"/>
+              <a:defRPr sz="1200"/>
             </a:lvl2pPr>
             <a:lvl3pPr marL="914400" indent="0">
               <a:buNone/>
-              <a:defRPr sz="1200"/>
+              <a:defRPr sz="1000"/>
             </a:lvl3pPr>
             <a:lvl4pPr marL="1371600" indent="0">
               <a:buNone/>
-              <a:defRPr sz="1000"/>
+              <a:defRPr sz="900"/>
             </a:lvl4pPr>
             <a:lvl5pPr marL="1828800" indent="0">
               <a:buNone/>
-              <a:defRPr sz="1000"/>
+              <a:defRPr sz="900"/>
             </a:lvl5pPr>
             <a:lvl6pPr marL="2286000" indent="0">
               <a:buNone/>
-              <a:defRPr sz="1000"/>
+              <a:defRPr sz="900"/>
             </a:lvl6pPr>
             <a:lvl7pPr marL="2743200" indent="0">
               <a:buNone/>
-              <a:defRPr sz="1000"/>
+              <a:defRPr sz="900"/>
             </a:lvl7pPr>
             <a:lvl8pPr marL="3200400" indent="0">
               <a:buNone/>
-              <a:defRPr sz="1000"/>
+              <a:defRPr sz="900"/>
             </a:lvl8pPr>
             <a:lvl9pPr marL="3657600" indent="0">
               <a:buNone/>
-              <a:defRPr sz="1000"/>
+              <a:defRPr sz="900"/>
             </a:lvl9pPr>
           </a:lstStyle>
           <a:p>
@@ -2909,16 +3897,16 @@
               <a:defRPr/>
             </a:pPr>
             <a:r>
-              <a:rPr lang="fr-FR"/>
-              <a:t>Click to edit Master text styles</a:t>
-            </a:r>
-            <a:endParaRPr/>
-          </a:p>
-        </p:txBody>
-      </p:sp>
-      <p:sp>
-        <p:nvSpPr>
-          <p:cNvPr id="7" name="Date Placeholder 4" hidden="0"/>
+              <a:rPr lang="ru-RU"/>
+              <a:t>Образец текста</a:t>
+            </a:r>
+            <a:endParaRPr/>
+          </a:p>
+        </p:txBody>
+      </p:sp>
+      <p:sp>
+        <p:nvSpPr>
+          <p:cNvPr id="7" name="Дата 4" hidden="0"/>
           <p:cNvSpPr>
             <a:spLocks noGrp="1"/>
           </p:cNvSpPr>
@@ -2934,17 +3922,17 @@
             <a:pPr>
               <a:defRPr/>
             </a:pPr>
-            <a:fld id="{BCC18F51-09EC-435C-A3BA-64A766E099C0}" type="datetimeFigureOut">
-              <a:rPr lang="fr-FR"/>
+            <a:fld id="{A69D51E0-3758-456B-809F-07B187805C7D}" type="datetimeFigureOut">
+              <a:rPr lang="ru-RU"/>
               <a:t/>
             </a:fld>
-            <a:endParaRPr lang="fr-FR"/>
-          </a:p>
-        </p:txBody>
-      </p:sp>
-      <p:sp>
-        <p:nvSpPr>
-          <p:cNvPr id="8" name="Footer Placeholder 5" hidden="0"/>
+            <a:endParaRPr lang="ru-RU"/>
+          </a:p>
+        </p:txBody>
+      </p:sp>
+      <p:sp>
+        <p:nvSpPr>
+          <p:cNvPr id="8" name="Нижний колонтитул 5" hidden="0"/>
           <p:cNvSpPr>
             <a:spLocks noGrp="1"/>
           </p:cNvSpPr>
@@ -2960,13 +3948,13 @@
             <a:pPr>
               <a:defRPr/>
             </a:pPr>
-            <a:endParaRPr lang="fr-FR"/>
-          </a:p>
-        </p:txBody>
-      </p:sp>
-      <p:sp>
-        <p:nvSpPr>
-          <p:cNvPr id="9" name="Slide Number Placeholder 6" hidden="0"/>
+            <a:endParaRPr lang="ru-RU"/>
+          </a:p>
+        </p:txBody>
+      </p:sp>
+      <p:sp>
+        <p:nvSpPr>
+          <p:cNvPr id="9" name="Номер слайда 6" hidden="0"/>
           <p:cNvSpPr>
             <a:spLocks noGrp="1"/>
           </p:cNvSpPr>
@@ -2982,11 +3970,11 @@
             <a:pPr>
               <a:defRPr/>
             </a:pPr>
-            <a:fld id="{08395586-F03A-48D1-94DF-16B239DF4FB5}" type="slidenum">
-              <a:rPr lang="fr-FR"/>
+            <a:fld id="{4D3B38E7-149F-4D77-9EEF-9309C2CB69A9}" type="slidenum">
+              <a:rPr lang="ru-RU"/>
               <a:t/>
             </a:fld>
-            <a:endParaRPr lang="fr-FR"/>
+            <a:endParaRPr lang="ru-RU"/>
           </a:p>
         </p:txBody>
       </p:sp>
@@ -2999,7 +3987,7 @@
 </file>
 
 <file path=ppt/slideLayouts/slideLayout9.xml><?xml version="1.0" encoding="utf-8"?>
-<p:sldLayout xmlns:a="http://schemas.openxmlformats.org/drawingml/2006/main" xmlns:r="http://schemas.openxmlformats.org/officeDocument/2006/relationships" xmlns:p="http://schemas.openxmlformats.org/presentationml/2006/main" xmlns:m="http://schemas.openxmlformats.org/officeDocument/2006/math" xmlns:w="http://schemas.openxmlformats.org/wordprocessingml/2006/main" matchingName="" preserve="1" showMasterPhAnim="0" type="picTx" userDrawn="1">
+<p:sldLayout xmlns:a="http://schemas.openxmlformats.org/drawingml/2006/main" xmlns:r="http://schemas.openxmlformats.org/officeDocument/2006/relationships" xmlns:p="http://schemas.openxmlformats.org/presentationml/2006/main" xmlns:m="http://schemas.openxmlformats.org/officeDocument/2006/math" xmlns:w="http://schemas.openxmlformats.org/wordprocessingml/2006/main" matchingName="" preserve="0" showMasterPhAnim="0" type="picTx" userDrawn="1">
   <p:cSld name="Picture with Caption">
     <p:spTree>
       <p:nvGrpSpPr>
@@ -3017,7 +4005,7 @@
       </p:grpSpPr>
       <p:sp>
         <p:nvSpPr>
-          <p:cNvPr id="4" name="Title 1" hidden="0"/>
+          <p:cNvPr id="4" name="Заголовок 1" hidden="0"/>
           <p:cNvSpPr>
             <a:spLocks noGrp="1"/>
           </p:cNvSpPr>
@@ -3027,15 +4015,15 @@
         </p:nvSpPr>
         <p:spPr bwMode="auto">
           <a:xfrm>
-            <a:off x="839787" y="457200"/>
-            <a:ext cx="3932236" cy="1600200"/>
+            <a:off x="2389717" y="4800601"/>
+            <a:ext cx="7315200" cy="566738"/>
           </a:xfrm>
         </p:spPr>
         <p:txBody>
           <a:bodyPr anchor="b"/>
           <a:lstStyle>
-            <a:lvl1pPr>
-              <a:defRPr sz="3200"/>
+            <a:lvl1pPr algn="l">
+              <a:defRPr sz="2000" b="1"/>
             </a:lvl1pPr>
           </a:lstStyle>
           <a:p>
@@ -3043,18 +4031,18 @@
               <a:defRPr/>
             </a:pPr>
             <a:r>
-              <a:rPr lang="fr-FR"/>
-              <a:t>Click to edit Master title style</a:t>
-            </a:r>
-            <a:endParaRPr lang="fr-FR"/>
-          </a:p>
-        </p:txBody>
-      </p:sp>
-      <p:sp>
-        <p:nvSpPr>
-          <p:cNvPr id="5" name="Picture Placeholder 2" hidden="0"/>
-          <p:cNvSpPr>
-            <a:spLocks noChangeAspect="1" noGrp="1"/>
+              <a:rPr lang="ru-RU"/>
+              <a:t>Образец заголовка</a:t>
+            </a:r>
+            <a:endParaRPr lang="ru-RU"/>
+          </a:p>
+        </p:txBody>
+      </p:sp>
+      <p:sp>
+        <p:nvSpPr>
+          <p:cNvPr id="5" name="Рисунок 2" hidden="0"/>
+          <p:cNvSpPr>
+            <a:spLocks noGrp="1"/>
           </p:cNvSpPr>
           <p:nvPr isPhoto="0" userDrawn="0">
             <p:ph type="pic" idx="1" hasCustomPrompt="0"/>
@@ -3062,12 +4050,12 @@
         </p:nvSpPr>
         <p:spPr bwMode="auto">
           <a:xfrm>
-            <a:off x="5183187" y="987424"/>
-            <a:ext cx="6172200" cy="4873624"/>
+            <a:off x="2389717" y="612774"/>
+            <a:ext cx="7315200" cy="4114799"/>
           </a:xfrm>
         </p:spPr>
         <p:txBody>
-          <a:bodyPr anchor="t"/>
+          <a:bodyPr/>
           <a:lstStyle>
             <a:lvl1pPr marL="0" indent="0">
               <a:buNone/>
@@ -3110,17 +4098,13 @@
             <a:pPr>
               <a:defRPr/>
             </a:pPr>
-            <a:r>
-              <a:rPr lang="fr-FR"/>
-              <a:t>Click icon to add picture</a:t>
-            </a:r>
-            <a:endParaRPr lang="fr-FR"/>
-          </a:p>
-        </p:txBody>
-      </p:sp>
-      <p:sp>
-        <p:nvSpPr>
-          <p:cNvPr id="6" name="Text Placeholder 3" hidden="0"/>
+            <a:endParaRPr lang="ru-RU"/>
+          </a:p>
+        </p:txBody>
+      </p:sp>
+      <p:sp>
+        <p:nvSpPr>
+          <p:cNvPr id="6" name="Текст 3" hidden="0"/>
           <p:cNvSpPr>
             <a:spLocks noGrp="1"/>
           </p:cNvSpPr>
@@ -3130,8 +4114,8 @@
         </p:nvSpPr>
         <p:spPr bwMode="auto">
           <a:xfrm>
-            <a:off x="839787" y="2057400"/>
-            <a:ext cx="3932236" cy="3811587"/>
+            <a:off x="2389717" y="5367338"/>
+            <a:ext cx="7315200" cy="804862"/>
           </a:xfrm>
         </p:spPr>
         <p:txBody>
@@ -3139,39 +4123,39 @@
           <a:lstStyle>
             <a:lvl1pPr marL="0" indent="0">
               <a:buNone/>
-              <a:defRPr sz="1600"/>
+              <a:defRPr sz="1400"/>
             </a:lvl1pPr>
             <a:lvl2pPr marL="457200" indent="0">
               <a:buNone/>
-              <a:defRPr sz="1400"/>
+              <a:defRPr sz="1200"/>
             </a:lvl2pPr>
             <a:lvl3pPr marL="914400" indent="0">
               <a:buNone/>
-              <a:defRPr sz="1200"/>
+              <a:defRPr sz="1000"/>
             </a:lvl3pPr>
             <a:lvl4pPr marL="1371600" indent="0">
               <a:buNone/>
-              <a:defRPr sz="1000"/>
+              <a:defRPr sz="900"/>
             </a:lvl4pPr>
             <a:lvl5pPr marL="1828800" indent="0">
               <a:buNone/>
-              <a:defRPr sz="1000"/>
+              <a:defRPr sz="900"/>
             </a:lvl5pPr>
             <a:lvl6pPr marL="2286000" indent="0">
               <a:buNone/>
-              <a:defRPr sz="1000"/>
+              <a:defRPr sz="900"/>
             </a:lvl6pPr>
             <a:lvl7pPr marL="2743200" indent="0">
               <a:buNone/>
-              <a:defRPr sz="1000"/>
+              <a:defRPr sz="900"/>
             </a:lvl7pPr>
             <a:lvl8pPr marL="3200400" indent="0">
               <a:buNone/>
-              <a:defRPr sz="1000"/>
+              <a:defRPr sz="900"/>
             </a:lvl8pPr>
             <a:lvl9pPr marL="3657600" indent="0">
               <a:buNone/>
-              <a:defRPr sz="1000"/>
+              <a:defRPr sz="900"/>
             </a:lvl9pPr>
           </a:lstStyle>
           <a:p>
@@ -3179,16 +4163,16 @@
               <a:defRPr/>
             </a:pPr>
             <a:r>
-              <a:rPr lang="fr-FR"/>
-              <a:t>Click to edit Master text styles</a:t>
-            </a:r>
-            <a:endParaRPr/>
-          </a:p>
-        </p:txBody>
-      </p:sp>
-      <p:sp>
-        <p:nvSpPr>
-          <p:cNvPr id="7" name="Date Placeholder 4" hidden="0"/>
+              <a:rPr lang="ru-RU"/>
+              <a:t>Образец текста</a:t>
+            </a:r>
+            <a:endParaRPr/>
+          </a:p>
+        </p:txBody>
+      </p:sp>
+      <p:sp>
+        <p:nvSpPr>
+          <p:cNvPr id="7" name="Дата 4" hidden="0"/>
           <p:cNvSpPr>
             <a:spLocks noGrp="1"/>
           </p:cNvSpPr>
@@ -3204,17 +4188,17 @@
             <a:pPr>
               <a:defRPr/>
             </a:pPr>
-            <a:fld id="{BCC18F51-09EC-435C-A3BA-64A766E099C0}" type="datetimeFigureOut">
-              <a:rPr lang="fr-FR"/>
+            <a:fld id="{A69D51E0-3758-456B-809F-07B187805C7D}" type="datetimeFigureOut">
+              <a:rPr lang="ru-RU"/>
               <a:t/>
             </a:fld>
-            <a:endParaRPr lang="fr-FR"/>
-          </a:p>
-        </p:txBody>
-      </p:sp>
-      <p:sp>
-        <p:nvSpPr>
-          <p:cNvPr id="8" name="Footer Placeholder 5" hidden="0"/>
+            <a:endParaRPr lang="ru-RU"/>
+          </a:p>
+        </p:txBody>
+      </p:sp>
+      <p:sp>
+        <p:nvSpPr>
+          <p:cNvPr id="8" name="Нижний колонтитул 5" hidden="0"/>
           <p:cNvSpPr>
             <a:spLocks noGrp="1"/>
           </p:cNvSpPr>
@@ -3230,13 +4214,13 @@
             <a:pPr>
               <a:defRPr/>
             </a:pPr>
-            <a:endParaRPr lang="fr-FR"/>
-          </a:p>
-        </p:txBody>
-      </p:sp>
-      <p:sp>
-        <p:nvSpPr>
-          <p:cNvPr id="9" name="Slide Number Placeholder 6" hidden="0"/>
+            <a:endParaRPr lang="ru-RU"/>
+          </a:p>
+        </p:txBody>
+      </p:sp>
+      <p:sp>
+        <p:nvSpPr>
+          <p:cNvPr id="9" name="Номер слайда 6" hidden="0"/>
           <p:cNvSpPr>
             <a:spLocks noGrp="1"/>
           </p:cNvSpPr>
@@ -3252,11 +4236,11 @@
             <a:pPr>
               <a:defRPr/>
             </a:pPr>
-            <a:fld id="{08395586-F03A-48D1-94DF-16B239DF4FB5}" type="slidenum">
-              <a:rPr lang="fr-FR"/>
+            <a:fld id="{4D3B38E7-149F-4D77-9EEF-9309C2CB69A9}" type="slidenum">
+              <a:rPr lang="ru-RU"/>
               <a:t/>
             </a:fld>
-            <a:endParaRPr lang="fr-FR"/>
+            <a:endParaRPr lang="ru-RU"/>
           </a:p>
         </p:txBody>
       </p:sp>
@@ -3292,18 +4276,295 @@
       </p:grpSpPr>
       <p:sp>
         <p:nvSpPr>
-          <p:cNvPr id="4" name="Title Placeholder 1" hidden="0"/>
-          <p:cNvSpPr>
-            <a:spLocks noGrp="1"/>
-          </p:cNvSpPr>
-          <p:nvPr isPhoto="0" userDrawn="0">
-            <p:ph type="title" hasCustomPrompt="0"/>
-          </p:nvPr>
+          <p:cNvPr id="4" name="Shape 1059" hidden="0"/>
+          <p:cNvSpPr>
+            <a:spLocks noChangeArrowheads="1" noGrp="1"/>
+          </p:cNvSpPr>
+          <p:nvPr isPhoto="0" userDrawn="1"/>
         </p:nvSpPr>
         <p:spPr bwMode="auto">
           <a:xfrm>
-            <a:off x="838199" y="365124"/>
-            <a:ext cx="10515600" cy="1325562"/>
+            <a:off x="4976706" y="2"/>
+            <a:ext cx="3058159" cy="893790"/>
+          </a:xfrm>
+          <a:custGeom>
+            <a:avLst/>
+            <a:gdLst/>
+            <a:ahLst/>
+            <a:cxnLst/>
+            <a:rect l="l" t="t" r="r" b="b"/>
+            <a:pathLst>
+              <a:path w="43200" h="43200" fill="norm" stroke="0" extrusionOk="0">
+                <a:moveTo>
+                  <a:pt x="0" y="0"/>
+                </a:moveTo>
+                <a:lnTo>
+                  <a:pt x="0" y="0"/>
+                </a:lnTo>
+                <a:cubicBezTo>
+                  <a:pt x="1690" y="6213"/>
+                  <a:pt x="3698" y="13338"/>
+                  <a:pt x="6091" y="21902"/>
+                </a:cubicBezTo>
+                <a:lnTo>
+                  <a:pt x="6091" y="21902"/>
+                </a:lnTo>
+                <a:cubicBezTo>
+                  <a:pt x="12043" y="43199"/>
+                  <a:pt x="17573" y="35347"/>
+                  <a:pt x="23417" y="30579"/>
+                </a:cubicBezTo>
+                <a:lnTo>
+                  <a:pt x="23417" y="30579"/>
+                </a:lnTo>
+                <a:cubicBezTo>
+                  <a:pt x="29984" y="25223"/>
+                  <a:pt x="42123" y="14119"/>
+                  <a:pt x="42860" y="5640"/>
+                </a:cubicBezTo>
+                <a:lnTo>
+                  <a:pt x="42860" y="5640"/>
+                </a:lnTo>
+                <a:cubicBezTo>
+                  <a:pt x="42960" y="4507"/>
+                  <a:pt x="43072" y="2479"/>
+                  <a:pt x="43200" y="0"/>
+                </a:cubicBezTo>
+                <a:lnTo>
+                  <a:pt x="0" y="0"/>
+                </a:lnTo>
+                <a:close/>
+              </a:path>
+            </a:pathLst>
+          </a:custGeom>
+          <a:solidFill>
+            <a:schemeClr val="bg1">
+              <a:lumMod val="85000"/>
+            </a:schemeClr>
+          </a:solidFill>
+          <a:ln w="9524">
+            <a:solidFill>
+              <a:srgbClr val="000000"/>
+            </a:solidFill>
+            <a:round/>
+            <a:headEnd/>
+            <a:tailEnd/>
+          </a:ln>
+        </p:spPr>
+      </p:sp>
+      <p:sp>
+        <p:nvSpPr>
+          <p:cNvPr id="5" name="Shape 1060" hidden="0"/>
+          <p:cNvSpPr>
+            <a:spLocks noChangeArrowheads="1" noGrp="1"/>
+          </p:cNvSpPr>
+          <p:nvPr isPhoto="0" userDrawn="1"/>
+        </p:nvSpPr>
+        <p:spPr bwMode="auto">
+          <a:xfrm>
+            <a:off x="-24679" y="1"/>
+            <a:ext cx="1399539" cy="1797558"/>
+          </a:xfrm>
+          <a:custGeom>
+            <a:avLst/>
+            <a:gdLst/>
+            <a:ahLst/>
+            <a:cxnLst/>
+            <a:rect l="l" t="t" r="r" b="b"/>
+            <a:pathLst>
+              <a:path w="43200" h="43200" fill="norm" stroke="0" extrusionOk="0">
+                <a:moveTo>
+                  <a:pt x="31743" y="2484"/>
+                </a:moveTo>
+                <a:lnTo>
+                  <a:pt x="31743" y="2484"/>
+                </a:lnTo>
+                <a:cubicBezTo>
+                  <a:pt x="30428" y="1799"/>
+                  <a:pt x="28450" y="1080"/>
+                  <a:pt x="26054" y="0"/>
+                </a:cubicBezTo>
+                <a:lnTo>
+                  <a:pt x="0" y="0"/>
+                </a:lnTo>
+                <a:lnTo>
+                  <a:pt x="0" y="34200"/>
+                </a:lnTo>
+                <a:lnTo>
+                  <a:pt x="0" y="34200"/>
+                </a:lnTo>
+                <a:cubicBezTo>
+                  <a:pt x="7029" y="37461"/>
+                  <a:pt x="14504" y="41491"/>
+                  <a:pt x="25070" y="40664"/>
+                </a:cubicBezTo>
+                <a:lnTo>
+                  <a:pt x="25070" y="40664"/>
+                </a:lnTo>
+                <a:cubicBezTo>
+                  <a:pt x="33399" y="40015"/>
+                  <a:pt x="43200" y="43200"/>
+                  <a:pt x="39593" y="28375"/>
+                </a:cubicBezTo>
+                <a:lnTo>
+                  <a:pt x="39593" y="28375"/>
+                </a:lnTo>
+                <a:cubicBezTo>
+                  <a:pt x="35986" y="13550"/>
+                  <a:pt x="38530" y="6023"/>
+                  <a:pt x="31743" y="2484"/>
+                </a:cubicBezTo>
+                <a:close/>
+              </a:path>
+            </a:pathLst>
+          </a:custGeom>
+          <a:solidFill>
+            <a:schemeClr val="bg1">
+              <a:lumMod val="85000"/>
+            </a:schemeClr>
+          </a:solidFill>
+          <a:ln w="9524">
+            <a:solidFill>
+              <a:srgbClr val="000000"/>
+            </a:solidFill>
+            <a:round/>
+            <a:headEnd/>
+            <a:tailEnd/>
+          </a:ln>
+        </p:spPr>
+      </p:sp>
+      <p:sp>
+        <p:nvSpPr>
+          <p:cNvPr id="6" name="Shape 1061" hidden="0"/>
+          <p:cNvSpPr>
+            <a:spLocks noChangeArrowheads="1" noGrp="1"/>
+          </p:cNvSpPr>
+          <p:nvPr isPhoto="0" userDrawn="1"/>
+        </p:nvSpPr>
+        <p:spPr bwMode="auto">
+          <a:xfrm>
+            <a:off x="1637456" y="1"/>
+            <a:ext cx="3839633" cy="2609650"/>
+          </a:xfrm>
+          <a:custGeom>
+            <a:avLst/>
+            <a:gdLst/>
+            <a:ahLst/>
+            <a:cxnLst/>
+            <a:rect l="l" t="t" r="r" b="b"/>
+            <a:pathLst>
+              <a:path w="43200" h="43200" fill="norm" stroke="0" extrusionOk="0">
+                <a:moveTo>
+                  <a:pt x="32864" y="0"/>
+                </a:moveTo>
+                <a:lnTo>
+                  <a:pt x="10583" y="0"/>
+                </a:lnTo>
+                <a:lnTo>
+                  <a:pt x="10583" y="0"/>
+                </a:lnTo>
+                <a:cubicBezTo>
+                  <a:pt x="9017" y="532"/>
+                  <a:pt x="7515" y="1058"/>
+                  <a:pt x="6214" y="1509"/>
+                </a:cubicBezTo>
+                <a:lnTo>
+                  <a:pt x="6214" y="1509"/>
+                </a:lnTo>
+                <a:cubicBezTo>
+                  <a:pt x="1428" y="3166"/>
+                  <a:pt x="0" y="6109"/>
+                  <a:pt x="212" y="8072"/>
+                </a:cubicBezTo>
+                <a:lnTo>
+                  <a:pt x="212" y="8072"/>
+                </a:lnTo>
+                <a:cubicBezTo>
+                  <a:pt x="758" y="13092"/>
+                  <a:pt x="1111" y="20742"/>
+                  <a:pt x="1212" y="25114"/>
+                </a:cubicBezTo>
+                <a:lnTo>
+                  <a:pt x="1212" y="25114"/>
+                </a:lnTo>
+                <a:cubicBezTo>
+                  <a:pt x="1301" y="28962"/>
+                  <a:pt x="4204" y="30446"/>
+                  <a:pt x="6906" y="31937"/>
+                </a:cubicBezTo>
+                <a:lnTo>
+                  <a:pt x="6906" y="31937"/>
+                </a:lnTo>
+                <a:cubicBezTo>
+                  <a:pt x="9246" y="33229"/>
+                  <a:pt x="19775" y="38395"/>
+                  <a:pt x="22112" y="39685"/>
+                </a:cubicBezTo>
+                <a:lnTo>
+                  <a:pt x="22112" y="39685"/>
+                </a:lnTo>
+                <a:cubicBezTo>
+                  <a:pt x="22112" y="39685"/>
+                  <a:pt x="27355" y="43200"/>
+                  <a:pt x="30298" y="38395"/>
+                </a:cubicBezTo>
+                <a:lnTo>
+                  <a:pt x="30298" y="38395"/>
+                </a:lnTo>
+                <a:cubicBezTo>
+                  <a:pt x="33277" y="33533"/>
+                  <a:pt x="36665" y="27667"/>
+                  <a:pt x="39367" y="23576"/>
+                </a:cubicBezTo>
+                <a:lnTo>
+                  <a:pt x="39367" y="23576"/>
+                </a:lnTo>
+                <a:cubicBezTo>
+                  <a:pt x="41761" y="19953"/>
+                  <a:pt x="43200" y="17587"/>
+                  <a:pt x="40977" y="12816"/>
+                </a:cubicBezTo>
+                <a:lnTo>
+                  <a:pt x="40977" y="12816"/>
+                </a:lnTo>
+                <a:cubicBezTo>
+                  <a:pt x="39697" y="10062"/>
+                  <a:pt x="35347" y="3936"/>
+                  <a:pt x="32864" y="0"/>
+                </a:cubicBezTo>
+                <a:close/>
+              </a:path>
+            </a:pathLst>
+          </a:custGeom>
+          <a:solidFill>
+            <a:schemeClr val="bg1">
+              <a:lumMod val="85000"/>
+            </a:schemeClr>
+          </a:solidFill>
+          <a:ln w="9524">
+            <a:solidFill>
+              <a:srgbClr val="000000"/>
+            </a:solidFill>
+            <a:round/>
+            <a:headEnd/>
+            <a:tailEnd/>
+          </a:ln>
+        </p:spPr>
+      </p:sp>
+      <p:sp>
+        <p:nvSpPr>
+          <p:cNvPr id="7" name="Заголовок 1" hidden="0"/>
+          <p:cNvSpPr>
+            <a:spLocks noGrp="1"/>
+          </p:cNvSpPr>
+          <p:nvPr isPhoto="0" userDrawn="0">
+            <p:ph type="title" hasCustomPrompt="0"/>
+          </p:nvPr>
+        </p:nvSpPr>
+        <p:spPr bwMode="auto">
+          <a:xfrm>
+            <a:off x="609599" y="274638"/>
+            <a:ext cx="10972800" cy="1143000"/>
           </a:xfrm>
           <a:prstGeom prst="rect">
             <a:avLst/>
@@ -3319,16 +4580,16 @@
               <a:defRPr/>
             </a:pPr>
             <a:r>
-              <a:rPr lang="fr-FR"/>
-              <a:t>Click to edit Master title style</a:t>
-            </a:r>
-            <a:endParaRPr lang="fr-FR"/>
-          </a:p>
-        </p:txBody>
-      </p:sp>
-      <p:sp>
-        <p:nvSpPr>
-          <p:cNvPr id="5" name="Text Placeholder 2" hidden="0"/>
+              <a:rPr lang="ru-RU"/>
+              <a:t>Образец заголовка</a:t>
+            </a:r>
+            <a:endParaRPr lang="ru-RU"/>
+          </a:p>
+        </p:txBody>
+      </p:sp>
+      <p:sp>
+        <p:nvSpPr>
+          <p:cNvPr id="8" name="Текст 2" hidden="0"/>
           <p:cNvSpPr>
             <a:spLocks noGrp="1"/>
           </p:cNvSpPr>
@@ -3338,8 +4599,8 @@
         </p:nvSpPr>
         <p:spPr bwMode="auto">
           <a:xfrm>
-            <a:off x="838199" y="1825624"/>
-            <a:ext cx="10515600" cy="4351338"/>
+            <a:off x="609599" y="1600201"/>
+            <a:ext cx="10972800" cy="4525962"/>
           </a:xfrm>
           <a:prstGeom prst="rect">
             <a:avLst/>
@@ -3355,8 +4616,8 @@
               <a:defRPr/>
             </a:pPr>
             <a:r>
-              <a:rPr lang="fr-FR"/>
-              <a:t>Click to edit Master text styles</a:t>
+              <a:rPr lang="ru-RU"/>
+              <a:t>Образец текста</a:t>
             </a:r>
             <a:endParaRPr/>
           </a:p>
@@ -3365,8 +4626,8 @@
               <a:defRPr/>
             </a:pPr>
             <a:r>
-              <a:rPr lang="fr-FR"/>
-              <a:t>Second level</a:t>
+              <a:rPr lang="ru-RU"/>
+              <a:t>Второй уровень</a:t>
             </a:r>
             <a:endParaRPr/>
           </a:p>
@@ -3375,8 +4636,8 @@
               <a:defRPr/>
             </a:pPr>
             <a:r>
-              <a:rPr lang="fr-FR"/>
-              <a:t>Third level</a:t>
+              <a:rPr lang="ru-RU"/>
+              <a:t>Третий уровень</a:t>
             </a:r>
             <a:endParaRPr/>
           </a:p>
@@ -3385,8 +4646,8 @@
               <a:defRPr/>
             </a:pPr>
             <a:r>
-              <a:rPr lang="fr-FR"/>
-              <a:t>Fourth level</a:t>
+              <a:rPr lang="ru-RU"/>
+              <a:t>Четвертый уровень</a:t>
             </a:r>
             <a:endParaRPr/>
           </a:p>
@@ -3395,16 +4656,16 @@
               <a:defRPr/>
             </a:pPr>
             <a:r>
-              <a:rPr lang="fr-FR"/>
-              <a:t>Fifth level</a:t>
-            </a:r>
-            <a:endParaRPr lang="fr-FR"/>
-          </a:p>
-        </p:txBody>
-      </p:sp>
-      <p:sp>
-        <p:nvSpPr>
-          <p:cNvPr id="6" name="Date Placeholder 3" hidden="0"/>
+              <a:rPr lang="ru-RU"/>
+              <a:t>Пятый уровень</a:t>
+            </a:r>
+            <a:endParaRPr lang="ru-RU"/>
+          </a:p>
+        </p:txBody>
+      </p:sp>
+      <p:sp>
+        <p:nvSpPr>
+          <p:cNvPr id="9" name="Дата 3" hidden="0"/>
           <p:cNvSpPr>
             <a:spLocks noGrp="1"/>
           </p:cNvSpPr>
@@ -3414,8 +4675,8 @@
         </p:nvSpPr>
         <p:spPr bwMode="auto">
           <a:xfrm>
-            <a:off x="838199" y="6356349"/>
-            <a:ext cx="2743200" cy="365124"/>
+            <a:off x="609599" y="6356351"/>
+            <a:ext cx="2844798" cy="365125"/>
           </a:xfrm>
           <a:prstGeom prst="rect">
             <a:avLst/>
@@ -3438,17 +4699,17 @@
             <a:pPr>
               <a:defRPr/>
             </a:pPr>
-            <a:fld id="{BCC18F51-09EC-435C-A3BA-64A766E099C0}" type="datetimeFigureOut">
-              <a:rPr lang="fr-FR"/>
+            <a:fld id="{A69D51E0-3758-456B-809F-07B187805C7D}" type="datetimeFigureOut">
+              <a:rPr lang="ru-RU"/>
               <a:t/>
             </a:fld>
-            <a:endParaRPr lang="fr-FR"/>
-          </a:p>
-        </p:txBody>
-      </p:sp>
-      <p:sp>
-        <p:nvSpPr>
-          <p:cNvPr id="7" name="Footer Placeholder 4" hidden="0"/>
+            <a:endParaRPr lang="ru-RU"/>
+          </a:p>
+        </p:txBody>
+      </p:sp>
+      <p:sp>
+        <p:nvSpPr>
+          <p:cNvPr id="10" name="Нижний колонтитул 4" hidden="0"/>
           <p:cNvSpPr>
             <a:spLocks noGrp="1"/>
           </p:cNvSpPr>
@@ -3458,8 +4719,8 @@
         </p:nvSpPr>
         <p:spPr bwMode="auto">
           <a:xfrm>
-            <a:off x="4038599" y="6356349"/>
-            <a:ext cx="4114800" cy="365124"/>
+            <a:off x="4165599" y="6356351"/>
+            <a:ext cx="3860799" cy="365125"/>
           </a:xfrm>
           <a:prstGeom prst="rect">
             <a:avLst/>
@@ -3482,13 +4743,13 @@
             <a:pPr>
               <a:defRPr/>
             </a:pPr>
-            <a:endParaRPr lang="fr-FR"/>
-          </a:p>
-        </p:txBody>
-      </p:sp>
-      <p:sp>
-        <p:nvSpPr>
-          <p:cNvPr id="8" name="Slide Number Placeholder 5" hidden="0"/>
+            <a:endParaRPr lang="ru-RU"/>
+          </a:p>
+        </p:txBody>
+      </p:sp>
+      <p:sp>
+        <p:nvSpPr>
+          <p:cNvPr id="11" name="Номер слайда 5" hidden="0"/>
           <p:cNvSpPr>
             <a:spLocks noGrp="1"/>
           </p:cNvSpPr>
@@ -3498,8 +4759,8 @@
         </p:nvSpPr>
         <p:spPr bwMode="auto">
           <a:xfrm>
-            <a:off x="8610599" y="6356349"/>
-            <a:ext cx="2743200" cy="365124"/>
+            <a:off x="8737599" y="6356351"/>
+            <a:ext cx="2844798" cy="365125"/>
           </a:xfrm>
           <a:prstGeom prst="rect">
             <a:avLst/>
@@ -3522,11 +4783,11 @@
             <a:pPr>
               <a:defRPr/>
             </a:pPr>
-            <a:fld id="{08395586-F03A-48D1-94DF-16B239DF4FB5}" type="slidenum">
-              <a:rPr lang="fr-FR"/>
+            <a:fld id="{4D3B38E7-149F-4D77-9EEF-9309C2CB69A9}" type="slidenum">
+              <a:rPr lang="ru-RU"/>
               <a:t/>
             </a:fld>
-            <a:endParaRPr lang="fr-FR"/>
+            <a:endParaRPr lang="ru-RU"/>
           </a:p>
         </p:txBody>
       </p:sp>
@@ -3548,17 +4809,17 @@
   </p:sldLayoutIdLst>
   <p:txStyles>
     <p:titleStyle>
-      <a:lvl1pPr algn="l" defTabSz="914400">
-        <a:lnSpc>
-          <a:spcPct val="90000"/>
-        </a:lnSpc>
+      <a:lvl1pPr algn="r" defTabSz="914400">
         <a:spcBef>
           <a:spcPts val="0"/>
         </a:spcBef>
         <a:buNone/>
         <a:defRPr sz="4400">
           <a:solidFill>
-            <a:schemeClr val="tx1"/>
+            <a:schemeClr val="tx1">
+              <a:lumMod val="65000"/>
+              <a:lumOff val="35000"/>
+            </a:schemeClr>
           </a:solidFill>
           <a:latin typeface="+mj-lt"/>
           <a:ea typeface="+mj-ea"/>
@@ -3567,36 +4828,36 @@
       </a:lvl1pPr>
     </p:titleStyle>
     <p:bodyStyle>
-      <a:lvl1pPr marL="228600" indent="-228600" algn="l" defTabSz="914400">
-        <a:lnSpc>
-          <a:spcPct val="90000"/>
-        </a:lnSpc>
+      <a:lvl1pPr marL="342900" indent="-342900" algn="l" defTabSz="914400">
         <a:spcBef>
-          <a:spcPts val="1000"/>
+          <a:spcPts val="0"/>
         </a:spcBef>
         <a:buFont typeface="Arial"/>
         <a:buChar char="•"/>
-        <a:defRPr sz="2800">
+        <a:defRPr sz="3200">
           <a:solidFill>
-            <a:schemeClr val="tx1"/>
+            <a:schemeClr val="tx1">
+              <a:lumMod val="75000"/>
+              <a:lumOff val="25000"/>
+            </a:schemeClr>
           </a:solidFill>
           <a:latin typeface="+mn-lt"/>
           <a:ea typeface="+mn-ea"/>
           <a:cs typeface="+mn-cs"/>
         </a:defRPr>
       </a:lvl1pPr>
-      <a:lvl2pPr marL="685800" indent="-228600" algn="l" defTabSz="914400">
-        <a:lnSpc>
-          <a:spcPct val="90000"/>
-        </a:lnSpc>
+      <a:lvl2pPr marL="742950" indent="-285750" algn="l" defTabSz="914400">
         <a:spcBef>
-          <a:spcPts val="500"/>
+          <a:spcPts val="0"/>
         </a:spcBef>
         <a:buFont typeface="Arial"/>
-        <a:buChar char="•"/>
-        <a:defRPr sz="2400">
+        <a:buChar char="–"/>
+        <a:defRPr sz="2800">
           <a:solidFill>
-            <a:schemeClr val="tx1"/>
+            <a:schemeClr val="tx1">
+              <a:lumMod val="75000"/>
+              <a:lumOff val="25000"/>
+            </a:schemeClr>
           </a:solidFill>
           <a:latin typeface="+mn-lt"/>
           <a:ea typeface="+mn-ea"/>
@@ -3604,11 +4865,62 @@
         </a:defRPr>
       </a:lvl2pPr>
       <a:lvl3pPr marL="1143000" indent="-228600" algn="l" defTabSz="914400">
-        <a:lnSpc>
-          <a:spcPct val="90000"/>
-        </a:lnSpc>
         <a:spcBef>
-          <a:spcPts val="500"/>
+          <a:spcPts val="0"/>
+        </a:spcBef>
+        <a:buFont typeface="Arial"/>
+        <a:buChar char="•"/>
+        <a:defRPr sz="2400">
+          <a:solidFill>
+            <a:schemeClr val="tx1">
+              <a:lumMod val="75000"/>
+              <a:lumOff val="25000"/>
+            </a:schemeClr>
+          </a:solidFill>
+          <a:latin typeface="+mn-lt"/>
+          <a:ea typeface="+mn-ea"/>
+          <a:cs typeface="+mn-cs"/>
+        </a:defRPr>
+      </a:lvl3pPr>
+      <a:lvl4pPr marL="1600200" indent="-228600" algn="l" defTabSz="914400">
+        <a:spcBef>
+          <a:spcPts val="0"/>
+        </a:spcBef>
+        <a:buFont typeface="Arial"/>
+        <a:buChar char="–"/>
+        <a:defRPr sz="2000">
+          <a:solidFill>
+            <a:schemeClr val="tx1">
+              <a:lumMod val="75000"/>
+              <a:lumOff val="25000"/>
+            </a:schemeClr>
+          </a:solidFill>
+          <a:latin typeface="+mn-lt"/>
+          <a:ea typeface="+mn-ea"/>
+          <a:cs typeface="+mn-cs"/>
+        </a:defRPr>
+      </a:lvl4pPr>
+      <a:lvl5pPr marL="2057400" indent="-228600" algn="l" defTabSz="914400">
+        <a:spcBef>
+          <a:spcPts val="0"/>
+        </a:spcBef>
+        <a:buFont typeface="Arial"/>
+        <a:buChar char="»"/>
+        <a:defRPr sz="2000">
+          <a:solidFill>
+            <a:schemeClr val="tx1">
+              <a:lumMod val="75000"/>
+              <a:lumOff val="25000"/>
+            </a:schemeClr>
+          </a:solidFill>
+          <a:latin typeface="+mn-lt"/>
+          <a:ea typeface="+mn-ea"/>
+          <a:cs typeface="+mn-cs"/>
+        </a:defRPr>
+      </a:lvl5pPr>
+      <a:lvl6pPr marL="2514599" indent="-228600" algn="l" defTabSz="914400">
+        <a:spcBef>
+          <a:spcPts val="0"/>
         </a:spcBef>
         <a:buFont typeface="Arial"/>
         <a:buChar char="•"/>
@@ -3620,71 +4932,14 @@
           <a:ea typeface="+mn-ea"/>
           <a:cs typeface="+mn-cs"/>
         </a:defRPr>
-      </a:lvl3pPr>
-      <a:lvl4pPr marL="1600200" indent="-228600" algn="l" defTabSz="914400">
-        <a:lnSpc>
-          <a:spcPct val="90000"/>
-        </a:lnSpc>
+      </a:lvl6pPr>
+      <a:lvl7pPr marL="2971800" indent="-228600" algn="l" defTabSz="914400">
         <a:spcBef>
-          <a:spcPts val="500"/>
+          <a:spcPts val="0"/>
         </a:spcBef>
         <a:buFont typeface="Arial"/>
         <a:buChar char="•"/>
-        <a:defRPr sz="1800">
-          <a:solidFill>
-            <a:schemeClr val="tx1"/>
-          </a:solidFill>
-          <a:latin typeface="+mn-lt"/>
-          <a:ea typeface="+mn-ea"/>
-          <a:cs typeface="+mn-cs"/>
-        </a:defRPr>
-      </a:lvl4pPr>
-      <a:lvl5pPr marL="2057400" indent="-228600" algn="l" defTabSz="914400">
-        <a:lnSpc>
-          <a:spcPct val="90000"/>
-        </a:lnSpc>
-        <a:spcBef>
-          <a:spcPts val="500"/>
-        </a:spcBef>
-        <a:buFont typeface="Arial"/>
-        <a:buChar char="•"/>
-        <a:defRPr sz="1800">
-          <a:solidFill>
-            <a:schemeClr val="tx1"/>
-          </a:solidFill>
-          <a:latin typeface="+mn-lt"/>
-          <a:ea typeface="+mn-ea"/>
-          <a:cs typeface="+mn-cs"/>
-        </a:defRPr>
-      </a:lvl5pPr>
-      <a:lvl6pPr marL="2514600" indent="-228600" algn="l" defTabSz="914400">
-        <a:lnSpc>
-          <a:spcPct val="90000"/>
-        </a:lnSpc>
-        <a:spcBef>
-          <a:spcPts val="500"/>
-        </a:spcBef>
-        <a:buFont typeface="Arial"/>
-        <a:buChar char="•"/>
-        <a:defRPr sz="1800">
-          <a:solidFill>
-            <a:schemeClr val="tx1"/>
-          </a:solidFill>
-          <a:latin typeface="+mn-lt"/>
-          <a:ea typeface="+mn-ea"/>
-          <a:cs typeface="+mn-cs"/>
-        </a:defRPr>
-      </a:lvl6pPr>
-      <a:lvl7pPr marL="2971800" indent="-228600" algn="l" defTabSz="914400">
-        <a:lnSpc>
-          <a:spcPct val="90000"/>
-        </a:lnSpc>
-        <a:spcBef>
-          <a:spcPts val="500"/>
-        </a:spcBef>
-        <a:buFont typeface="Arial"/>
-        <a:buChar char="•"/>
-        <a:defRPr sz="1800">
+        <a:defRPr sz="2000">
           <a:solidFill>
             <a:schemeClr val="tx1"/>
           </a:solidFill>
@@ -3694,15 +4949,12 @@
         </a:defRPr>
       </a:lvl7pPr>
       <a:lvl8pPr marL="3429000" indent="-228600" algn="l" defTabSz="914400">
-        <a:lnSpc>
-          <a:spcPct val="90000"/>
-        </a:lnSpc>
         <a:spcBef>
-          <a:spcPts val="500"/>
+          <a:spcPts val="0"/>
         </a:spcBef>
         <a:buFont typeface="Arial"/>
         <a:buChar char="•"/>
-        <a:defRPr sz="1800">
+        <a:defRPr sz="2000">
           <a:solidFill>
             <a:schemeClr val="tx1"/>
           </a:solidFill>
@@ -3712,15 +4964,12 @@
         </a:defRPr>
       </a:lvl8pPr>
       <a:lvl9pPr marL="3886200" indent="-228600" algn="l" defTabSz="914400">
-        <a:lnSpc>
-          <a:spcPct val="90000"/>
-        </a:lnSpc>
         <a:spcBef>
-          <a:spcPts val="500"/>
+          <a:spcPts val="0"/>
         </a:spcBef>
         <a:buFont typeface="Arial"/>
         <a:buChar char="•"/>
-        <a:defRPr sz="1800">
+        <a:defRPr sz="2000">
           <a:solidFill>
             <a:schemeClr val="tx1"/>
           </a:solidFill>
@@ -3732,7 +4981,7 @@
     </p:bodyStyle>
     <p:otherStyle>
       <a:defPPr>
-        <a:defRPr lang="fr-FR"/>
+        <a:defRPr lang="ru-RU"/>
       </a:defPPr>
       <a:lvl1pPr marL="0" algn="l" defTabSz="914400">
         <a:defRPr sz="1800">
@@ -3944,7 +5193,7 @@
 </p:sld>
 </file>
 
-<file path=ppt/slides/slide2.xml><?xml version="1.0" encoding="utf-8"?>
+<file path=ppt/slides/slide10.xml><?xml version="1.0" encoding="utf-8"?>
 <p:sld xmlns:a="http://schemas.openxmlformats.org/drawingml/2006/main" xmlns:r="http://schemas.openxmlformats.org/officeDocument/2006/relationships" xmlns:p="http://schemas.openxmlformats.org/presentationml/2006/main" xmlns:m="http://schemas.openxmlformats.org/officeDocument/2006/math" xmlns:w="http://schemas.openxmlformats.org/wordprocessingml/2006/main" showMasterPhAnim="0" show="1">
   <p:cSld name="">
     <p:spTree>
@@ -3963,7 +5212,7 @@
       </p:grpSpPr>
       <p:sp>
         <p:nvSpPr>
-          <p:cNvPr id="4" name="Title 1" hidden="0"/>
+          <p:cNvPr id="4" name="Заголовок 1" hidden="0"/>
           <p:cNvSpPr>
             <a:spLocks noGrp="1"/>
           </p:cNvSpPr>
@@ -3973,7 +5222,9 @@
         </p:nvSpPr>
         <p:spPr bwMode="auto"/>
         <p:txBody>
-          <a:bodyPr/>
+          <a:bodyPr vertOverflow="overflow" horzOverflow="clip" vert="horz" wrap="square" lIns="91440" tIns="45720" rIns="91440" bIns="45720" numCol="1" spcCol="0" rtlCol="0" fromWordArt="0" anchor="ctr" anchorCtr="0" forceAA="0" upright="0" compatLnSpc="0">
+            <a:normAutofit fontScale="85000" lnSpcReduction="3000"/>
+          </a:bodyPr>
           <a:lstStyle/>
           <a:p>
             <a:pPr>
@@ -3981,64 +5232,39 @@
             </a:pPr>
             <a:r>
               <a:rPr/>
-              <a:t>Analyse du site </a:t>
-            </a:r>
-            <a:endParaRPr/>
-          </a:p>
-        </p:txBody>
-      </p:sp>
-      <p:sp>
-        <p:nvSpPr>
-          <p:cNvPr id="5" name="Content Placeholder 2" hidden="0"/>
-          <p:cNvSpPr>
-            <a:spLocks noGrp="1"/>
-          </p:cNvSpPr>
+              <a:t>ajout descriptif dans la méta, title, javascript langue</a:t>
+            </a:r>
+            <a:br>
+              <a:rPr/>
+            </a:br>
+            <a:endParaRPr/>
+          </a:p>
+        </p:txBody>
+      </p:sp>
+      <p:pic>
+        <p:nvPicPr>
+          <p:cNvPr id="5" name="" hidden="0"/>
+          <p:cNvPicPr>
+            <a:picLocks noChangeAspect="1"/>
+          </p:cNvPicPr>
           <p:nvPr isPhoto="0" userDrawn="0">
             <p:ph idx="1" hasCustomPrompt="0"/>
           </p:nvPr>
-        </p:nvSpPr>
-        <p:spPr bwMode="auto"/>
-        <p:txBody>
-          <a:bodyPr/>
-          <a:lstStyle/>
-          <a:p>
-            <a:pPr marL="0" indent="0">
-              <a:buFont typeface="Arial"/>
-              <a:buNone/>
-              <a:defRPr/>
-            </a:pPr>
-            <a:r>
-              <a:rPr/>
-              <a:t>nous allons vous présenter notre travail afin d'améliorer le référencement du site de La chouette agence.</a:t>
-            </a:r>
-            <a:endParaRPr/>
-          </a:p>
-          <a:p>
-            <a:pPr marL="0" indent="0">
-              <a:buFont typeface="Arial"/>
-              <a:buNone/>
-              <a:defRPr/>
-            </a:pPr>
-            <a:r>
-              <a:rPr/>
-              <a:t>Pour commencer mon avons mesure le score du site afin de voir ou se situe le problème.</a:t>
-            </a:r>
-            <a:endParaRPr/>
-          </a:p>
-          <a:p>
-            <a:pPr marL="0" indent="0">
-              <a:buFont typeface="Arial"/>
-              <a:buNone/>
-              <a:defRPr/>
-            </a:pPr>
-            <a:r>
-              <a:rPr/>
-              <a:t> </a:t>
-            </a:r>
-            <a:endParaRPr/>
-          </a:p>
-        </p:txBody>
-      </p:sp>
+        </p:nvPicPr>
+        <p:blipFill>
+          <a:blip r:embed="rId2"/>
+          <a:stretch/>
+        </p:blipFill>
+        <p:spPr bwMode="auto">
+          <a:xfrm rot="0">
+            <a:off x="1790661" y="1600200"/>
+            <a:ext cx="8610674" cy="4525961"/>
+          </a:xfrm>
+          <a:prstGeom prst="rect">
+            <a:avLst/>
+          </a:prstGeom>
+        </p:spPr>
+      </p:pic>
     </p:spTree>
   </p:cSld>
   <p:clrMapOvr>
@@ -4055,7 +5281,805 @@
 </p:sld>
 </file>
 
-<file path=ppt/slides/slide3.xml><?xml version="1.0" encoding="utf-8"?>
+<file path=ppt/slides/slide11.xml><?xml version="1.0" encoding="utf-8"?>
+<p:sld xmlns:a="http://schemas.openxmlformats.org/drawingml/2006/main" xmlns:r="http://schemas.openxmlformats.org/officeDocument/2006/relationships" xmlns:p="http://schemas.openxmlformats.org/presentationml/2006/main" xmlns:m="http://schemas.openxmlformats.org/officeDocument/2006/math" xmlns:w="http://schemas.openxmlformats.org/wordprocessingml/2006/main" showMasterPhAnim="0" show="1">
+  <p:cSld name="">
+    <p:spTree>
+      <p:nvGrpSpPr>
+        <p:cNvPr id="1" name="" hidden="0"/>
+        <p:cNvGrpSpPr/>
+        <p:nvPr isPhoto="0" userDrawn="0"/>
+      </p:nvGrpSpPr>
+      <p:grpSpPr bwMode="auto">
+        <a:xfrm>
+          <a:off x="0" y="0"/>
+          <a:ext cx="0" cy="0"/>
+          <a:chOff x="0" y="0"/>
+          <a:chExt cx="0" cy="0"/>
+        </a:xfrm>
+      </p:grpSpPr>
+      <p:sp>
+        <p:nvSpPr>
+          <p:cNvPr id="4" name="Заголовок 1" hidden="0"/>
+          <p:cNvSpPr>
+            <a:spLocks noGrp="1"/>
+          </p:cNvSpPr>
+          <p:nvPr isPhoto="0" userDrawn="0">
+            <p:ph type="title" hasCustomPrompt="0"/>
+          </p:nvPr>
+        </p:nvSpPr>
+        <p:spPr bwMode="auto"/>
+        <p:txBody>
+          <a:bodyPr/>
+          <a:lstStyle/>
+          <a:p>
+            <a:pPr>
+              <a:defRPr/>
+            </a:pPr>
+            <a:r>
+              <a:rPr/>
+              <a:t>Taille de la police </a:t>
+            </a:r>
+            <a:endParaRPr/>
+          </a:p>
+        </p:txBody>
+      </p:sp>
+      <p:sp>
+        <p:nvSpPr>
+          <p:cNvPr id="5" name="Объект 2" hidden="0"/>
+          <p:cNvSpPr>
+            <a:spLocks noGrp="1"/>
+          </p:cNvSpPr>
+          <p:nvPr isPhoto="0" userDrawn="0">
+            <p:ph idx="1" hasCustomPrompt="0"/>
+          </p:nvPr>
+        </p:nvSpPr>
+        <p:spPr bwMode="auto"/>
+        <p:txBody>
+          <a:bodyPr/>
+          <a:lstStyle/>
+          <a:p>
+            <a:pPr>
+              <a:defRPr/>
+            </a:pPr>
+            <a:r>
+              <a:rPr/>
+              <a:t> Il y a des zones au le textes n'est pas très lisible car la police est trop petite.J'ai augmenter la taille de la police on nous demande d'avoir un taille minimum de 12px et celle du site étais inférieur </a:t>
+            </a:r>
+            <a:endParaRPr/>
+          </a:p>
+        </p:txBody>
+      </p:sp>
+    </p:spTree>
+  </p:cSld>
+  <p:clrMapOvr>
+    <a:masterClrMapping/>
+  </p:clrMapOvr>
+  <mc:AlternateContent xmlns:mc="http://schemas.openxmlformats.org/markup-compatibility/2006">
+    <mc:Choice xmlns:p14="http://schemas.microsoft.com/office/powerpoint/2010/main" Requires="p14">
+      <p:transition p14:dur="2000" advClick="1"/>
+    </mc:Choice>
+    <mc:Fallback>
+      <p:transition advClick="1"/>
+    </mc:Fallback>
+  </mc:AlternateContent>
+</p:sld>
+</file>
+
+<file path=ppt/slides/slide12.xml><?xml version="1.0" encoding="utf-8"?>
+<p:sld xmlns:a="http://schemas.openxmlformats.org/drawingml/2006/main" xmlns:r="http://schemas.openxmlformats.org/officeDocument/2006/relationships" xmlns:p="http://schemas.openxmlformats.org/presentationml/2006/main" xmlns:m="http://schemas.openxmlformats.org/officeDocument/2006/math" xmlns:w="http://schemas.openxmlformats.org/wordprocessingml/2006/main" showMasterPhAnim="0" show="1">
+  <p:cSld name="">
+    <p:spTree>
+      <p:nvGrpSpPr>
+        <p:cNvPr id="1" name="" hidden="0"/>
+        <p:cNvGrpSpPr/>
+        <p:nvPr isPhoto="0" userDrawn="0"/>
+      </p:nvGrpSpPr>
+      <p:grpSpPr bwMode="auto">
+        <a:xfrm>
+          <a:off x="0" y="0"/>
+          <a:ext cx="0" cy="0"/>
+          <a:chOff x="0" y="0"/>
+          <a:chExt cx="0" cy="0"/>
+        </a:xfrm>
+      </p:grpSpPr>
+      <p:sp>
+        <p:nvSpPr>
+          <p:cNvPr id="4" name="Заголовок 1" hidden="0"/>
+          <p:cNvSpPr>
+            <a:spLocks noGrp="1"/>
+          </p:cNvSpPr>
+          <p:nvPr isPhoto="0" userDrawn="0">
+            <p:ph type="title" hasCustomPrompt="0"/>
+          </p:nvPr>
+        </p:nvSpPr>
+        <p:spPr bwMode="auto"/>
+        <p:txBody>
+          <a:bodyPr/>
+          <a:lstStyle/>
+          <a:p>
+            <a:pPr>
+              <a:defRPr/>
+            </a:pPr>
+            <a:r>
+              <a:rPr/>
+              <a:t>Code css avec la taille de la police</a:t>
+            </a:r>
+            <a:endParaRPr/>
+          </a:p>
+        </p:txBody>
+      </p:sp>
+      <p:pic>
+        <p:nvPicPr>
+          <p:cNvPr id="5" name="" hidden="0"/>
+          <p:cNvPicPr>
+            <a:picLocks noChangeAspect="1"/>
+          </p:cNvPicPr>
+          <p:nvPr isPhoto="0" userDrawn="0">
+            <p:ph idx="1" hasCustomPrompt="0"/>
+          </p:nvPr>
+        </p:nvPicPr>
+        <p:blipFill>
+          <a:blip r:embed="rId2"/>
+          <a:stretch/>
+        </p:blipFill>
+        <p:spPr bwMode="auto">
+          <a:xfrm rot="0">
+            <a:off x="2070957" y="1600201"/>
+            <a:ext cx="8050084" cy="4525962"/>
+          </a:xfrm>
+          <a:prstGeom prst="rect">
+            <a:avLst/>
+          </a:prstGeom>
+        </p:spPr>
+      </p:pic>
+    </p:spTree>
+  </p:cSld>
+  <p:clrMapOvr>
+    <a:masterClrMapping/>
+  </p:clrMapOvr>
+  <mc:AlternateContent xmlns:mc="http://schemas.openxmlformats.org/markup-compatibility/2006">
+    <mc:Choice xmlns:p14="http://schemas.microsoft.com/office/powerpoint/2010/main" Requires="p14">
+      <p:transition p14:dur="2000" advClick="1"/>
+    </mc:Choice>
+    <mc:Fallback>
+      <p:transition advClick="1"/>
+    </mc:Fallback>
+  </mc:AlternateContent>
+</p:sld>
+</file>
+
+<file path=ppt/slides/slide13.xml><?xml version="1.0" encoding="utf-8"?>
+<p:sld xmlns:a="http://schemas.openxmlformats.org/drawingml/2006/main" xmlns:r="http://schemas.openxmlformats.org/officeDocument/2006/relationships" xmlns:p="http://schemas.openxmlformats.org/presentationml/2006/main" xmlns:m="http://schemas.openxmlformats.org/officeDocument/2006/math" xmlns:w="http://schemas.openxmlformats.org/wordprocessingml/2006/main" showMasterPhAnim="0" show="1">
+  <p:cSld name="">
+    <p:spTree>
+      <p:nvGrpSpPr>
+        <p:cNvPr id="1" name="" hidden="0"/>
+        <p:cNvGrpSpPr/>
+        <p:nvPr isPhoto="0" userDrawn="0"/>
+      </p:nvGrpSpPr>
+      <p:grpSpPr bwMode="auto">
+        <a:xfrm>
+          <a:off x="0" y="0"/>
+          <a:ext cx="0" cy="0"/>
+          <a:chOff x="0" y="0"/>
+          <a:chExt cx="0" cy="0"/>
+        </a:xfrm>
+      </p:grpSpPr>
+      <p:sp>
+        <p:nvSpPr>
+          <p:cNvPr id="4" name="Заголовок 1" hidden="0"/>
+          <p:cNvSpPr>
+            <a:spLocks noGrp="1"/>
+          </p:cNvSpPr>
+          <p:nvPr isPhoto="0" userDrawn="0">
+            <p:ph type="title" hasCustomPrompt="0"/>
+          </p:nvPr>
+        </p:nvSpPr>
+        <p:spPr bwMode="auto"/>
+        <p:txBody>
+          <a:bodyPr/>
+          <a:lstStyle/>
+          <a:p>
+            <a:pPr>
+              <a:defRPr/>
+            </a:pPr>
+            <a:r>
+              <a:rPr/>
+              <a:t>Taille police après modification</a:t>
+            </a:r>
+            <a:endParaRPr/>
+          </a:p>
+        </p:txBody>
+      </p:sp>
+      <p:pic>
+        <p:nvPicPr>
+          <p:cNvPr id="5" name="" hidden="0"/>
+          <p:cNvPicPr>
+            <a:picLocks noChangeAspect="1"/>
+          </p:cNvPicPr>
+          <p:nvPr isPhoto="0" userDrawn="0">
+            <p:ph idx="1" hasCustomPrompt="0"/>
+          </p:nvPr>
+        </p:nvPicPr>
+        <p:blipFill>
+          <a:blip r:embed="rId2"/>
+          <a:stretch/>
+        </p:blipFill>
+        <p:spPr bwMode="auto">
+          <a:xfrm rot="0">
+            <a:off x="609599" y="2704146"/>
+            <a:ext cx="10972800" cy="2318070"/>
+          </a:xfrm>
+          <a:prstGeom prst="rect">
+            <a:avLst/>
+          </a:prstGeom>
+        </p:spPr>
+      </p:pic>
+    </p:spTree>
+  </p:cSld>
+  <p:clrMapOvr>
+    <a:masterClrMapping/>
+  </p:clrMapOvr>
+  <mc:AlternateContent xmlns:mc="http://schemas.openxmlformats.org/markup-compatibility/2006">
+    <mc:Choice xmlns:p14="http://schemas.microsoft.com/office/powerpoint/2010/main" Requires="p14">
+      <p:transition p14:dur="2000" advClick="1"/>
+    </mc:Choice>
+    <mc:Fallback>
+      <p:transition advClick="1"/>
+    </mc:Fallback>
+  </mc:AlternateContent>
+</p:sld>
+</file>
+
+<file path=ppt/slides/slide14.xml><?xml version="1.0" encoding="utf-8"?>
+<p:sld xmlns:a="http://schemas.openxmlformats.org/drawingml/2006/main" xmlns:r="http://schemas.openxmlformats.org/officeDocument/2006/relationships" xmlns:p="http://schemas.openxmlformats.org/presentationml/2006/main" xmlns:m="http://schemas.openxmlformats.org/officeDocument/2006/math" xmlns:w="http://schemas.openxmlformats.org/wordprocessingml/2006/main" showMasterPhAnim="0" show="1">
+  <p:cSld name="">
+    <p:spTree>
+      <p:nvGrpSpPr>
+        <p:cNvPr id="1" name="" hidden="0"/>
+        <p:cNvGrpSpPr/>
+        <p:nvPr isPhoto="0" userDrawn="0"/>
+      </p:nvGrpSpPr>
+      <p:grpSpPr bwMode="auto">
+        <a:xfrm>
+          <a:off x="0" y="0"/>
+          <a:ext cx="0" cy="0"/>
+          <a:chOff x="0" y="0"/>
+          <a:chExt cx="0" cy="0"/>
+        </a:xfrm>
+      </p:grpSpPr>
+      <p:sp>
+        <p:nvSpPr>
+          <p:cNvPr id="4" name="Заголовок 1" hidden="0"/>
+          <p:cNvSpPr>
+            <a:spLocks noGrp="1"/>
+          </p:cNvSpPr>
+          <p:nvPr isPhoto="0" userDrawn="0">
+            <p:ph type="title" hasCustomPrompt="0"/>
+          </p:nvPr>
+        </p:nvSpPr>
+        <p:spPr bwMode="auto"/>
+        <p:txBody>
+          <a:bodyPr vertOverflow="overflow" horzOverflow="clip" vert="horz" wrap="square" lIns="91440" tIns="45720" rIns="91440" bIns="45720" numCol="1" spcCol="0" rtlCol="0" fromWordArt="0" anchor="ctr" anchorCtr="0" forceAA="0" upright="0" compatLnSpc="0">
+            <a:normAutofit fontScale="95000" lnSpcReduction="1000"/>
+          </a:bodyPr>
+          <a:lstStyle/>
+          <a:p>
+            <a:pPr>
+              <a:defRPr/>
+            </a:pPr>
+            <a:r>
+              <a:rPr/>
+              <a:t>Exemple sur le site avec petite taille de police</a:t>
+            </a:r>
+            <a:endParaRPr/>
+          </a:p>
+        </p:txBody>
+      </p:sp>
+      <p:pic>
+        <p:nvPicPr>
+          <p:cNvPr id="5" name="" hidden="0"/>
+          <p:cNvPicPr>
+            <a:picLocks noChangeAspect="1"/>
+          </p:cNvPicPr>
+          <p:nvPr isPhoto="0" userDrawn="0">
+            <p:ph idx="1" hasCustomPrompt="0"/>
+          </p:nvPr>
+        </p:nvPicPr>
+        <p:blipFill>
+          <a:blip r:embed="rId2"/>
+          <a:stretch/>
+        </p:blipFill>
+        <p:spPr bwMode="auto">
+          <a:xfrm rot="0">
+            <a:off x="609599" y="2466815"/>
+            <a:ext cx="10972800" cy="2792733"/>
+          </a:xfrm>
+          <a:prstGeom prst="rect">
+            <a:avLst/>
+          </a:prstGeom>
+        </p:spPr>
+      </p:pic>
+    </p:spTree>
+  </p:cSld>
+  <p:clrMapOvr>
+    <a:masterClrMapping/>
+  </p:clrMapOvr>
+  <mc:AlternateContent xmlns:mc="http://schemas.openxmlformats.org/markup-compatibility/2006">
+    <mc:Choice xmlns:p14="http://schemas.microsoft.com/office/powerpoint/2010/main" Requires="p14">
+      <p:transition p14:dur="2000" advClick="1"/>
+    </mc:Choice>
+    <mc:Fallback>
+      <p:transition advClick="1"/>
+    </mc:Fallback>
+  </mc:AlternateContent>
+</p:sld>
+</file>
+
+<file path=ppt/slides/slide15.xml><?xml version="1.0" encoding="utf-8"?>
+<p:sld xmlns:a="http://schemas.openxmlformats.org/drawingml/2006/main" xmlns:r="http://schemas.openxmlformats.org/officeDocument/2006/relationships" xmlns:p="http://schemas.openxmlformats.org/presentationml/2006/main" xmlns:m="http://schemas.openxmlformats.org/officeDocument/2006/math" xmlns:w="http://schemas.openxmlformats.org/wordprocessingml/2006/main" showMasterPhAnim="0" show="1">
+  <p:cSld name="">
+    <p:spTree>
+      <p:nvGrpSpPr>
+        <p:cNvPr id="1" name="" hidden="0"/>
+        <p:cNvGrpSpPr/>
+        <p:nvPr isPhoto="0" userDrawn="0"/>
+      </p:nvGrpSpPr>
+      <p:grpSpPr bwMode="auto">
+        <a:xfrm>
+          <a:off x="0" y="0"/>
+          <a:ext cx="0" cy="0"/>
+          <a:chOff x="0" y="0"/>
+          <a:chExt cx="0" cy="0"/>
+        </a:xfrm>
+      </p:grpSpPr>
+      <p:sp>
+        <p:nvSpPr>
+          <p:cNvPr id="4" name="Заголовок 1" hidden="0"/>
+          <p:cNvSpPr>
+            <a:spLocks noGrp="1"/>
+          </p:cNvSpPr>
+          <p:nvPr isPhoto="0" userDrawn="0">
+            <p:ph type="title" hasCustomPrompt="0"/>
+          </p:nvPr>
+        </p:nvSpPr>
+        <p:spPr bwMode="auto"/>
+        <p:txBody>
+          <a:bodyPr/>
+          <a:lstStyle/>
+          <a:p>
+            <a:pPr>
+              <a:defRPr/>
+            </a:pPr>
+            <a:r>
+              <a:rPr/>
+              <a:t>Après changement de taille de police</a:t>
+            </a:r>
+            <a:br>
+              <a:rPr/>
+            </a:br>
+            <a:endParaRPr/>
+          </a:p>
+        </p:txBody>
+      </p:sp>
+      <p:pic>
+        <p:nvPicPr>
+          <p:cNvPr id="5" name="" hidden="0"/>
+          <p:cNvPicPr>
+            <a:picLocks noChangeAspect="1"/>
+          </p:cNvPicPr>
+          <p:nvPr isPhoto="0" userDrawn="0">
+            <p:ph idx="1" hasCustomPrompt="0"/>
+          </p:nvPr>
+        </p:nvPicPr>
+        <p:blipFill>
+          <a:blip r:embed="rId2"/>
+          <a:stretch/>
+        </p:blipFill>
+        <p:spPr bwMode="auto">
+          <a:xfrm rot="0">
+            <a:off x="609599" y="2345319"/>
+            <a:ext cx="10972800" cy="3035725"/>
+          </a:xfrm>
+          <a:prstGeom prst="rect">
+            <a:avLst/>
+          </a:prstGeom>
+        </p:spPr>
+      </p:pic>
+    </p:spTree>
+  </p:cSld>
+  <p:clrMapOvr>
+    <a:masterClrMapping/>
+  </p:clrMapOvr>
+  <mc:AlternateContent xmlns:mc="http://schemas.openxmlformats.org/markup-compatibility/2006">
+    <mc:Choice xmlns:p14="http://schemas.microsoft.com/office/powerpoint/2010/main" Requires="p14">
+      <p:transition p14:dur="2000" advClick="1"/>
+    </mc:Choice>
+    <mc:Fallback>
+      <p:transition advClick="1"/>
+    </mc:Fallback>
+  </mc:AlternateContent>
+</p:sld>
+</file>
+
+<file path=ppt/slides/slide16.xml><?xml version="1.0" encoding="utf-8"?>
+<p:sld xmlns:a="http://schemas.openxmlformats.org/drawingml/2006/main" xmlns:r="http://schemas.openxmlformats.org/officeDocument/2006/relationships" xmlns:p="http://schemas.openxmlformats.org/presentationml/2006/main" xmlns:m="http://schemas.openxmlformats.org/officeDocument/2006/math" xmlns:w="http://schemas.openxmlformats.org/wordprocessingml/2006/main" showMasterPhAnim="0" show="1">
+  <p:cSld name="">
+    <p:spTree>
+      <p:nvGrpSpPr>
+        <p:cNvPr id="1" name="" hidden="0"/>
+        <p:cNvGrpSpPr/>
+        <p:nvPr isPhoto="0" userDrawn="0"/>
+      </p:nvGrpSpPr>
+      <p:grpSpPr bwMode="auto">
+        <a:xfrm>
+          <a:off x="0" y="0"/>
+          <a:ext cx="0" cy="0"/>
+          <a:chOff x="0" y="0"/>
+          <a:chExt cx="0" cy="0"/>
+        </a:xfrm>
+      </p:grpSpPr>
+      <p:sp>
+        <p:nvSpPr>
+          <p:cNvPr id="4" name="Заголовок 1" hidden="0"/>
+          <p:cNvSpPr>
+            <a:spLocks noGrp="1"/>
+          </p:cNvSpPr>
+          <p:nvPr isPhoto="0" userDrawn="0">
+            <p:ph type="title" hasCustomPrompt="0"/>
+          </p:nvPr>
+        </p:nvSpPr>
+        <p:spPr bwMode="auto"/>
+        <p:txBody>
+          <a:bodyPr vertOverflow="overflow" horzOverflow="clip" vert="horz" wrap="square" lIns="91440" tIns="45720" rIns="91440" bIns="45720" numCol="1" spcCol="0" rtlCol="0" fromWordArt="0" anchor="ctr" anchorCtr="0" forceAA="0" upright="0" compatLnSpc="0">
+            <a:normAutofit fontScale="90000" lnSpcReduction="2000"/>
+          </a:bodyPr>
+          <a:lstStyle/>
+          <a:p>
+            <a:pPr>
+              <a:defRPr/>
+            </a:pPr>
+            <a:r>
+              <a:rPr/>
+              <a:t>  Modification de la couleur dans certaine zone</a:t>
+            </a:r>
+            <a:endParaRPr/>
+          </a:p>
+        </p:txBody>
+      </p:sp>
+      <p:sp>
+        <p:nvSpPr>
+          <p:cNvPr id="5" name="Объект 2" hidden="0"/>
+          <p:cNvSpPr>
+            <a:spLocks noGrp="1"/>
+          </p:cNvSpPr>
+          <p:nvPr isPhoto="0" userDrawn="0">
+            <p:ph idx="1" hasCustomPrompt="0"/>
+          </p:nvPr>
+        </p:nvSpPr>
+        <p:spPr bwMode="auto"/>
+        <p:txBody>
+          <a:bodyPr/>
+          <a:lstStyle/>
+          <a:p>
+            <a:pPr>
+              <a:defRPr/>
+            </a:pPr>
+            <a:r>
+              <a:rPr/>
+              <a:t>Pour augmenter le taux accessibilité</a:t>
+            </a:r>
+            <a:endParaRPr/>
+          </a:p>
+          <a:p>
+            <a:pPr>
+              <a:defRPr/>
+            </a:pPr>
+            <a:r>
+              <a:rPr/>
+              <a:t>et facilité la lecture par les clients </a:t>
+            </a:r>
+            <a:endParaRPr/>
+          </a:p>
+          <a:p>
+            <a:pPr>
+              <a:defRPr/>
+            </a:pPr>
+            <a:r>
+              <a:rPr/>
+              <a:t>Une mauvaise lisibilité peut décourager une personne à vouloir lire le contenu qui peut l'intéresser</a:t>
+            </a:r>
+            <a:endParaRPr/>
+          </a:p>
+          <a:p>
+            <a:pPr>
+              <a:defRPr/>
+            </a:pPr>
+            <a:endParaRPr/>
+          </a:p>
+          <a:p>
+            <a:pPr>
+              <a:defRPr/>
+            </a:pPr>
+            <a:endParaRPr/>
+          </a:p>
+        </p:txBody>
+      </p:sp>
+    </p:spTree>
+  </p:cSld>
+  <p:clrMapOvr>
+    <a:masterClrMapping/>
+  </p:clrMapOvr>
+  <mc:AlternateContent xmlns:mc="http://schemas.openxmlformats.org/markup-compatibility/2006">
+    <mc:Choice xmlns:p14="http://schemas.microsoft.com/office/powerpoint/2010/main" Requires="p14">
+      <p:transition p14:dur="2000" advClick="1"/>
+    </mc:Choice>
+    <mc:Fallback>
+      <p:transition advClick="1"/>
+    </mc:Fallback>
+  </mc:AlternateContent>
+</p:sld>
+</file>
+
+<file path=ppt/slides/slide17.xml><?xml version="1.0" encoding="utf-8"?>
+<p:sld xmlns:a="http://schemas.openxmlformats.org/drawingml/2006/main" xmlns:r="http://schemas.openxmlformats.org/officeDocument/2006/relationships" xmlns:p="http://schemas.openxmlformats.org/presentationml/2006/main" xmlns:m="http://schemas.openxmlformats.org/officeDocument/2006/math" xmlns:w="http://schemas.openxmlformats.org/wordprocessingml/2006/main" showMasterPhAnim="0" show="1">
+  <p:cSld name="">
+    <p:spTree>
+      <p:nvGrpSpPr>
+        <p:cNvPr id="1" name="" hidden="0"/>
+        <p:cNvGrpSpPr/>
+        <p:nvPr isPhoto="0" userDrawn="0"/>
+      </p:nvGrpSpPr>
+      <p:grpSpPr bwMode="auto">
+        <a:xfrm>
+          <a:off x="0" y="0"/>
+          <a:ext cx="0" cy="0"/>
+          <a:chOff x="0" y="0"/>
+          <a:chExt cx="0" cy="0"/>
+        </a:xfrm>
+      </p:grpSpPr>
+      <p:sp>
+        <p:nvSpPr>
+          <p:cNvPr id="4" name="Заголовок 1" hidden="0"/>
+          <p:cNvSpPr>
+            <a:spLocks noGrp="1"/>
+          </p:cNvSpPr>
+          <p:nvPr isPhoto="0" userDrawn="0">
+            <p:ph type="title" hasCustomPrompt="0"/>
+          </p:nvPr>
+        </p:nvSpPr>
+        <p:spPr bwMode="auto"/>
+        <p:txBody>
+          <a:bodyPr/>
+          <a:lstStyle/>
+          <a:p>
+            <a:pPr>
+              <a:defRPr/>
+            </a:pPr>
+            <a:r>
+              <a:rPr/>
+              <a:t>Exemple du défaut </a:t>
+            </a:r>
+            <a:endParaRPr/>
+          </a:p>
+        </p:txBody>
+      </p:sp>
+      <p:pic>
+        <p:nvPicPr>
+          <p:cNvPr id="5" name="" hidden="0"/>
+          <p:cNvPicPr>
+            <a:picLocks noChangeAspect="1"/>
+          </p:cNvPicPr>
+          <p:nvPr isPhoto="0" userDrawn="0">
+            <p:ph idx="1" hasCustomPrompt="0"/>
+          </p:nvPr>
+        </p:nvPicPr>
+        <p:blipFill>
+          <a:blip r:embed="rId2"/>
+          <a:stretch/>
+        </p:blipFill>
+        <p:spPr bwMode="auto">
+          <a:xfrm rot="0">
+            <a:off x="2049883" y="1600201"/>
+            <a:ext cx="8092231" cy="4525962"/>
+          </a:xfrm>
+          <a:prstGeom prst="rect">
+            <a:avLst/>
+          </a:prstGeom>
+        </p:spPr>
+      </p:pic>
+    </p:spTree>
+  </p:cSld>
+  <p:clrMapOvr>
+    <a:masterClrMapping/>
+  </p:clrMapOvr>
+  <mc:AlternateContent xmlns:mc="http://schemas.openxmlformats.org/markup-compatibility/2006">
+    <mc:Choice xmlns:p14="http://schemas.microsoft.com/office/powerpoint/2010/main" Requires="p14">
+      <p:transition p14:dur="2000" advClick="1"/>
+    </mc:Choice>
+    <mc:Fallback>
+      <p:transition advClick="1"/>
+    </mc:Fallback>
+  </mc:AlternateContent>
+</p:sld>
+</file>
+
+<file path=ppt/slides/slide18.xml><?xml version="1.0" encoding="utf-8"?>
+<p:sld xmlns:a="http://schemas.openxmlformats.org/drawingml/2006/main" xmlns:r="http://schemas.openxmlformats.org/officeDocument/2006/relationships" xmlns:p="http://schemas.openxmlformats.org/presentationml/2006/main" xmlns:m="http://schemas.openxmlformats.org/officeDocument/2006/math" xmlns:w="http://schemas.openxmlformats.org/wordprocessingml/2006/main" showMasterPhAnim="0" show="1">
+  <p:cSld name="">
+    <p:spTree>
+      <p:nvGrpSpPr>
+        <p:cNvPr id="1" name="" hidden="0"/>
+        <p:cNvGrpSpPr/>
+        <p:nvPr isPhoto="0" userDrawn="0"/>
+      </p:nvGrpSpPr>
+      <p:grpSpPr bwMode="auto">
+        <a:xfrm>
+          <a:off x="0" y="0"/>
+          <a:ext cx="0" cy="0"/>
+          <a:chOff x="0" y="0"/>
+          <a:chExt cx="0" cy="0"/>
+        </a:xfrm>
+      </p:grpSpPr>
+      <p:sp>
+        <p:nvSpPr>
+          <p:cNvPr id="4" name="Заголовок 1" hidden="0"/>
+          <p:cNvSpPr>
+            <a:spLocks noGrp="1"/>
+          </p:cNvSpPr>
+          <p:nvPr isPhoto="0" userDrawn="0">
+            <p:ph type="title" hasCustomPrompt="0"/>
+          </p:nvPr>
+        </p:nvSpPr>
+        <p:spPr bwMode="auto"/>
+        <p:txBody>
+          <a:bodyPr/>
+          <a:lstStyle/>
+          <a:p>
+            <a:pPr>
+              <a:defRPr/>
+            </a:pPr>
+            <a:r>
+              <a:rPr/>
+              <a:t>Défaut corrigé</a:t>
+            </a:r>
+            <a:br>
+              <a:rPr/>
+            </a:br>
+            <a:endParaRPr/>
+          </a:p>
+        </p:txBody>
+      </p:sp>
+      <p:pic>
+        <p:nvPicPr>
+          <p:cNvPr id="5" name="" hidden="0"/>
+          <p:cNvPicPr>
+            <a:picLocks noChangeAspect="1"/>
+          </p:cNvPicPr>
+          <p:nvPr isPhoto="0" userDrawn="0">
+            <p:ph idx="1" hasCustomPrompt="0"/>
+          </p:nvPr>
+        </p:nvPicPr>
+        <p:blipFill>
+          <a:blip r:embed="rId3"/>
+          <a:stretch/>
+        </p:blipFill>
+        <p:spPr bwMode="auto">
+          <a:xfrm rot="0">
+            <a:off x="1142101" y="1600201"/>
+            <a:ext cx="9907796" cy="4525962"/>
+          </a:xfrm>
+          <a:prstGeom prst="rect">
+            <a:avLst/>
+          </a:prstGeom>
+        </p:spPr>
+      </p:pic>
+    </p:spTree>
+  </p:cSld>
+  <p:clrMapOvr>
+    <a:masterClrMapping/>
+  </p:clrMapOvr>
+  <mc:AlternateContent xmlns:mc="http://schemas.openxmlformats.org/markup-compatibility/2006">
+    <mc:Choice xmlns:p14="http://schemas.microsoft.com/office/powerpoint/2010/main" Requires="p14">
+      <p:transition p14:dur="2000" advClick="1"/>
+    </mc:Choice>
+    <mc:Fallback>
+      <p:transition advClick="1"/>
+    </mc:Fallback>
+  </mc:AlternateContent>
+</p:sld>
+</file>
+
+<file path=ppt/slides/slide19.xml><?xml version="1.0" encoding="utf-8"?>
+<p:sld xmlns:a="http://schemas.openxmlformats.org/drawingml/2006/main" xmlns:r="http://schemas.openxmlformats.org/officeDocument/2006/relationships" xmlns:p="http://schemas.openxmlformats.org/presentationml/2006/main" xmlns:m="http://schemas.openxmlformats.org/officeDocument/2006/math" xmlns:w="http://schemas.openxmlformats.org/wordprocessingml/2006/main" showMasterPhAnim="0" show="1">
+  <p:cSld name="">
+    <p:spTree>
+      <p:nvGrpSpPr>
+        <p:cNvPr id="1" name="" hidden="0"/>
+        <p:cNvGrpSpPr/>
+        <p:nvPr isPhoto="0" userDrawn="0"/>
+      </p:nvGrpSpPr>
+      <p:grpSpPr bwMode="auto">
+        <a:xfrm>
+          <a:off x="0" y="0"/>
+          <a:ext cx="0" cy="0"/>
+          <a:chOff x="0" y="0"/>
+          <a:chExt cx="0" cy="0"/>
+        </a:xfrm>
+      </p:grpSpPr>
+      <p:sp>
+        <p:nvSpPr>
+          <p:cNvPr id="4" name="Заголовок 1" hidden="0"/>
+          <p:cNvSpPr>
+            <a:spLocks noGrp="1"/>
+          </p:cNvSpPr>
+          <p:nvPr isPhoto="0" userDrawn="0">
+            <p:ph type="title" hasCustomPrompt="0"/>
+          </p:nvPr>
+        </p:nvSpPr>
+        <p:spPr bwMode="auto"/>
+        <p:txBody>
+          <a:bodyPr vertOverflow="overflow" horzOverflow="clip" vert="horz" wrap="square" lIns="91440" tIns="45720" rIns="91440" bIns="45720" numCol="1" spcCol="0" rtlCol="0" fromWordArt="0" anchor="ctr" anchorCtr="0" forceAA="0" upright="0" compatLnSpc="0">
+            <a:normAutofit fontScale="85000" lnSpcReduction="3000"/>
+          </a:bodyPr>
+          <a:lstStyle/>
+          <a:p>
+            <a:pPr>
+              <a:defRPr/>
+            </a:pPr>
+            <a:r>
+              <a:rPr/>
+              <a:t>  Défaut alignement du texte version mobile </a:t>
+            </a:r>
+            <a:br>
+              <a:rPr/>
+            </a:br>
+            <a:endParaRPr/>
+          </a:p>
+        </p:txBody>
+      </p:sp>
+      <p:pic>
+        <p:nvPicPr>
+          <p:cNvPr id="5" name="" hidden="0"/>
+          <p:cNvPicPr>
+            <a:picLocks noChangeAspect="1"/>
+          </p:cNvPicPr>
+          <p:nvPr isPhoto="0" userDrawn="0">
+            <p:ph idx="1" hasCustomPrompt="0"/>
+          </p:nvPr>
+        </p:nvPicPr>
+        <p:blipFill>
+          <a:blip r:embed="rId2"/>
+          <a:stretch/>
+        </p:blipFill>
+        <p:spPr bwMode="auto">
+          <a:xfrm rot="0">
+            <a:off x="2001652" y="1600201"/>
+            <a:ext cx="8188695" cy="4525962"/>
+          </a:xfrm>
+          <a:prstGeom prst="rect">
+            <a:avLst/>
+          </a:prstGeom>
+        </p:spPr>
+      </p:pic>
+    </p:spTree>
+  </p:cSld>
+  <p:clrMapOvr>
+    <a:masterClrMapping/>
+  </p:clrMapOvr>
+  <mc:AlternateContent xmlns:mc="http://schemas.openxmlformats.org/markup-compatibility/2006">
+    <mc:Choice xmlns:p14="http://schemas.microsoft.com/office/powerpoint/2010/main" Requires="p14">
+      <p:transition p14:dur="2000" advClick="1"/>
+    </mc:Choice>
+    <mc:Fallback>
+      <p:transition advClick="1"/>
+    </mc:Fallback>
+  </mc:AlternateContent>
+</p:sld>
+</file>
+
+<file path=ppt/slides/slide2.xml><?xml version="1.0" encoding="utf-8"?>
 <p:sld xmlns:a="http://schemas.openxmlformats.org/drawingml/2006/main" xmlns:r="http://schemas.openxmlformats.org/officeDocument/2006/relationships" xmlns:p="http://schemas.openxmlformats.org/presentationml/2006/main" xmlns:m="http://schemas.openxmlformats.org/officeDocument/2006/math" xmlns:w="http://schemas.openxmlformats.org/wordprocessingml/2006/main" showMasterPhAnim="0" show="1">
   <p:cSld name="">
     <p:bg>
@@ -4121,8 +6145,641 @@
         </p:blipFill>
         <p:spPr bwMode="auto">
           <a:xfrm rot="0">
-            <a:off x="838199" y="1838128"/>
+            <a:off x="838198" y="1838127"/>
             <a:ext cx="10515600" cy="4326330"/>
+          </a:xfrm>
+          <a:prstGeom prst="rect">
+            <a:avLst/>
+          </a:prstGeom>
+        </p:spPr>
+      </p:pic>
+    </p:spTree>
+  </p:cSld>
+  <p:clrMapOvr>
+    <a:masterClrMapping/>
+  </p:clrMapOvr>
+  <mc:AlternateContent xmlns:mc="http://schemas.openxmlformats.org/markup-compatibility/2006">
+    <mc:Choice xmlns:p14="http://schemas.microsoft.com/office/powerpoint/2010/main" Requires="p14">
+      <p:transition p14:dur="2000" advClick="1"/>
+    </mc:Choice>
+    <mc:Fallback>
+      <p:transition advClick="1"/>
+    </mc:Fallback>
+  </mc:AlternateContent>
+</p:sld>
+</file>
+
+<file path=ppt/slides/slide20.xml><?xml version="1.0" encoding="utf-8"?>
+<p:sld xmlns:a="http://schemas.openxmlformats.org/drawingml/2006/main" xmlns:r="http://schemas.openxmlformats.org/officeDocument/2006/relationships" xmlns:p="http://schemas.openxmlformats.org/presentationml/2006/main" xmlns:m="http://schemas.openxmlformats.org/officeDocument/2006/math" xmlns:w="http://schemas.openxmlformats.org/wordprocessingml/2006/main" showMasterPhAnim="0" show="1">
+  <p:cSld name="">
+    <p:spTree>
+      <p:nvGrpSpPr>
+        <p:cNvPr id="1" name="" hidden="0"/>
+        <p:cNvGrpSpPr/>
+        <p:nvPr isPhoto="0" userDrawn="0"/>
+      </p:nvGrpSpPr>
+      <p:grpSpPr bwMode="auto">
+        <a:xfrm>
+          <a:off x="0" y="0"/>
+          <a:ext cx="0" cy="0"/>
+          <a:chOff x="0" y="0"/>
+          <a:chExt cx="0" cy="0"/>
+        </a:xfrm>
+      </p:grpSpPr>
+      <p:sp>
+        <p:nvSpPr>
+          <p:cNvPr id="4" name="Заголовок 1" hidden="0"/>
+          <p:cNvSpPr>
+            <a:spLocks noGrp="1"/>
+          </p:cNvSpPr>
+          <p:nvPr isPhoto="0" userDrawn="0">
+            <p:ph type="title" hasCustomPrompt="0"/>
+          </p:nvPr>
+        </p:nvSpPr>
+        <p:spPr bwMode="auto"/>
+        <p:txBody>
+          <a:bodyPr/>
+          <a:lstStyle/>
+          <a:p>
+            <a:pPr>
+              <a:defRPr/>
+            </a:pPr>
+            <a:r>
+              <a:rPr/>
+              <a:t>Alignement  modifié pour corriger le défaut </a:t>
+            </a:r>
+            <a:endParaRPr/>
+          </a:p>
+        </p:txBody>
+      </p:sp>
+      <p:pic>
+        <p:nvPicPr>
+          <p:cNvPr id="5" name="" hidden="0"/>
+          <p:cNvPicPr>
+            <a:picLocks noChangeAspect="1"/>
+          </p:cNvPicPr>
+          <p:nvPr isPhoto="0" userDrawn="0">
+            <p:ph idx="1" hasCustomPrompt="0"/>
+          </p:nvPr>
+        </p:nvPicPr>
+        <p:blipFill>
+          <a:blip r:embed="rId3"/>
+          <a:stretch/>
+        </p:blipFill>
+        <p:spPr bwMode="auto">
+          <a:xfrm rot="0">
+            <a:off x="2070957" y="1600201"/>
+            <a:ext cx="8050084" cy="4525962"/>
+          </a:xfrm>
+          <a:prstGeom prst="rect">
+            <a:avLst/>
+          </a:prstGeom>
+        </p:spPr>
+      </p:pic>
+    </p:spTree>
+  </p:cSld>
+  <p:clrMapOvr>
+    <a:masterClrMapping/>
+  </p:clrMapOvr>
+  <mc:AlternateContent xmlns:mc="http://schemas.openxmlformats.org/markup-compatibility/2006">
+    <mc:Choice xmlns:p14="http://schemas.microsoft.com/office/powerpoint/2010/main" Requires="p14">
+      <p:transition p14:dur="2000" advClick="1"/>
+    </mc:Choice>
+    <mc:Fallback>
+      <p:transition advClick="1"/>
+    </mc:Fallback>
+  </mc:AlternateContent>
+</p:sld>
+</file>
+
+<file path=ppt/slides/slide21.xml><?xml version="1.0" encoding="utf-8"?>
+<p:sld xmlns:a="http://schemas.openxmlformats.org/drawingml/2006/main" xmlns:r="http://schemas.openxmlformats.org/officeDocument/2006/relationships" xmlns:p="http://schemas.openxmlformats.org/presentationml/2006/main" xmlns:m="http://schemas.openxmlformats.org/officeDocument/2006/math" xmlns:w="http://schemas.openxmlformats.org/wordprocessingml/2006/main" showMasterPhAnim="0" show="1">
+  <p:cSld name="">
+    <p:spTree>
+      <p:nvGrpSpPr>
+        <p:cNvPr id="1" name="" hidden="0"/>
+        <p:cNvGrpSpPr/>
+        <p:nvPr isPhoto="0" userDrawn="0"/>
+      </p:nvGrpSpPr>
+      <p:grpSpPr bwMode="auto">
+        <a:xfrm>
+          <a:off x="0" y="0"/>
+          <a:ext cx="0" cy="0"/>
+          <a:chOff x="0" y="0"/>
+          <a:chExt cx="0" cy="0"/>
+        </a:xfrm>
+      </p:grpSpPr>
+      <p:sp>
+        <p:nvSpPr>
+          <p:cNvPr id="4" name="Заголовок 1" hidden="0"/>
+          <p:cNvSpPr>
+            <a:spLocks noGrp="1"/>
+          </p:cNvSpPr>
+          <p:nvPr isPhoto="0" userDrawn="0">
+            <p:ph type="title" hasCustomPrompt="0"/>
+          </p:nvPr>
+        </p:nvSpPr>
+        <p:spPr bwMode="auto"/>
+        <p:txBody>
+          <a:bodyPr/>
+          <a:lstStyle/>
+          <a:p>
+            <a:pPr>
+              <a:defRPr/>
+            </a:pPr>
+            <a:r>
+              <a:rPr/>
+              <a:t>autre modification</a:t>
+            </a:r>
+            <a:br>
+              <a:rPr/>
+            </a:br>
+            <a:endParaRPr/>
+          </a:p>
+        </p:txBody>
+      </p:sp>
+      <p:sp>
+        <p:nvSpPr>
+          <p:cNvPr id="5" name="Объект 2" hidden="0"/>
+          <p:cNvSpPr>
+            <a:spLocks noGrp="1"/>
+          </p:cNvSpPr>
+          <p:nvPr isPhoto="0" userDrawn="0">
+            <p:ph idx="1" hasCustomPrompt="0"/>
+          </p:nvPr>
+        </p:nvSpPr>
+        <p:spPr bwMode="auto"/>
+        <p:txBody>
+          <a:bodyPr/>
+          <a:lstStyle/>
+          <a:p>
+            <a:pPr>
+              <a:defRPr/>
+            </a:pPr>
+            <a:r>
+              <a:rPr/>
+              <a:t> Allègement du poids des photos et modification de taille</a:t>
+            </a:r>
+            <a:endParaRPr/>
+          </a:p>
+          <a:p>
+            <a:pPr>
+              <a:defRPr/>
+            </a:pPr>
+            <a:endParaRPr/>
+          </a:p>
+          <a:p>
+            <a:pPr>
+              <a:defRPr/>
+            </a:pPr>
+            <a:r>
+              <a:rPr/>
+              <a:t> modification apporté au formulaire   </a:t>
+            </a:r>
+            <a:endParaRPr/>
+          </a:p>
+        </p:txBody>
+      </p:sp>
+    </p:spTree>
+  </p:cSld>
+  <p:clrMapOvr>
+    <a:masterClrMapping/>
+  </p:clrMapOvr>
+  <mc:AlternateContent xmlns:mc="http://schemas.openxmlformats.org/markup-compatibility/2006">
+    <mc:Choice xmlns:p14="http://schemas.microsoft.com/office/powerpoint/2010/main" Requires="p14">
+      <p:transition p14:dur="2000" advClick="1"/>
+    </mc:Choice>
+    <mc:Fallback>
+      <p:transition advClick="1"/>
+    </mc:Fallback>
+  </mc:AlternateContent>
+</p:sld>
+</file>
+
+<file path=ppt/slides/slide22.xml><?xml version="1.0" encoding="utf-8"?>
+<p:sld xmlns:a="http://schemas.openxmlformats.org/drawingml/2006/main" xmlns:r="http://schemas.openxmlformats.org/officeDocument/2006/relationships" xmlns:p="http://schemas.openxmlformats.org/presentationml/2006/main" xmlns:m="http://schemas.openxmlformats.org/officeDocument/2006/math" xmlns:w="http://schemas.openxmlformats.org/wordprocessingml/2006/main" showMasterPhAnim="0" show="1">
+  <p:cSld name="">
+    <p:spTree>
+      <p:nvGrpSpPr>
+        <p:cNvPr id="1" name="" hidden="0"/>
+        <p:cNvGrpSpPr/>
+        <p:nvPr isPhoto="0" userDrawn="0"/>
+      </p:nvGrpSpPr>
+      <p:grpSpPr bwMode="auto">
+        <a:xfrm>
+          <a:off x="0" y="0"/>
+          <a:ext cx="0" cy="0"/>
+          <a:chOff x="0" y="0"/>
+          <a:chExt cx="0" cy="0"/>
+        </a:xfrm>
+      </p:grpSpPr>
+      <p:sp>
+        <p:nvSpPr>
+          <p:cNvPr id="4" name="Заголовок 1" hidden="0"/>
+          <p:cNvSpPr>
+            <a:spLocks noGrp="1"/>
+          </p:cNvSpPr>
+          <p:nvPr isPhoto="0" userDrawn="0">
+            <p:ph type="title" hasCustomPrompt="0"/>
+          </p:nvPr>
+        </p:nvSpPr>
+        <p:spPr bwMode="auto"/>
+        <p:txBody>
+          <a:bodyPr/>
+          <a:lstStyle/>
+          <a:p>
+            <a:pPr>
+              <a:defRPr/>
+            </a:pPr>
+            <a:r>
+              <a:rPr/>
+              <a:t>formulaire avant modif</a:t>
+            </a:r>
+            <a:endParaRPr/>
+          </a:p>
+        </p:txBody>
+      </p:sp>
+      <p:pic>
+        <p:nvPicPr>
+          <p:cNvPr id="5" name="" hidden="0"/>
+          <p:cNvPicPr>
+            <a:picLocks noChangeAspect="1"/>
+          </p:cNvPicPr>
+          <p:nvPr isPhoto="0" userDrawn="0">
+            <p:ph idx="1" hasCustomPrompt="0"/>
+          </p:nvPr>
+        </p:nvPicPr>
+        <p:blipFill>
+          <a:blip r:embed="rId2"/>
+          <a:stretch/>
+        </p:blipFill>
+        <p:spPr bwMode="auto">
+          <a:xfrm rot="0">
+            <a:off x="2074580" y="1600201"/>
+            <a:ext cx="8042838" cy="4525962"/>
+          </a:xfrm>
+          <a:prstGeom prst="rect">
+            <a:avLst/>
+          </a:prstGeom>
+        </p:spPr>
+      </p:pic>
+    </p:spTree>
+  </p:cSld>
+  <p:clrMapOvr>
+    <a:masterClrMapping/>
+  </p:clrMapOvr>
+  <mc:AlternateContent xmlns:mc="http://schemas.openxmlformats.org/markup-compatibility/2006">
+    <mc:Choice xmlns:p14="http://schemas.microsoft.com/office/powerpoint/2010/main" Requires="p14">
+      <p:transition p14:dur="2000" advClick="1"/>
+    </mc:Choice>
+    <mc:Fallback>
+      <p:transition advClick="1"/>
+    </mc:Fallback>
+  </mc:AlternateContent>
+</p:sld>
+</file>
+
+<file path=ppt/slides/slide23.xml><?xml version="1.0" encoding="utf-8"?>
+<p:sld xmlns:a="http://schemas.openxmlformats.org/drawingml/2006/main" xmlns:r="http://schemas.openxmlformats.org/officeDocument/2006/relationships" xmlns:p="http://schemas.openxmlformats.org/presentationml/2006/main" xmlns:m="http://schemas.openxmlformats.org/officeDocument/2006/math" xmlns:w="http://schemas.openxmlformats.org/wordprocessingml/2006/main" showMasterPhAnim="0" show="1">
+  <p:cSld name="">
+    <p:spTree>
+      <p:nvGrpSpPr>
+        <p:cNvPr id="1" name="" hidden="0"/>
+        <p:cNvGrpSpPr/>
+        <p:nvPr isPhoto="0" userDrawn="0"/>
+      </p:nvGrpSpPr>
+      <p:grpSpPr bwMode="auto">
+        <a:xfrm>
+          <a:off x="0" y="0"/>
+          <a:ext cx="0" cy="0"/>
+          <a:chOff x="0" y="0"/>
+          <a:chExt cx="0" cy="0"/>
+        </a:xfrm>
+      </p:grpSpPr>
+      <p:sp>
+        <p:nvSpPr>
+          <p:cNvPr id="4" name="Заголовок 1" hidden="0"/>
+          <p:cNvSpPr>
+            <a:spLocks noGrp="1"/>
+          </p:cNvSpPr>
+          <p:nvPr isPhoto="0" userDrawn="0">
+            <p:ph type="title" hasCustomPrompt="0"/>
+          </p:nvPr>
+        </p:nvSpPr>
+        <p:spPr bwMode="auto"/>
+        <p:txBody>
+          <a:bodyPr/>
+          <a:lstStyle/>
+          <a:p>
+            <a:pPr>
+              <a:defRPr/>
+            </a:pPr>
+            <a:r>
+              <a:rPr/>
+              <a:t>code après modification</a:t>
+            </a:r>
+            <a:endParaRPr/>
+          </a:p>
+        </p:txBody>
+      </p:sp>
+      <p:pic>
+        <p:nvPicPr>
+          <p:cNvPr id="5" name="" hidden="0"/>
+          <p:cNvPicPr>
+            <a:picLocks noChangeAspect="1"/>
+          </p:cNvPicPr>
+          <p:nvPr isPhoto="0" userDrawn="0">
+            <p:ph idx="1" hasCustomPrompt="0"/>
+          </p:nvPr>
+        </p:nvPicPr>
+        <p:blipFill>
+          <a:blip r:embed="rId3"/>
+          <a:stretch/>
+        </p:blipFill>
+        <p:spPr bwMode="auto">
+          <a:xfrm rot="0">
+            <a:off x="2225667" y="1600201"/>
+            <a:ext cx="7740664" cy="4525962"/>
+          </a:xfrm>
+          <a:prstGeom prst="rect">
+            <a:avLst/>
+          </a:prstGeom>
+        </p:spPr>
+      </p:pic>
+    </p:spTree>
+  </p:cSld>
+  <p:clrMapOvr>
+    <a:masterClrMapping/>
+  </p:clrMapOvr>
+  <mc:AlternateContent xmlns:mc="http://schemas.openxmlformats.org/markup-compatibility/2006">
+    <mc:Choice xmlns:p14="http://schemas.microsoft.com/office/powerpoint/2010/main" Requires="p14">
+      <p:transition p14:dur="2000" advClick="1"/>
+    </mc:Choice>
+    <mc:Fallback>
+      <p:transition advClick="1"/>
+    </mc:Fallback>
+  </mc:AlternateContent>
+</p:sld>
+</file>
+
+<file path=ppt/slides/slide24.xml><?xml version="1.0" encoding="utf-8"?>
+<p:sld xmlns:a="http://schemas.openxmlformats.org/drawingml/2006/main" xmlns:r="http://schemas.openxmlformats.org/officeDocument/2006/relationships" xmlns:p="http://schemas.openxmlformats.org/presentationml/2006/main" xmlns:m="http://schemas.openxmlformats.org/officeDocument/2006/math" xmlns:w="http://schemas.openxmlformats.org/wordprocessingml/2006/main" showMasterPhAnim="0" show="1">
+  <p:cSld name="">
+    <p:spTree>
+      <p:nvGrpSpPr>
+        <p:cNvPr id="1" name="" hidden="0"/>
+        <p:cNvGrpSpPr/>
+        <p:nvPr isPhoto="0" userDrawn="0"/>
+      </p:nvGrpSpPr>
+      <p:grpSpPr bwMode="auto">
+        <a:xfrm>
+          <a:off x="0" y="0"/>
+          <a:ext cx="0" cy="0"/>
+          <a:chOff x="0" y="0"/>
+          <a:chExt cx="0" cy="0"/>
+        </a:xfrm>
+      </p:grpSpPr>
+      <p:sp>
+        <p:nvSpPr>
+          <p:cNvPr id="4" name="Заголовок 1" hidden="0"/>
+          <p:cNvSpPr>
+            <a:spLocks noGrp="1"/>
+          </p:cNvSpPr>
+          <p:nvPr isPhoto="0" userDrawn="0">
+            <p:ph type="title" hasCustomPrompt="0"/>
+          </p:nvPr>
+        </p:nvSpPr>
+        <p:spPr bwMode="auto"/>
+        <p:txBody>
+          <a:bodyPr vertOverflow="overflow" horzOverflow="clip" vert="horz" wrap="square" lIns="91440" tIns="45720" rIns="91440" bIns="45720" numCol="1" spcCol="0" rtlCol="0" fromWordArt="0" anchor="ctr" anchorCtr="0" forceAA="0" upright="0" compatLnSpc="0">
+            <a:normAutofit fontScale="85000" lnSpcReduction="3000"/>
+          </a:bodyPr>
+          <a:lstStyle/>
+          <a:p>
+            <a:pPr>
+              <a:defRPr/>
+            </a:pPr>
+            <a:r>
+              <a:rPr/>
+              <a:t>RESULTAT APRES LES MODIFICATION APPORTE</a:t>
+            </a:r>
+            <a:br>
+              <a:rPr/>
+            </a:br>
+            <a:endParaRPr/>
+          </a:p>
+        </p:txBody>
+      </p:sp>
+      <p:pic>
+        <p:nvPicPr>
+          <p:cNvPr id="5" name="" hidden="0"/>
+          <p:cNvPicPr>
+            <a:picLocks noChangeAspect="1"/>
+          </p:cNvPicPr>
+          <p:nvPr isPhoto="0" userDrawn="0">
+            <p:ph idx="1" hasCustomPrompt="0"/>
+          </p:nvPr>
+        </p:nvPicPr>
+        <p:blipFill>
+          <a:blip r:embed="rId2"/>
+          <a:stretch/>
+        </p:blipFill>
+        <p:spPr bwMode="auto">
+          <a:xfrm rot="0">
+            <a:off x="1211970" y="1600200"/>
+            <a:ext cx="9768057" cy="4525961"/>
+          </a:xfrm>
+          <a:prstGeom prst="rect">
+            <a:avLst/>
+          </a:prstGeom>
+        </p:spPr>
+      </p:pic>
+    </p:spTree>
+  </p:cSld>
+  <p:clrMapOvr>
+    <a:masterClrMapping/>
+  </p:clrMapOvr>
+  <mc:AlternateContent xmlns:mc="http://schemas.openxmlformats.org/markup-compatibility/2006">
+    <mc:Choice xmlns:p14="http://schemas.microsoft.com/office/powerpoint/2010/main" Requires="p14">
+      <p:transition p14:dur="2000" advClick="1"/>
+    </mc:Choice>
+    <mc:Fallback>
+      <p:transition advClick="1"/>
+    </mc:Fallback>
+  </mc:AlternateContent>
+</p:sld>
+</file>
+
+<file path=ppt/slides/slide25.xml><?xml version="1.0" encoding="utf-8"?>
+<p:sld xmlns:a="http://schemas.openxmlformats.org/drawingml/2006/main" xmlns:r="http://schemas.openxmlformats.org/officeDocument/2006/relationships" xmlns:p="http://schemas.openxmlformats.org/presentationml/2006/main" xmlns:m="http://schemas.openxmlformats.org/officeDocument/2006/math" xmlns:w="http://schemas.openxmlformats.org/wordprocessingml/2006/main" showMasterPhAnim="0" show="1">
+  <p:cSld name="">
+    <p:spTree>
+      <p:nvGrpSpPr>
+        <p:cNvPr id="1" name="" hidden="0"/>
+        <p:cNvGrpSpPr/>
+        <p:nvPr isPhoto="0" userDrawn="0"/>
+      </p:nvGrpSpPr>
+      <p:grpSpPr bwMode="auto">
+        <a:xfrm>
+          <a:off x="0" y="0"/>
+          <a:ext cx="0" cy="0"/>
+          <a:chOff x="0" y="0"/>
+          <a:chExt cx="0" cy="0"/>
+        </a:xfrm>
+      </p:grpSpPr>
+      <p:sp>
+        <p:nvSpPr>
+          <p:cNvPr id="4" name="Заголовок 1" hidden="0"/>
+          <p:cNvSpPr>
+            <a:spLocks noGrp="1"/>
+          </p:cNvSpPr>
+          <p:nvPr isPhoto="0" userDrawn="0">
+            <p:ph type="title" hasCustomPrompt="0"/>
+          </p:nvPr>
+        </p:nvSpPr>
+        <p:spPr bwMode="auto"/>
+        <p:txBody>
+          <a:bodyPr/>
+          <a:lstStyle/>
+          <a:p>
+            <a:pPr>
+              <a:defRPr/>
+            </a:pPr>
+            <a:r>
+              <a:rPr/>
+              <a:t>RESULATA PAGE 2</a:t>
+            </a:r>
+            <a:endParaRPr/>
+          </a:p>
+        </p:txBody>
+      </p:sp>
+      <p:pic>
+        <p:nvPicPr>
+          <p:cNvPr id="5" name="" hidden="0"/>
+          <p:cNvPicPr>
+            <a:picLocks noChangeAspect="1"/>
+          </p:cNvPicPr>
+          <p:nvPr isPhoto="0" userDrawn="0">
+            <p:ph idx="1" hasCustomPrompt="0"/>
+          </p:nvPr>
+        </p:nvPicPr>
+        <p:blipFill>
+          <a:blip r:embed="rId2"/>
+          <a:stretch/>
+        </p:blipFill>
+        <p:spPr bwMode="auto">
+          <a:xfrm rot="0">
+            <a:off x="609598" y="1646047"/>
+            <a:ext cx="10972800" cy="4434268"/>
+          </a:xfrm>
+          <a:prstGeom prst="rect">
+            <a:avLst/>
+          </a:prstGeom>
+        </p:spPr>
+      </p:pic>
+    </p:spTree>
+  </p:cSld>
+  <p:clrMapOvr>
+    <a:masterClrMapping/>
+  </p:clrMapOvr>
+  <mc:AlternateContent xmlns:mc="http://schemas.openxmlformats.org/markup-compatibility/2006">
+    <mc:Choice xmlns:p14="http://schemas.microsoft.com/office/powerpoint/2010/main" Requires="p14">
+      <p:transition p14:dur="2000" advClick="1"/>
+    </mc:Choice>
+    <mc:Fallback>
+      <p:transition advClick="1"/>
+    </mc:Fallback>
+  </mc:AlternateContent>
+</p:sld>
+</file>
+
+<file path=ppt/slides/slide3.xml><?xml version="1.0" encoding="utf-8"?>
+<p:sld xmlns:a="http://schemas.openxmlformats.org/drawingml/2006/main" xmlns:r="http://schemas.openxmlformats.org/officeDocument/2006/relationships" xmlns:p="http://schemas.openxmlformats.org/presentationml/2006/main" xmlns:m="http://schemas.openxmlformats.org/officeDocument/2006/math" xmlns:w="http://schemas.openxmlformats.org/wordprocessingml/2006/main" showMasterPhAnim="0" show="1">
+  <p:cSld name="">
+    <p:spTree>
+      <p:nvGrpSpPr>
+        <p:cNvPr id="1" name="" hidden="0"/>
+        <p:cNvGrpSpPr/>
+        <p:nvPr isPhoto="0" userDrawn="0"/>
+      </p:nvGrpSpPr>
+      <p:grpSpPr bwMode="auto">
+        <a:xfrm>
+          <a:off x="0" y="0"/>
+          <a:ext cx="0" cy="0"/>
+          <a:chOff x="0" y="0"/>
+          <a:chExt cx="0" cy="0"/>
+        </a:xfrm>
+      </p:grpSpPr>
+      <p:sp>
+        <p:nvSpPr>
+          <p:cNvPr id="4" name="Title 1" hidden="0"/>
+          <p:cNvSpPr>
+            <a:spLocks noGrp="1"/>
+          </p:cNvSpPr>
+          <p:nvPr isPhoto="0" userDrawn="0">
+            <p:ph type="title" hasCustomPrompt="0"/>
+          </p:nvPr>
+        </p:nvSpPr>
+        <p:spPr bwMode="auto"/>
+        <p:txBody>
+          <a:bodyPr/>
+          <a:lstStyle/>
+          <a:p>
+            <a:pPr>
+              <a:defRPr/>
+            </a:pPr>
+            <a:r>
+              <a:rPr/>
+              <a:t>Score de la page 2</a:t>
+            </a:r>
+            <a:endParaRPr/>
+          </a:p>
+        </p:txBody>
+      </p:sp>
+      <p:sp>
+        <p:nvSpPr>
+          <p:cNvPr id="5" name="Content Placeholder 2" hidden="0"/>
+          <p:cNvSpPr>
+            <a:spLocks noGrp="1"/>
+          </p:cNvSpPr>
+          <p:nvPr isPhoto="0" userDrawn="0">
+            <p:ph idx="1" hasCustomPrompt="0"/>
+          </p:nvPr>
+        </p:nvSpPr>
+        <p:spPr bwMode="auto"/>
+        <p:txBody>
+          <a:bodyPr/>
+          <a:lstStyle/>
+          <a:p>
+            <a:pPr marL="0" indent="0">
+              <a:buFont typeface="Arial"/>
+              <a:buNone/>
+              <a:defRPr/>
+            </a:pPr>
+            <a:r>
+              <a:rPr/>
+              <a:t> </a:t>
+            </a:r>
+            <a:endParaRPr/>
+          </a:p>
+        </p:txBody>
+      </p:sp>
+      <p:pic>
+        <p:nvPicPr>
+          <p:cNvPr id="6" name="" hidden="0"/>
+          <p:cNvPicPr>
+            <a:picLocks noChangeAspect="1"/>
+          </p:cNvPicPr>
+          <p:nvPr isPhoto="0" userDrawn="0"/>
+        </p:nvPicPr>
+        <p:blipFill>
+          <a:blip r:embed="rId2"/>
+          <a:stretch/>
+        </p:blipFill>
+        <p:spPr bwMode="auto">
+          <a:xfrm>
+            <a:off x="5952" y="0"/>
+            <a:ext cx="12180093" cy="6858000"/>
           </a:xfrm>
           <a:prstGeom prst="rect">
             <a:avLst/>
@@ -4182,35 +6839,7 @@
             </a:pPr>
             <a:r>
               <a:rPr/>
-              <a:t>Score de la page 2</a:t>
-            </a:r>
-            <a:endParaRPr/>
-          </a:p>
-        </p:txBody>
-      </p:sp>
-      <p:sp>
-        <p:nvSpPr>
-          <p:cNvPr id="5" name="Content Placeholder 2" hidden="0"/>
-          <p:cNvSpPr>
-            <a:spLocks noGrp="1"/>
-          </p:cNvSpPr>
-          <p:nvPr isPhoto="0" userDrawn="0">
-            <p:ph idx="1" hasCustomPrompt="0"/>
-          </p:nvPr>
-        </p:nvSpPr>
-        <p:spPr bwMode="auto"/>
-        <p:txBody>
-          <a:bodyPr/>
-          <a:lstStyle/>
-          <a:p>
-            <a:pPr marL="0" indent="0">
-              <a:buFont typeface="Arial"/>
-              <a:buNone/>
-              <a:defRPr/>
-            </a:pPr>
-            <a:r>
-              <a:rPr/>
-              <a:t> </a:t>
+              <a:t>Ensuite nous avons fais un audit automatique</a:t>
             </a:r>
             <a:endParaRPr/>
           </a:p>
@@ -4218,20 +6847,22 @@
       </p:sp>
       <p:pic>
         <p:nvPicPr>
-          <p:cNvPr id="6" name="" hidden="0"/>
+          <p:cNvPr id="5" name="" hidden="0"/>
           <p:cNvPicPr>
             <a:picLocks noChangeAspect="1"/>
           </p:cNvPicPr>
-          <p:nvPr isPhoto="0" userDrawn="0"/>
+          <p:nvPr isPhoto="0" userDrawn="0">
+            <p:ph idx="1" hasCustomPrompt="0"/>
+          </p:nvPr>
         </p:nvPicPr>
         <p:blipFill>
-          <a:blip r:embed="rId2"/>
+          <a:blip r:embed="rId3"/>
           <a:stretch/>
         </p:blipFill>
         <p:spPr bwMode="auto">
-          <a:xfrm>
-            <a:off x="5952" y="0"/>
-            <a:ext cx="12180093" cy="6858000"/>
+          <a:xfrm rot="0">
+            <a:off x="2226255" y="1825624"/>
+            <a:ext cx="7739489" cy="4351338"/>
           </a:xfrm>
           <a:prstGeom prst="rect">
             <a:avLst/>
@@ -4291,7 +6922,7 @@
             </a:pPr>
             <a:r>
               <a:rPr/>
-              <a:t>Ensuite nous avons fais un audit automatique</a:t>
+              <a:t>on a vérifier le code source du site aussi  </a:t>
             </a:r>
             <a:endParaRPr/>
           </a:p>
@@ -4374,36 +7005,48 @@
             </a:pPr>
             <a:r>
               <a:rPr/>
-              <a:t>on a vérifier le code source du site aussi  </a:t>
-            </a:r>
-            <a:endParaRPr/>
-          </a:p>
-        </p:txBody>
-      </p:sp>
-      <p:pic>
-        <p:nvPicPr>
-          <p:cNvPr id="5" name="" hidden="0"/>
-          <p:cNvPicPr>
-            <a:picLocks noChangeAspect="1"/>
-          </p:cNvPicPr>
+              <a:t>Suite à mon audit </a:t>
+            </a:r>
+            <a:endParaRPr/>
+          </a:p>
+        </p:txBody>
+      </p:sp>
+      <p:sp>
+        <p:nvSpPr>
+          <p:cNvPr id="5" name="Content Placeholder 2" hidden="0"/>
+          <p:cNvSpPr>
+            <a:spLocks noGrp="1"/>
+          </p:cNvSpPr>
           <p:nvPr isPhoto="0" userDrawn="0">
             <p:ph idx="1" hasCustomPrompt="0"/>
           </p:nvPr>
-        </p:nvPicPr>
-        <p:blipFill>
-          <a:blip r:embed="rId3"/>
-          <a:stretch/>
-        </p:blipFill>
-        <p:spPr bwMode="auto">
-          <a:xfrm rot="0">
-            <a:off x="2226255" y="1825624"/>
-            <a:ext cx="7739489" cy="4351338"/>
-          </a:xfrm>
-          <a:prstGeom prst="rect">
-            <a:avLst/>
-          </a:prstGeom>
-        </p:spPr>
-      </p:pic>
+        </p:nvSpPr>
+        <p:spPr bwMode="auto"/>
+        <p:txBody>
+          <a:bodyPr/>
+          <a:lstStyle/>
+          <a:p>
+            <a:pPr>
+              <a:defRPr/>
+            </a:pPr>
+            <a:r>
+              <a:rPr/>
+              <a:t>j'ai noté les défauts qui me semble important à résoudre afin de monter le score pour l'agence</a:t>
+            </a:r>
+            <a:endParaRPr/>
+          </a:p>
+          <a:p>
+            <a:pPr>
+              <a:defRPr/>
+            </a:pPr>
+            <a:r>
+              <a:rPr/>
+              <a:t>Vous allez pouvoir regarder mes notes que j'ai laissé dans un tableau que j'ai joint avec mon rapport </a:t>
+            </a:r>
+            <a:endParaRPr/>
+          </a:p>
+        </p:txBody>
+      </p:sp>
     </p:spTree>
   </p:cSld>
   <p:clrMapOvr>
@@ -4439,7 +7082,7 @@
       </p:grpSpPr>
       <p:sp>
         <p:nvSpPr>
-          <p:cNvPr id="4" name="Title 1" hidden="0"/>
+          <p:cNvPr id="4" name="Заголовок 1" hidden="0"/>
           <p:cNvSpPr>
             <a:spLocks noGrp="1"/>
           </p:cNvSpPr>
@@ -4457,15 +7100,15 @@
             </a:pPr>
             <a:r>
               <a:rPr/>
-              <a:t>Suite à mon audit </a:t>
-            </a:r>
-            <a:endParaRPr/>
-          </a:p>
-        </p:txBody>
-      </p:sp>
-      <p:sp>
-        <p:nvSpPr>
-          <p:cNvPr id="5" name="Content Placeholder 2" hidden="0"/>
+              <a:t>Liste des modifications que j'ai apporté</a:t>
+            </a:r>
+            <a:endParaRPr/>
+          </a:p>
+        </p:txBody>
+      </p:sp>
+      <p:sp>
+        <p:nvSpPr>
+          <p:cNvPr id="5" name="Объект 2" hidden="0"/>
           <p:cNvSpPr>
             <a:spLocks noGrp="1"/>
           </p:cNvSpPr>
@@ -4475,30 +7118,250 @@
         </p:nvSpPr>
         <p:spPr bwMode="auto"/>
         <p:txBody>
-          <a:bodyPr/>
-          <a:lstStyle/>
-          <a:p>
-            <a:pPr>
+          <a:bodyPr vertOverflow="overflow" horzOverflow="clip" vert="horz" wrap="square" lIns="91440" tIns="45720" rIns="91440" bIns="45720" numCol="1" spcCol="0" rtlCol="0" fromWordArt="0" anchor="t" anchorCtr="0" forceAA="0" upright="0" compatLnSpc="0">
+            <a:normAutofit fontScale="85000" lnSpcReduction="3000"/>
+          </a:bodyPr>
+          <a:lstStyle/>
+          <a:p>
+            <a:pPr marL="0" indent="0">
+              <a:buFont typeface="Arial"/>
+              <a:buNone/>
               <a:defRPr/>
             </a:pPr>
             <a:r>
               <a:rPr/>
-              <a:t>j'ai noté les défauts qui me semble important afin résoudre afin de monter le score pour l'agence</a:t>
-            </a:r>
-            <a:endParaRPr/>
-          </a:p>
-          <a:p>
-            <a:pPr>
+              <a:t>-  ajout de contenu dans la balise méta qui était vide</a:t>
+            </a:r>
+            <a:endParaRPr/>
+          </a:p>
+          <a:p>
+            <a:pPr marL="0" indent="0">
+              <a:buFont typeface="Arial"/>
+              <a:buNone/>
               <a:defRPr/>
             </a:pPr>
             <a:r>
               <a:rPr/>
-              <a:t>Vous allez pouvoir regarder mes notes que j'ai laisser dans un tableau que j'ai joint avec mon rapport </a:t>
-            </a:r>
-            <a:endParaRPr/>
-          </a:p>
-        </p:txBody>
-      </p:sp>
+              <a:t>car elle est prise en compte par Google pour l'affichage des résultats.Si le visiteur n'as pas de descriptif de notre activité,il n'aura pas envie de le visiter</a:t>
+            </a:r>
+            <a:endParaRPr/>
+          </a:p>
+          <a:p>
+            <a:pPr marL="0" indent="0">
+              <a:buFont typeface="Arial"/>
+              <a:buNone/>
+              <a:defRPr/>
+            </a:pPr>
+            <a:endParaRPr/>
+          </a:p>
+          <a:p>
+            <a:pPr marL="0" indent="0">
+              <a:buFont typeface="Arial"/>
+              <a:buNone/>
+              <a:defRPr/>
+            </a:pPr>
+            <a:r>
+              <a:rPr/>
+              <a:t>-  Ajout d'un "Tittle" lui aussi était vide elle doit contenir le mot clé principal de la page </a:t>
+            </a:r>
+            <a:endParaRPr/>
+          </a:p>
+          <a:p>
+            <a:pPr marL="0" indent="0">
+              <a:buFont typeface="Arial"/>
+              <a:buNone/>
+              <a:defRPr/>
+            </a:pPr>
+            <a:endParaRPr/>
+          </a:p>
+          <a:p>
+            <a:pPr marL="0" indent="0">
+              <a:buFont typeface="Arial"/>
+              <a:buNone/>
+              <a:defRPr/>
+            </a:pPr>
+            <a:r>
+              <a:rPr/>
+              <a:t>-  Insertion de FR pour la langue du site </a:t>
+            </a:r>
+            <a:endParaRPr/>
+          </a:p>
+          <a:p>
+            <a:pPr marL="0" indent="0">
+              <a:buFont typeface="Arial"/>
+              <a:buNone/>
+              <a:defRPr/>
+            </a:pPr>
+            <a:r>
+              <a:rPr/>
+              <a:t>-  Ajout attribut Defer pour que  le Java script soit exécuté après que le html ait été analysé</a:t>
+            </a:r>
+            <a:endParaRPr/>
+          </a:p>
+        </p:txBody>
+      </p:sp>
+    </p:spTree>
+  </p:cSld>
+  <p:clrMapOvr>
+    <a:masterClrMapping/>
+  </p:clrMapOvr>
+  <mc:AlternateContent xmlns:mc="http://schemas.openxmlformats.org/markup-compatibility/2006">
+    <mc:Choice xmlns:p14="http://schemas.microsoft.com/office/powerpoint/2010/main" Requires="p14">
+      <p:transition p14:dur="2000" advClick="1"/>
+    </mc:Choice>
+    <mc:Fallback>
+      <p:transition advClick="1"/>
+    </mc:Fallback>
+  </mc:AlternateContent>
+</p:sld>
+</file>
+
+<file path=ppt/slides/slide8.xml><?xml version="1.0" encoding="utf-8"?>
+<p:sld xmlns:a="http://schemas.openxmlformats.org/drawingml/2006/main" xmlns:r="http://schemas.openxmlformats.org/officeDocument/2006/relationships" xmlns:p="http://schemas.openxmlformats.org/presentationml/2006/main" xmlns:m="http://schemas.openxmlformats.org/officeDocument/2006/math" xmlns:w="http://schemas.openxmlformats.org/wordprocessingml/2006/main" showMasterPhAnim="0" show="1">
+  <p:cSld name="">
+    <p:spTree>
+      <p:nvGrpSpPr>
+        <p:cNvPr id="1" name="" hidden="0"/>
+        <p:cNvGrpSpPr/>
+        <p:nvPr isPhoto="0" userDrawn="0"/>
+      </p:nvGrpSpPr>
+      <p:grpSpPr bwMode="auto">
+        <a:xfrm>
+          <a:off x="0" y="0"/>
+          <a:ext cx="0" cy="0"/>
+          <a:chOff x="0" y="0"/>
+          <a:chExt cx="0" cy="0"/>
+        </a:xfrm>
+      </p:grpSpPr>
+      <p:sp>
+        <p:nvSpPr>
+          <p:cNvPr id="4" name="Заголовок 1" hidden="0"/>
+          <p:cNvSpPr>
+            <a:spLocks noGrp="1"/>
+          </p:cNvSpPr>
+          <p:nvPr isPhoto="0" userDrawn="0">
+            <p:ph type="title" hasCustomPrompt="0"/>
+          </p:nvPr>
+        </p:nvSpPr>
+        <p:spPr bwMode="auto"/>
+        <p:txBody>
+          <a:bodyPr/>
+          <a:lstStyle/>
+          <a:p>
+            <a:pPr>
+              <a:defRPr/>
+            </a:pPr>
+            <a:r>
+              <a:rPr/>
+              <a:t>Code avant ajout sur la meta et le Tiltle</a:t>
+            </a:r>
+            <a:endParaRPr/>
+          </a:p>
+        </p:txBody>
+      </p:sp>
+      <p:pic>
+        <p:nvPicPr>
+          <p:cNvPr id="5" name="" hidden="0"/>
+          <p:cNvPicPr>
+            <a:picLocks noChangeAspect="1"/>
+          </p:cNvPicPr>
+          <p:nvPr isPhoto="0" userDrawn="0">
+            <p:ph idx="1" hasCustomPrompt="0"/>
+          </p:nvPr>
+        </p:nvPicPr>
+        <p:blipFill>
+          <a:blip r:embed="rId3"/>
+          <a:stretch/>
+        </p:blipFill>
+        <p:spPr bwMode="auto">
+          <a:xfrm rot="0">
+            <a:off x="2070957" y="1600201"/>
+            <a:ext cx="8050084" cy="4525962"/>
+          </a:xfrm>
+          <a:prstGeom prst="rect">
+            <a:avLst/>
+          </a:prstGeom>
+        </p:spPr>
+      </p:pic>
+    </p:spTree>
+  </p:cSld>
+  <p:clrMapOvr>
+    <a:masterClrMapping/>
+  </p:clrMapOvr>
+  <mc:AlternateContent xmlns:mc="http://schemas.openxmlformats.org/markup-compatibility/2006">
+    <mc:Choice xmlns:p14="http://schemas.microsoft.com/office/powerpoint/2010/main" Requires="p14">
+      <p:transition p14:dur="2000" advClick="1"/>
+    </mc:Choice>
+    <mc:Fallback>
+      <p:transition advClick="1"/>
+    </mc:Fallback>
+  </mc:AlternateContent>
+</p:sld>
+</file>
+
+<file path=ppt/slides/slide9.xml><?xml version="1.0" encoding="utf-8"?>
+<p:sld xmlns:a="http://schemas.openxmlformats.org/drawingml/2006/main" xmlns:r="http://schemas.openxmlformats.org/officeDocument/2006/relationships" xmlns:p="http://schemas.openxmlformats.org/presentationml/2006/main" xmlns:m="http://schemas.openxmlformats.org/officeDocument/2006/math" xmlns:w="http://schemas.openxmlformats.org/wordprocessingml/2006/main" showMasterPhAnim="0" show="1">
+  <p:cSld name="">
+    <p:spTree>
+      <p:nvGrpSpPr>
+        <p:cNvPr id="1" name="" hidden="0"/>
+        <p:cNvGrpSpPr/>
+        <p:nvPr isPhoto="0" userDrawn="0"/>
+      </p:nvGrpSpPr>
+      <p:grpSpPr bwMode="auto">
+        <a:xfrm>
+          <a:off x="0" y="0"/>
+          <a:ext cx="0" cy="0"/>
+          <a:chOff x="0" y="0"/>
+          <a:chExt cx="0" cy="0"/>
+        </a:xfrm>
+      </p:grpSpPr>
+      <p:sp>
+        <p:nvSpPr>
+          <p:cNvPr id="4" name="Заголовок 1" hidden="0"/>
+          <p:cNvSpPr>
+            <a:spLocks noGrp="1"/>
+          </p:cNvSpPr>
+          <p:nvPr isPhoto="0" userDrawn="0">
+            <p:ph type="title" hasCustomPrompt="0"/>
+          </p:nvPr>
+        </p:nvSpPr>
+        <p:spPr bwMode="auto"/>
+        <p:txBody>
+          <a:bodyPr/>
+          <a:lstStyle/>
+          <a:p>
+            <a:pPr>
+              <a:defRPr/>
+            </a:pPr>
+            <a:endParaRPr/>
+          </a:p>
+        </p:txBody>
+      </p:sp>
+      <p:pic>
+        <p:nvPicPr>
+          <p:cNvPr id="5" name="" hidden="0"/>
+          <p:cNvPicPr>
+            <a:picLocks noChangeAspect="1"/>
+          </p:cNvPicPr>
+          <p:nvPr isPhoto="0" userDrawn="0">
+            <p:ph idx="1" hasCustomPrompt="0"/>
+          </p:nvPr>
+        </p:nvPicPr>
+        <p:blipFill>
+          <a:blip r:embed="rId2"/>
+          <a:stretch/>
+        </p:blipFill>
+        <p:spPr bwMode="auto">
+          <a:xfrm rot="0">
+            <a:off x="2070957" y="1600201"/>
+            <a:ext cx="8050084" cy="4525962"/>
+          </a:xfrm>
+          <a:prstGeom prst="rect">
+            <a:avLst/>
+          </a:prstGeom>
+        </p:spPr>
+      </p:pic>
     </p:spTree>
   </p:cSld>
   <p:clrMapOvr>
@@ -4516,9 +7379,9 @@
 </file>
 
 <file path=ppt/theme/theme1.xml><?xml version="1.0" encoding="utf-8"?>
-<a:theme xmlns:a="http://schemas.openxmlformats.org/drawingml/2006/main" xmlns:r="http://schemas.openxmlformats.org/officeDocument/2006/relationships" xmlns:p="http://schemas.openxmlformats.org/presentationml/2006/main" name="Office Theme">
+<a:theme xmlns:a="http://schemas.openxmlformats.org/drawingml/2006/main" xmlns:r="http://schemas.openxmlformats.org/officeDocument/2006/relationships" xmlns:p="http://schemas.openxmlformats.org/presentationml/2006/main" name="Turtle">
   <a:themeElements>
-    <a:clrScheme name="Office Theme">
+    <a:clrScheme name="Office">
       <a:dk1>
         <a:sysClr val="windowText" lastClr="000000"/>
       </a:dk1>
@@ -4526,37 +7389,37 @@
         <a:sysClr val="window" lastClr="FFFFFF"/>
       </a:lt1>
       <a:dk2>
-        <a:srgbClr val="44546A"/>
+        <a:srgbClr val="1F497D"/>
       </a:dk2>
       <a:lt2>
-        <a:srgbClr val="E7E6E6"/>
+        <a:srgbClr val="EEECE1"/>
       </a:lt2>
       <a:accent1>
-        <a:srgbClr val="5B9BD5"/>
+        <a:srgbClr val="4F81BD"/>
       </a:accent1>
       <a:accent2>
-        <a:srgbClr val="ED7D31"/>
+        <a:srgbClr val="C0504D"/>
       </a:accent2>
       <a:accent3>
-        <a:srgbClr val="A5A5A5"/>
+        <a:srgbClr val="9BBB59"/>
       </a:accent3>
       <a:accent4>
-        <a:srgbClr val="FFC000"/>
+        <a:srgbClr val="8064A2"/>
       </a:accent4>
       <a:accent5>
-        <a:srgbClr val="4472C4"/>
+        <a:srgbClr val="4BACC6"/>
       </a:accent5>
       <a:accent6>
-        <a:srgbClr val="70AD47"/>
+        <a:srgbClr val="F79646"/>
       </a:accent6>
       <a:hlink>
-        <a:srgbClr val="0563C1"/>
+        <a:srgbClr val="0000FF"/>
       </a:hlink>
       <a:folHlink>
-        <a:srgbClr val="954F72"/>
+        <a:srgbClr val="800080"/>
       </a:folHlink>
     </a:clrScheme>
-    <a:fontScheme name="Office Theme">
+    <a:fontScheme name="">
       <a:majorFont>
         <a:latin typeface="Arial"/>
         <a:ea typeface="Arial"/>
@@ -4568,7 +7431,7 @@
         <a:cs typeface="Arial"/>
       </a:minorFont>
     </a:fontScheme>
-    <a:fmtScheme name="Office Theme">
+    <a:fmtScheme name="Стандартная">
       <a:fillStyleLst>
         <a:solidFill>
           <a:schemeClr val="phClr"/>
@@ -4577,76 +7440,70 @@
           <a:gsLst>
             <a:gs pos="0">
               <a:schemeClr val="phClr">
-                <a:lumMod val="110000"/>
-                <a:satMod val="105000"/>
-                <a:tint val="67000"/>
+                <a:tint val="50000"/>
+                <a:satMod val="300000"/>
               </a:schemeClr>
             </a:gs>
-            <a:gs pos="50000">
+            <a:gs pos="35000">
               <a:schemeClr val="phClr">
-                <a:lumMod val="105000"/>
-                <a:satMod val="103000"/>
-                <a:tint val="73000"/>
+                <a:tint val="37000"/>
+                <a:satMod val="300000"/>
               </a:schemeClr>
             </a:gs>
             <a:gs pos="100000">
               <a:schemeClr val="phClr">
-                <a:lumMod val="105000"/>
-                <a:satMod val="109000"/>
-                <a:tint val="81000"/>
+                <a:tint val="15000"/>
+                <a:satMod val="350000"/>
               </a:schemeClr>
             </a:gs>
           </a:gsLst>
-          <a:lin ang="5400000" scaled="0"/>
+          <a:lin ang="16200000" scaled="1"/>
         </a:gradFill>
         <a:gradFill>
           <a:gsLst>
             <a:gs pos="0">
               <a:schemeClr val="phClr">
-                <a:satMod val="103000"/>
-                <a:lumMod val="102000"/>
-                <a:tint val="94000"/>
+                <a:shade val="51000"/>
+                <a:satMod val="130000"/>
               </a:schemeClr>
             </a:gs>
-            <a:gs pos="50000">
+            <a:gs pos="80000">
               <a:schemeClr val="phClr">
-                <a:satMod val="110000"/>
-                <a:lumMod val="100000"/>
-                <a:shade val="100000"/>
+                <a:shade val="93000"/>
+                <a:satMod val="130000"/>
               </a:schemeClr>
             </a:gs>
             <a:gs pos="100000">
               <a:schemeClr val="phClr">
-                <a:lumMod val="99000"/>
-                <a:satMod val="120000"/>
-                <a:shade val="78000"/>
+                <a:shade val="94000"/>
+                <a:satMod val="135000"/>
               </a:schemeClr>
             </a:gs>
           </a:gsLst>
-          <a:lin ang="5400000" scaled="0"/>
+          <a:lin ang="16200000" scaled="0"/>
         </a:gradFill>
       </a:fillStyleLst>
       <a:lnStyleLst>
-        <a:ln w="6350" cap="flat" cmpd="sng" algn="ctr">
+        <a:ln w="9525" cap="flat" cmpd="sng" algn="ctr">
+          <a:solidFill>
+            <a:schemeClr val="phClr">
+              <a:shade val="95000"/>
+              <a:satMod val="105000"/>
+            </a:schemeClr>
+          </a:solidFill>
+          <a:prstDash val="solid"/>
+        </a:ln>
+        <a:ln w="25400" cap="flat" cmpd="sng" algn="ctr">
           <a:solidFill>
             <a:schemeClr val="phClr"/>
           </a:solidFill>
           <a:prstDash val="solid"/>
-          <a:miter lim="800000"/>
         </a:ln>
-        <a:ln w="12700" cap="flat" cmpd="sng" algn="ctr">
+        <a:ln w="38100" cap="flat" cmpd="sng" algn="ctr">
           <a:solidFill>
             <a:schemeClr val="phClr"/>
           </a:solidFill>
           <a:prstDash val="solid"/>
-          <a:miter lim="800000"/>
-        </a:ln>
-        <a:ln w="19050" cap="flat" cmpd="sng" algn="ctr">
-          <a:solidFill>
-            <a:schemeClr val="phClr"/>
-          </a:solidFill>
-          <a:prstDash val="solid"/>
-          <a:miter lim="800000"/>
         </a:ln>
       </a:lnStyleLst>
       <a:effectStyleLst>
@@ -4682,38 +7539,46 @@
         <a:solidFill>
           <a:schemeClr val="phClr"/>
         </a:solidFill>
-        <a:solidFill>
-          <a:schemeClr val="phClr">
-            <a:tint val="95000"/>
-            <a:satMod val="170000"/>
-          </a:schemeClr>
-        </a:solidFill>
         <a:gradFill>
           <a:gsLst>
             <a:gs pos="0">
               <a:schemeClr val="phClr">
-                <a:tint val="93000"/>
-                <a:satMod val="150000"/>
-                <a:shade val="98000"/>
-                <a:lumMod val="102000"/>
+                <a:tint val="40000"/>
+                <a:satMod val="350000"/>
               </a:schemeClr>
             </a:gs>
-            <a:gs pos="50000">
+            <a:gs pos="40000">
               <a:schemeClr val="phClr">
-                <a:tint val="98000"/>
-                <a:satMod val="130000"/>
-                <a:shade val="90000"/>
-                <a:lumMod val="103000"/>
+                <a:tint val="45000"/>
+                <a:shade val="99000"/>
+                <a:satMod val="350000"/>
               </a:schemeClr>
             </a:gs>
             <a:gs pos="100000">
               <a:schemeClr val="phClr">
-                <a:shade val="63000"/>
-                <a:satMod val="120000"/>
+                <a:shade val="20000"/>
+                <a:satMod val="255000"/>
               </a:schemeClr>
             </a:gs>
           </a:gsLst>
-          <a:lin ang="5400000" scaled="0"/>
+          <a:path path="circle"/>
+        </a:gradFill>
+        <a:gradFill>
+          <a:gsLst>
+            <a:gs pos="0">
+              <a:schemeClr val="phClr">
+                <a:tint val="80000"/>
+                <a:satMod val="300000"/>
+              </a:schemeClr>
+            </a:gs>
+            <a:gs pos="100000">
+              <a:schemeClr val="phClr">
+                <a:shade val="30000"/>
+                <a:satMod val="200000"/>
+              </a:schemeClr>
+            </a:gs>
+          </a:gsLst>
+          <a:path path="circle"/>
         </a:gradFill>
       </a:bgFillStyleLst>
     </a:fmtScheme>
